--- a/Hands-on Modules/Embedding/5. Ways to Embed Power BI objects.pptx
+++ b/Hands-on Modules/Embedding/5. Ways to Embed Power BI objects.pptx
@@ -6,18 +6,23 @@
     <p:sldMasterId id="2147483665" r:id="rId5"/>
   </p:sldMasterIdLst>
   <p:notesMasterIdLst>
-    <p:notesMasterId r:id="rId15"/>
+    <p:notesMasterId r:id="rId20"/>
   </p:notesMasterIdLst>
   <p:sldIdLst>
     <p:sldId id="300" r:id="rId6"/>
     <p:sldId id="312" r:id="rId7"/>
     <p:sldId id="323" r:id="rId8"/>
-    <p:sldId id="334" r:id="rId9"/>
-    <p:sldId id="336" r:id="rId10"/>
-    <p:sldId id="335" r:id="rId11"/>
-    <p:sldId id="333" r:id="rId12"/>
-    <p:sldId id="321" r:id="rId13"/>
-    <p:sldId id="315" r:id="rId14"/>
+    <p:sldId id="324" r:id="rId9"/>
+    <p:sldId id="337" r:id="rId10"/>
+    <p:sldId id="334" r:id="rId11"/>
+    <p:sldId id="336" r:id="rId12"/>
+    <p:sldId id="338" r:id="rId13"/>
+    <p:sldId id="339" r:id="rId14"/>
+    <p:sldId id="340" r:id="rId15"/>
+    <p:sldId id="341" r:id="rId16"/>
+    <p:sldId id="335" r:id="rId17"/>
+    <p:sldId id="333" r:id="rId18"/>
+    <p:sldId id="315" r:id="rId19"/>
   </p:sldIdLst>
   <p:sldSz cx="12192000" cy="6858000"/>
   <p:notesSz cx="6858000" cy="9144000"/>
@@ -215,7 +220,7 @@
           <a:p>
             <a:fld id="{52A13B17-C506-4D51-BB37-16B365906619}" type="datetimeFigureOut">
               <a:rPr lang="en-US" smtClean="0"/>
-              <a:t>2/25/2019</a:t>
+              <a:t>2/26/2019</a:t>
             </a:fld>
             <a:endParaRPr lang="en-US"/>
           </a:p>
@@ -764,7 +769,7 @@
           <a:p>
             <a:fld id="{35A2D088-BDBD-41A5-ADCE-5C6A4DC08057}" type="datetime8">
               <a:rPr lang="en-US" smtClean="0"/>
-              <a:t>2/25/2019 11:13 PM</a:t>
+              <a:t>2/26/2019 10:34 AM</a:t>
             </a:fld>
             <a:endParaRPr lang="en-US" dirty="0"/>
           </a:p>
@@ -1029,7 +1034,7 @@
           <a:p>
             <a:fld id="{35A2D088-BDBD-41A5-ADCE-5C6A4DC08057}" type="datetime8">
               <a:rPr lang="en-US" smtClean="0"/>
-              <a:t>2/25/2019 11:13 PM</a:t>
+              <a:t>2/26/2019 10:34 AM</a:t>
             </a:fld>
             <a:endParaRPr lang="en-US" dirty="0"/>
           </a:p>
@@ -1053,7 +1058,7 @@
             <a:fld id="{B4008EB6-D09E-4580-8CD6-DDB14511944F}" type="slidenum">
               <a:rPr lang="en-US" smtClean="0"/>
               <a:pPr/>
-              <a:t>7</a:t>
+              <a:t>13</a:t>
             </a:fld>
             <a:endParaRPr lang="en-US" dirty="0"/>
           </a:p>
@@ -1073,90 +1078,6 @@
 </file>
 
 <file path=ppt/notesSlides/notesSlide5.xml><?xml version="1.0" encoding="utf-8"?>
-<p:notes xmlns:a="http://schemas.openxmlformats.org/drawingml/2006/main" xmlns:r="http://schemas.openxmlformats.org/officeDocument/2006/relationships" xmlns:p="http://schemas.openxmlformats.org/presentationml/2006/main">
-  <p:cSld>
-    <p:spTree>
-      <p:nvGrpSpPr>
-        <p:cNvPr id="1" name=""/>
-        <p:cNvGrpSpPr/>
-        <p:nvPr/>
-      </p:nvGrpSpPr>
-      <p:grpSpPr>
-        <a:xfrm>
-          <a:off x="0" y="0"/>
-          <a:ext cx="0" cy="0"/>
-          <a:chOff x="0" y="0"/>
-          <a:chExt cx="0" cy="0"/>
-        </a:xfrm>
-      </p:grpSpPr>
-      <p:sp>
-        <p:nvSpPr>
-          <p:cNvPr id="2" name="Slide Image Placeholder 1"/>
-          <p:cNvSpPr>
-            <a:spLocks noGrp="1" noRot="1" noChangeAspect="1"/>
-          </p:cNvSpPr>
-          <p:nvPr>
-            <p:ph type="sldImg"/>
-          </p:nvPr>
-        </p:nvSpPr>
-        <p:spPr/>
-      </p:sp>
-      <p:sp>
-        <p:nvSpPr>
-          <p:cNvPr id="3" name="Notes Placeholder 2"/>
-          <p:cNvSpPr>
-            <a:spLocks noGrp="1"/>
-          </p:cNvSpPr>
-          <p:nvPr>
-            <p:ph type="body" idx="1"/>
-          </p:nvPr>
-        </p:nvSpPr>
-        <p:spPr/>
-        <p:txBody>
-          <a:bodyPr/>
-          <a:lstStyle/>
-          <a:p>
-            <a:endParaRPr lang="en-US" dirty="0"/>
-          </a:p>
-        </p:txBody>
-      </p:sp>
-      <p:sp>
-        <p:nvSpPr>
-          <p:cNvPr id="4" name="Slide Number Placeholder 3"/>
-          <p:cNvSpPr>
-            <a:spLocks noGrp="1"/>
-          </p:cNvSpPr>
-          <p:nvPr>
-            <p:ph type="sldNum" sz="quarter" idx="10"/>
-          </p:nvPr>
-        </p:nvSpPr>
-        <p:spPr/>
-        <p:txBody>
-          <a:bodyPr/>
-          <a:lstStyle/>
-          <a:p>
-            <a:fld id="{0998D5BB-B127-481F-BC0A-2F77C576BB34}" type="slidenum">
-              <a:rPr lang="en-US" smtClean="0"/>
-              <a:t>8</a:t>
-            </a:fld>
-            <a:endParaRPr lang="en-US"/>
-          </a:p>
-        </p:txBody>
-      </p:sp>
-    </p:spTree>
-    <p:extLst>
-      <p:ext uri="{BB962C8B-B14F-4D97-AF65-F5344CB8AC3E}">
-        <p14:creationId xmlns:p14="http://schemas.microsoft.com/office/powerpoint/2010/main" val="1579283386"/>
-      </p:ext>
-    </p:extLst>
-  </p:cSld>
-  <p:clrMapOvr>
-    <a:masterClrMapping/>
-  </p:clrMapOvr>
-</p:notes>
-</file>
-
-<file path=ppt/notesSlides/notesSlide6.xml><?xml version="1.0" encoding="utf-8"?>
 <p:notes xmlns:a="http://schemas.openxmlformats.org/drawingml/2006/main" xmlns:r="http://schemas.openxmlformats.org/officeDocument/2006/relationships" xmlns:p="http://schemas.openxmlformats.org/presentationml/2006/main">
   <p:cSld>
     <p:spTree>
@@ -1263,7 +1184,7 @@
                   <a:prstClr val="black"/>
                 </a:solidFill>
               </a:rPr>
-              <a:t>2/25/2019 11:13 PM</a:t>
+              <a:t>2/26/2019 10:34 AM</a:t>
             </a:fld>
             <a:endParaRPr lang="en-US" dirty="0">
               <a:solidFill>
@@ -1295,7 +1216,7 @@
                 </a:solidFill>
               </a:rPr>
               <a:pPr/>
-              <a:t>9</a:t>
+              <a:t>14</a:t>
             </a:fld>
             <a:endParaRPr lang="en-US" dirty="0">
               <a:solidFill>
@@ -11409,7 +11330,7 @@
             <a:fld id="{2E809A50-B28D-413A-915D-87F91E5248C6}" type="datetimeFigureOut">
               <a:rPr lang="en-US" smtClean="0"/>
               <a:pPr/>
-              <a:t>2/25/2019</a:t>
+              <a:t>2/26/2019</a:t>
             </a:fld>
             <a:endParaRPr lang="en-US"/>
           </a:p>
@@ -11462,6 +11383,204 @@
     <p:extLst>
       <p:ext uri="{BB962C8B-B14F-4D97-AF65-F5344CB8AC3E}">
         <p14:creationId xmlns:p14="http://schemas.microsoft.com/office/powerpoint/2010/main" val="3531977097"/>
+      </p:ext>
+    </p:extLst>
+  </p:cSld>
+  <p:clrMapOvr>
+    <a:masterClrMapping/>
+  </p:clrMapOvr>
+</p:sldLayout>
+</file>
+
+<file path=ppt/slideLayouts/slideLayout31.xml><?xml version="1.0" encoding="utf-8"?>
+<p:sldLayout xmlns:a="http://schemas.openxmlformats.org/drawingml/2006/main" xmlns:r="http://schemas.openxmlformats.org/officeDocument/2006/relationships" xmlns:p="http://schemas.openxmlformats.org/presentationml/2006/main" type="obj">
+  <p:cSld name="1_Title and Content">
+    <p:spTree>
+      <p:nvGrpSpPr>
+        <p:cNvPr id="1" name=""/>
+        <p:cNvGrpSpPr/>
+        <p:nvPr/>
+      </p:nvGrpSpPr>
+      <p:grpSpPr>
+        <a:xfrm>
+          <a:off x="0" y="0"/>
+          <a:ext cx="0" cy="0"/>
+          <a:chOff x="0" y="0"/>
+          <a:chExt cx="0" cy="0"/>
+        </a:xfrm>
+      </p:grpSpPr>
+      <p:sp>
+        <p:nvSpPr>
+          <p:cNvPr id="2" name="Title 1">
+            <a:extLst>
+              <a:ext uri="{FF2B5EF4-FFF2-40B4-BE49-F238E27FC236}">
+                <a16:creationId xmlns:a16="http://schemas.microsoft.com/office/drawing/2014/main" id="{E3B48255-A010-4DD6-922E-0BEC27D95654}"/>
+              </a:ext>
+            </a:extLst>
+          </p:cNvPr>
+          <p:cNvSpPr>
+            <a:spLocks noGrp="1"/>
+          </p:cNvSpPr>
+          <p:nvPr>
+            <p:ph type="title"/>
+          </p:nvPr>
+        </p:nvSpPr>
+        <p:spPr/>
+        <p:txBody>
+          <a:bodyPr/>
+          <a:lstStyle/>
+          <a:p>
+            <a:r>
+              <a:rPr lang="en-US"/>
+              <a:t>Click to edit Master title style</a:t>
+            </a:r>
+          </a:p>
+        </p:txBody>
+      </p:sp>
+      <p:sp>
+        <p:nvSpPr>
+          <p:cNvPr id="3" name="Content Placeholder 2">
+            <a:extLst>
+              <a:ext uri="{FF2B5EF4-FFF2-40B4-BE49-F238E27FC236}">
+                <a16:creationId xmlns:a16="http://schemas.microsoft.com/office/drawing/2014/main" id="{F6F738C8-E566-4C48-AB10-4F32104064EA}"/>
+              </a:ext>
+            </a:extLst>
+          </p:cNvPr>
+          <p:cNvSpPr>
+            <a:spLocks noGrp="1"/>
+          </p:cNvSpPr>
+          <p:nvPr>
+            <p:ph idx="1"/>
+          </p:nvPr>
+        </p:nvSpPr>
+        <p:spPr/>
+        <p:txBody>
+          <a:bodyPr/>
+          <a:lstStyle/>
+          <a:p>
+            <a:pPr lvl="0"/>
+            <a:r>
+              <a:rPr lang="en-US"/>
+              <a:t>Edit Master text styles</a:t>
+            </a:r>
+          </a:p>
+          <a:p>
+            <a:pPr lvl="1"/>
+            <a:r>
+              <a:rPr lang="en-US"/>
+              <a:t>Second level</a:t>
+            </a:r>
+          </a:p>
+          <a:p>
+            <a:pPr lvl="2"/>
+            <a:r>
+              <a:rPr lang="en-US"/>
+              <a:t>Third level</a:t>
+            </a:r>
+          </a:p>
+          <a:p>
+            <a:pPr lvl="3"/>
+            <a:r>
+              <a:rPr lang="en-US"/>
+              <a:t>Fourth level</a:t>
+            </a:r>
+          </a:p>
+          <a:p>
+            <a:pPr lvl="4"/>
+            <a:r>
+              <a:rPr lang="en-US"/>
+              <a:t>Fifth level</a:t>
+            </a:r>
+          </a:p>
+        </p:txBody>
+      </p:sp>
+      <p:sp>
+        <p:nvSpPr>
+          <p:cNvPr id="4" name="Date Placeholder 3">
+            <a:extLst>
+              <a:ext uri="{FF2B5EF4-FFF2-40B4-BE49-F238E27FC236}">
+                <a16:creationId xmlns:a16="http://schemas.microsoft.com/office/drawing/2014/main" id="{098ED3E6-A087-4807-A462-9C5AACE614BE}"/>
+              </a:ext>
+            </a:extLst>
+          </p:cNvPr>
+          <p:cNvSpPr>
+            <a:spLocks noGrp="1"/>
+          </p:cNvSpPr>
+          <p:nvPr>
+            <p:ph type="dt" sz="half" idx="10"/>
+          </p:nvPr>
+        </p:nvSpPr>
+        <p:spPr/>
+        <p:txBody>
+          <a:bodyPr/>
+          <a:lstStyle/>
+          <a:p>
+            <a:fld id="{1279C872-40C5-4778-A459-913B2790679C}" type="datetimeFigureOut">
+              <a:rPr lang="en-US" smtClean="0"/>
+              <a:t>2/26/2019</a:t>
+            </a:fld>
+            <a:endParaRPr lang="en-US"/>
+          </a:p>
+        </p:txBody>
+      </p:sp>
+      <p:sp>
+        <p:nvSpPr>
+          <p:cNvPr id="5" name="Footer Placeholder 4">
+            <a:extLst>
+              <a:ext uri="{FF2B5EF4-FFF2-40B4-BE49-F238E27FC236}">
+                <a16:creationId xmlns:a16="http://schemas.microsoft.com/office/drawing/2014/main" id="{7E8D86CE-D5BF-43EC-8F71-EF28F5D3AC40}"/>
+              </a:ext>
+            </a:extLst>
+          </p:cNvPr>
+          <p:cNvSpPr>
+            <a:spLocks noGrp="1"/>
+          </p:cNvSpPr>
+          <p:nvPr>
+            <p:ph type="ftr" sz="quarter" idx="11"/>
+          </p:nvPr>
+        </p:nvSpPr>
+        <p:spPr/>
+        <p:txBody>
+          <a:bodyPr/>
+          <a:lstStyle/>
+          <a:p>
+            <a:endParaRPr lang="en-US"/>
+          </a:p>
+        </p:txBody>
+      </p:sp>
+      <p:sp>
+        <p:nvSpPr>
+          <p:cNvPr id="6" name="Slide Number Placeholder 5">
+            <a:extLst>
+              <a:ext uri="{FF2B5EF4-FFF2-40B4-BE49-F238E27FC236}">
+                <a16:creationId xmlns:a16="http://schemas.microsoft.com/office/drawing/2014/main" id="{744D5B51-7161-4A20-B3FC-57E5A962C76A}"/>
+              </a:ext>
+            </a:extLst>
+          </p:cNvPr>
+          <p:cNvSpPr>
+            <a:spLocks noGrp="1"/>
+          </p:cNvSpPr>
+          <p:nvPr>
+            <p:ph type="sldNum" sz="quarter" idx="12"/>
+          </p:nvPr>
+        </p:nvSpPr>
+        <p:spPr/>
+        <p:txBody>
+          <a:bodyPr/>
+          <a:lstStyle/>
+          <a:p>
+            <a:fld id="{A9750100-3570-4DE3-A91F-E57EAF767500}" type="slidenum">
+              <a:rPr lang="en-US" smtClean="0"/>
+              <a:t>‹#›</a:t>
+            </a:fld>
+            <a:endParaRPr lang="en-US"/>
+          </a:p>
+        </p:txBody>
+      </p:sp>
+    </p:spTree>
+    <p:extLst>
+      <p:ext uri="{BB962C8B-B14F-4D97-AF65-F5344CB8AC3E}">
+        <p14:creationId xmlns:p14="http://schemas.microsoft.com/office/powerpoint/2010/main" val="27295616"/>
       </p:ext>
     </p:extLst>
   </p:cSld>
@@ -13137,6 +13256,7 @@
     <p:sldLayoutId id="2147483682" r:id="rId17"/>
     <p:sldLayoutId id="2147483683" r:id="rId18"/>
     <p:sldLayoutId id="2147483693" r:id="rId19"/>
+    <p:sldLayoutId id="2147483694" r:id="rId20"/>
   </p:sldLayoutIdLst>
   <p:transition>
     <p:fade/>
@@ -13746,6 +13866,979 @@
 </p:sld>
 </file>
 
+<file path=ppt/slides/slide10.xml><?xml version="1.0" encoding="utf-8"?>
+<p:sld xmlns:a="http://schemas.openxmlformats.org/drawingml/2006/main" xmlns:r="http://schemas.openxmlformats.org/officeDocument/2006/relationships" xmlns:p="http://schemas.openxmlformats.org/presentationml/2006/main">
+  <p:cSld>
+    <p:spTree>
+      <p:nvGrpSpPr>
+        <p:cNvPr id="1" name=""/>
+        <p:cNvGrpSpPr/>
+        <p:nvPr/>
+      </p:nvGrpSpPr>
+      <p:grpSpPr>
+        <a:xfrm>
+          <a:off x="0" y="0"/>
+          <a:ext cx="0" cy="0"/>
+          <a:chOff x="0" y="0"/>
+          <a:chExt cx="0" cy="0"/>
+        </a:xfrm>
+      </p:grpSpPr>
+      <p:sp>
+        <p:nvSpPr>
+          <p:cNvPr id="2" name="Title 1">
+            <a:extLst>
+              <a:ext uri="{FF2B5EF4-FFF2-40B4-BE49-F238E27FC236}">
+                <a16:creationId xmlns:a16="http://schemas.microsoft.com/office/drawing/2014/main" id="{20A83E55-3BDC-4EE6-93B9-0BB14986C0C5}"/>
+              </a:ext>
+            </a:extLst>
+          </p:cNvPr>
+          <p:cNvSpPr>
+            <a:spLocks noGrp="1"/>
+          </p:cNvSpPr>
+          <p:nvPr>
+            <p:ph type="title"/>
+          </p:nvPr>
+        </p:nvSpPr>
+        <p:spPr/>
+        <p:txBody>
+          <a:bodyPr/>
+          <a:lstStyle/>
+          <a:p>
+            <a:r>
+              <a:rPr lang="en-US" dirty="0"/>
+              <a:t>Get the content item you want to embed </a:t>
+            </a:r>
+          </a:p>
+        </p:txBody>
+      </p:sp>
+      <p:sp>
+        <p:nvSpPr>
+          <p:cNvPr id="3" name="Text Placeholder 2">
+            <a:extLst>
+              <a:ext uri="{FF2B5EF4-FFF2-40B4-BE49-F238E27FC236}">
+                <a16:creationId xmlns:a16="http://schemas.microsoft.com/office/drawing/2014/main" id="{45945038-B1CD-47F4-BDE1-F8EAA6442E90}"/>
+              </a:ext>
+            </a:extLst>
+          </p:cNvPr>
+          <p:cNvSpPr>
+            <a:spLocks noGrp="1"/>
+          </p:cNvSpPr>
+          <p:nvPr>
+            <p:ph type="body" sz="quarter" idx="10"/>
+          </p:nvPr>
+        </p:nvSpPr>
+        <p:spPr>
+          <a:xfrm>
+            <a:off x="269241" y="1189176"/>
+            <a:ext cx="5378548" cy="3994940"/>
+          </a:xfrm>
+        </p:spPr>
+        <p:txBody>
+          <a:bodyPr/>
+          <a:lstStyle/>
+          <a:p>
+            <a:r>
+              <a:rPr lang="en-US" sz="2400" dirty="0"/>
+              <a:t>You can use the Power BI client object to retrieve a reference to the item you want to embed. Here is a code sample of how to retrieve the first report from a given workspace. </a:t>
+            </a:r>
+          </a:p>
+          <a:p>
+            <a:r>
+              <a:rPr lang="en-US" sz="2400" dirty="0"/>
+              <a:t>A sample of getting a content item whether it's a report, dashboard, or tile that you want to embed is available within the Services\</a:t>
+            </a:r>
+            <a:r>
+              <a:rPr lang="en-US" sz="2400" dirty="0" err="1"/>
+              <a:t>EmbedService.cs</a:t>
+            </a:r>
+            <a:r>
+              <a:rPr lang="en-US" sz="2400" dirty="0"/>
+              <a:t> file in the sample application</a:t>
+            </a:r>
+          </a:p>
+        </p:txBody>
+      </p:sp>
+      <p:sp>
+        <p:nvSpPr>
+          <p:cNvPr id="4" name="Text Placeholder 3">
+            <a:extLst>
+              <a:ext uri="{FF2B5EF4-FFF2-40B4-BE49-F238E27FC236}">
+                <a16:creationId xmlns:a16="http://schemas.microsoft.com/office/drawing/2014/main" id="{CE08A38B-7A4D-4DB9-80A3-2E9C3BD8EBED}"/>
+              </a:ext>
+            </a:extLst>
+          </p:cNvPr>
+          <p:cNvSpPr>
+            <a:spLocks noGrp="1"/>
+          </p:cNvSpPr>
+          <p:nvPr>
+            <p:ph type="body" sz="quarter" idx="11"/>
+          </p:nvPr>
+        </p:nvSpPr>
+        <p:spPr>
+          <a:xfrm>
+            <a:off x="6544214" y="1189176"/>
+            <a:ext cx="5378548" cy="4148828"/>
+          </a:xfrm>
+          <a:solidFill>
+            <a:schemeClr val="tx1"/>
+          </a:solidFill>
+        </p:spPr>
+        <p:txBody>
+          <a:bodyPr vert="horz" wrap="square" lIns="146304" tIns="91440" rIns="146304" bIns="91440" rtlCol="0">
+            <a:spAutoFit/>
+          </a:bodyPr>
+          <a:lstStyle/>
+          <a:p>
+            <a:r>
+              <a:rPr lang="en-US" sz="2200" dirty="0">
+                <a:solidFill>
+                  <a:schemeClr val="bg1"/>
+                </a:solidFill>
+              </a:rPr>
+              <a:t>Code Snippet</a:t>
+            </a:r>
+          </a:p>
+          <a:p>
+            <a:endParaRPr lang="en-US" sz="2200" dirty="0">
+              <a:solidFill>
+                <a:schemeClr val="bg1"/>
+              </a:solidFill>
+            </a:endParaRPr>
+          </a:p>
+          <a:p>
+            <a:r>
+              <a:rPr lang="en-US" sz="2200" dirty="0">
+                <a:solidFill>
+                  <a:schemeClr val="bg1"/>
+                </a:solidFill>
+              </a:rPr>
+              <a:t>using Microsoft.PowerBI.Api.V2; using Microsoft.PowerBI.Api.V2.Models; // You need to provide the </a:t>
+            </a:r>
+            <a:r>
+              <a:rPr lang="en-US" sz="2200" dirty="0" err="1">
+                <a:solidFill>
+                  <a:schemeClr val="bg1"/>
+                </a:solidFill>
+              </a:rPr>
+              <a:t>workspaceId</a:t>
+            </a:r>
+            <a:r>
+              <a:rPr lang="en-US" sz="2200" dirty="0">
+                <a:solidFill>
+                  <a:schemeClr val="bg1"/>
+                </a:solidFill>
+              </a:rPr>
+              <a:t> where the dashboard resides. </a:t>
+            </a:r>
+            <a:r>
+              <a:rPr lang="en-US" sz="2200" dirty="0" err="1">
+                <a:solidFill>
+                  <a:schemeClr val="bg1"/>
+                </a:solidFill>
+              </a:rPr>
+              <a:t>ODataResponseListReport</a:t>
+            </a:r>
+            <a:r>
+              <a:rPr lang="en-US" sz="2200" dirty="0">
+                <a:solidFill>
+                  <a:schemeClr val="bg1"/>
+                </a:solidFill>
+              </a:rPr>
+              <a:t> reports = await </a:t>
+            </a:r>
+            <a:r>
+              <a:rPr lang="en-US" sz="2200" dirty="0" err="1">
+                <a:solidFill>
+                  <a:schemeClr val="bg1"/>
+                </a:solidFill>
+              </a:rPr>
+              <a:t>client.Reports.GetReportsInGroupAsync</a:t>
+            </a:r>
+            <a:r>
+              <a:rPr lang="en-US" sz="2200" dirty="0">
+                <a:solidFill>
+                  <a:schemeClr val="bg1"/>
+                </a:solidFill>
+              </a:rPr>
+              <a:t>(</a:t>
+            </a:r>
+            <a:r>
+              <a:rPr lang="en-US" sz="2200" dirty="0" err="1">
+                <a:solidFill>
+                  <a:schemeClr val="bg1"/>
+                </a:solidFill>
+              </a:rPr>
+              <a:t>workspaceId</a:t>
+            </a:r>
+            <a:r>
+              <a:rPr lang="en-US" sz="2200" dirty="0">
+                <a:solidFill>
+                  <a:schemeClr val="bg1"/>
+                </a:solidFill>
+              </a:rPr>
+              <a:t>); // Get the first report in the group. Report </a:t>
+            </a:r>
+            <a:r>
+              <a:rPr lang="en-US" sz="2200" dirty="0" err="1">
+                <a:solidFill>
+                  <a:schemeClr val="bg1"/>
+                </a:solidFill>
+              </a:rPr>
+              <a:t>report</a:t>
+            </a:r>
+            <a:r>
+              <a:rPr lang="en-US" sz="2200" dirty="0">
+                <a:solidFill>
+                  <a:schemeClr val="bg1"/>
+                </a:solidFill>
+              </a:rPr>
+              <a:t> = </a:t>
+            </a:r>
+            <a:r>
+              <a:rPr lang="en-US" sz="2200" dirty="0" err="1">
+                <a:solidFill>
+                  <a:schemeClr val="bg1"/>
+                </a:solidFill>
+              </a:rPr>
+              <a:t>reports.Value.FirstOrDefault</a:t>
+            </a:r>
+            <a:r>
+              <a:rPr lang="en-US" sz="2200" dirty="0">
+                <a:solidFill>
+                  <a:schemeClr val="bg1"/>
+                </a:solidFill>
+              </a:rPr>
+              <a:t>(); </a:t>
+            </a:r>
+          </a:p>
+        </p:txBody>
+      </p:sp>
+    </p:spTree>
+    <p:extLst>
+      <p:ext uri="{BB962C8B-B14F-4D97-AF65-F5344CB8AC3E}">
+        <p14:creationId xmlns:p14="http://schemas.microsoft.com/office/powerpoint/2010/main" val="3920462824"/>
+      </p:ext>
+    </p:extLst>
+  </p:cSld>
+  <p:clrMapOvr>
+    <a:masterClrMapping/>
+  </p:clrMapOvr>
+  <p:transition>
+    <p:fade/>
+  </p:transition>
+</p:sld>
+</file>
+
+<file path=ppt/slides/slide11.xml><?xml version="1.0" encoding="utf-8"?>
+<p:sld xmlns:a="http://schemas.openxmlformats.org/drawingml/2006/main" xmlns:r="http://schemas.openxmlformats.org/officeDocument/2006/relationships" xmlns:p="http://schemas.openxmlformats.org/presentationml/2006/main">
+  <p:cSld>
+    <p:spTree>
+      <p:nvGrpSpPr>
+        <p:cNvPr id="1" name=""/>
+        <p:cNvGrpSpPr/>
+        <p:nvPr/>
+      </p:nvGrpSpPr>
+      <p:grpSpPr>
+        <a:xfrm>
+          <a:off x="0" y="0"/>
+          <a:ext cx="0" cy="0"/>
+          <a:chOff x="0" y="0"/>
+          <a:chExt cx="0" cy="0"/>
+        </a:xfrm>
+      </p:grpSpPr>
+      <p:sp>
+        <p:nvSpPr>
+          <p:cNvPr id="2" name="Title 1">
+            <a:extLst>
+              <a:ext uri="{FF2B5EF4-FFF2-40B4-BE49-F238E27FC236}">
+                <a16:creationId xmlns:a16="http://schemas.microsoft.com/office/drawing/2014/main" id="{7A3AC163-A24E-444F-BC9B-9DCE109AACE0}"/>
+              </a:ext>
+            </a:extLst>
+          </p:cNvPr>
+          <p:cNvSpPr>
+            <a:spLocks noGrp="1"/>
+          </p:cNvSpPr>
+          <p:nvPr>
+            <p:ph type="title"/>
+          </p:nvPr>
+        </p:nvSpPr>
+        <p:spPr/>
+        <p:txBody>
+          <a:bodyPr/>
+          <a:lstStyle/>
+          <a:p>
+            <a:r>
+              <a:rPr lang="en-US" dirty="0"/>
+              <a:t>Create the embed token </a:t>
+            </a:r>
+          </a:p>
+        </p:txBody>
+      </p:sp>
+      <p:sp>
+        <p:nvSpPr>
+          <p:cNvPr id="3" name="Text Placeholder 2">
+            <a:extLst>
+              <a:ext uri="{FF2B5EF4-FFF2-40B4-BE49-F238E27FC236}">
+                <a16:creationId xmlns:a16="http://schemas.microsoft.com/office/drawing/2014/main" id="{139429FE-AF1A-4023-81F1-4D7E7A7FEDA3}"/>
+              </a:ext>
+            </a:extLst>
+          </p:cNvPr>
+          <p:cNvSpPr>
+            <a:spLocks noGrp="1"/>
+          </p:cNvSpPr>
+          <p:nvPr>
+            <p:ph type="body" sz="quarter" idx="10"/>
+          </p:nvPr>
+        </p:nvSpPr>
+        <p:spPr>
+          <a:xfrm>
+            <a:off x="269241" y="1189176"/>
+            <a:ext cx="5378548" cy="5324535"/>
+          </a:xfrm>
+        </p:spPr>
+        <p:txBody>
+          <a:bodyPr/>
+          <a:lstStyle/>
+          <a:p>
+            <a:r>
+              <a:rPr lang="en-US" sz="2400" dirty="0"/>
+              <a:t>Generated an embed token, which can be used from the JavaScript API. The embed token is specific to the item you’re embedding. So at any time you embed a piece of Power BI content, you need to create a new embed token for it. For more information, including which </a:t>
+            </a:r>
+            <a:r>
+              <a:rPr lang="en-US" sz="2400" dirty="0" err="1"/>
+              <a:t>accessLevel</a:t>
+            </a:r>
+            <a:r>
+              <a:rPr lang="en-US" sz="2400" dirty="0"/>
+              <a:t> to use, see </a:t>
+            </a:r>
+            <a:r>
+              <a:rPr lang="en-US" sz="2400" dirty="0" err="1"/>
+              <a:t>GenerateToken</a:t>
+            </a:r>
+            <a:r>
+              <a:rPr lang="en-US" sz="2400" dirty="0"/>
+              <a:t> API. </a:t>
+            </a:r>
+          </a:p>
+          <a:p>
+            <a:r>
+              <a:rPr lang="en-US" sz="2400" dirty="0"/>
+              <a:t>A sample of creating an embed token for a report, dashboard, or tile want to embed is available within the Services\</a:t>
+            </a:r>
+            <a:r>
+              <a:rPr lang="en-US" sz="2400" dirty="0" err="1"/>
+              <a:t>EmbedService.cs</a:t>
+            </a:r>
+            <a:r>
+              <a:rPr lang="en-US" sz="2400" dirty="0"/>
+              <a:t> file in the sample application. </a:t>
+            </a:r>
+          </a:p>
+        </p:txBody>
+      </p:sp>
+      <p:sp>
+        <p:nvSpPr>
+          <p:cNvPr id="4" name="Text Placeholder 3">
+            <a:extLst>
+              <a:ext uri="{FF2B5EF4-FFF2-40B4-BE49-F238E27FC236}">
+                <a16:creationId xmlns:a16="http://schemas.microsoft.com/office/drawing/2014/main" id="{62EEAC5E-F300-4A3F-A2DF-712DBB62697D}"/>
+              </a:ext>
+            </a:extLst>
+          </p:cNvPr>
+          <p:cNvSpPr>
+            <a:spLocks noGrp="1"/>
+          </p:cNvSpPr>
+          <p:nvPr>
+            <p:ph type="body" sz="quarter" idx="11"/>
+          </p:nvPr>
+        </p:nvSpPr>
+        <p:spPr>
+          <a:xfrm>
+            <a:off x="6544214" y="1189176"/>
+            <a:ext cx="5378548" cy="5367623"/>
+          </a:xfrm>
+          <a:solidFill>
+            <a:schemeClr val="tx1"/>
+          </a:solidFill>
+        </p:spPr>
+        <p:txBody>
+          <a:bodyPr vert="horz" wrap="square" lIns="146304" tIns="91440" rIns="146304" bIns="91440" rtlCol="0">
+            <a:spAutoFit/>
+          </a:bodyPr>
+          <a:lstStyle/>
+          <a:p>
+            <a:r>
+              <a:rPr lang="en-US" sz="2200" dirty="0">
+                <a:solidFill>
+                  <a:schemeClr val="bg1"/>
+                </a:solidFill>
+              </a:rPr>
+              <a:t>Code Snippet</a:t>
+            </a:r>
+          </a:p>
+          <a:p>
+            <a:endParaRPr lang="en-US" sz="2200" dirty="0">
+              <a:solidFill>
+                <a:schemeClr val="bg1"/>
+              </a:solidFill>
+            </a:endParaRPr>
+          </a:p>
+          <a:p>
+            <a:r>
+              <a:rPr lang="en-US" sz="2200" dirty="0">
+                <a:solidFill>
+                  <a:schemeClr val="bg1"/>
+                </a:solidFill>
+              </a:rPr>
+              <a:t>using Microsoft.PowerBI.Api.V2; using Microsoft.PowerBI.Api.V2.Models; // Generate Embed Token. var </a:t>
+            </a:r>
+            <a:r>
+              <a:rPr lang="en-US" sz="2200" dirty="0" err="1">
+                <a:solidFill>
+                  <a:schemeClr val="bg1"/>
+                </a:solidFill>
+              </a:rPr>
+              <a:t>generateTokenRequestParameters</a:t>
+            </a:r>
+            <a:r>
+              <a:rPr lang="en-US" sz="2200" dirty="0">
+                <a:solidFill>
+                  <a:schemeClr val="bg1"/>
+                </a:solidFill>
+              </a:rPr>
+              <a:t> = new </a:t>
+            </a:r>
+            <a:r>
+              <a:rPr lang="en-US" sz="2200" dirty="0" err="1">
+                <a:solidFill>
+                  <a:schemeClr val="bg1"/>
+                </a:solidFill>
+              </a:rPr>
+              <a:t>GenerateTokenRequest</a:t>
+            </a:r>
+            <a:r>
+              <a:rPr lang="en-US" sz="2200" dirty="0">
+                <a:solidFill>
+                  <a:schemeClr val="bg1"/>
+                </a:solidFill>
+              </a:rPr>
+              <a:t>(</a:t>
+            </a:r>
+            <a:r>
+              <a:rPr lang="en-US" sz="2200" dirty="0" err="1">
+                <a:solidFill>
+                  <a:schemeClr val="bg1"/>
+                </a:solidFill>
+              </a:rPr>
+              <a:t>accessLevel</a:t>
+            </a:r>
+            <a:r>
+              <a:rPr lang="en-US" sz="2200" dirty="0">
+                <a:solidFill>
+                  <a:schemeClr val="bg1"/>
+                </a:solidFill>
+              </a:rPr>
+              <a:t>: "view"); </a:t>
+            </a:r>
+            <a:r>
+              <a:rPr lang="en-US" sz="2200" dirty="0" err="1">
+                <a:solidFill>
+                  <a:schemeClr val="bg1"/>
+                </a:solidFill>
+              </a:rPr>
+              <a:t>EmbedToken</a:t>
+            </a:r>
+            <a:r>
+              <a:rPr lang="en-US" sz="2200" dirty="0">
+                <a:solidFill>
+                  <a:schemeClr val="bg1"/>
+                </a:solidFill>
+              </a:rPr>
+              <a:t> </a:t>
+            </a:r>
+            <a:r>
+              <a:rPr lang="en-US" sz="2200" dirty="0" err="1">
+                <a:solidFill>
+                  <a:schemeClr val="bg1"/>
+                </a:solidFill>
+              </a:rPr>
+              <a:t>tokenResponse</a:t>
+            </a:r>
+            <a:r>
+              <a:rPr lang="en-US" sz="2200" dirty="0">
+                <a:solidFill>
+                  <a:schemeClr val="bg1"/>
+                </a:solidFill>
+              </a:rPr>
+              <a:t> = </a:t>
+            </a:r>
+            <a:r>
+              <a:rPr lang="en-US" sz="2200" dirty="0" err="1">
+                <a:solidFill>
+                  <a:schemeClr val="bg1"/>
+                </a:solidFill>
+              </a:rPr>
+              <a:t>client.Reports.GenerateTokenInGroup</a:t>
+            </a:r>
+            <a:r>
+              <a:rPr lang="en-US" sz="2200" dirty="0">
+                <a:solidFill>
+                  <a:schemeClr val="bg1"/>
+                </a:solidFill>
+              </a:rPr>
+              <a:t>(</a:t>
+            </a:r>
+            <a:r>
+              <a:rPr lang="en-US" sz="2200" dirty="0" err="1">
+                <a:solidFill>
+                  <a:schemeClr val="bg1"/>
+                </a:solidFill>
+              </a:rPr>
+              <a:t>workspaceId</a:t>
+            </a:r>
+            <a:r>
+              <a:rPr lang="en-US" sz="2200" dirty="0">
+                <a:solidFill>
+                  <a:schemeClr val="bg1"/>
+                </a:solidFill>
+              </a:rPr>
+              <a:t>, </a:t>
+            </a:r>
+            <a:r>
+              <a:rPr lang="en-US" sz="2200" dirty="0" err="1">
+                <a:solidFill>
+                  <a:schemeClr val="bg1"/>
+                </a:solidFill>
+              </a:rPr>
+              <a:t>report.Id</a:t>
+            </a:r>
+            <a:r>
+              <a:rPr lang="en-US" sz="2200" dirty="0">
+                <a:solidFill>
+                  <a:schemeClr val="bg1"/>
+                </a:solidFill>
+              </a:rPr>
+              <a:t>, </a:t>
+            </a:r>
+            <a:r>
+              <a:rPr lang="en-US" sz="2200" dirty="0" err="1">
+                <a:solidFill>
+                  <a:schemeClr val="bg1"/>
+                </a:solidFill>
+              </a:rPr>
+              <a:t>generateTokenRequestParameters</a:t>
+            </a:r>
+            <a:r>
+              <a:rPr lang="en-US" sz="2200" dirty="0">
+                <a:solidFill>
+                  <a:schemeClr val="bg1"/>
+                </a:solidFill>
+              </a:rPr>
+              <a:t>); // Generate Embed Configuration. var </a:t>
+            </a:r>
+            <a:r>
+              <a:rPr lang="en-US" sz="2200" dirty="0" err="1">
+                <a:solidFill>
+                  <a:schemeClr val="bg1"/>
+                </a:solidFill>
+              </a:rPr>
+              <a:t>embedConfig</a:t>
+            </a:r>
+            <a:r>
+              <a:rPr lang="en-US" sz="2200" dirty="0">
+                <a:solidFill>
+                  <a:schemeClr val="bg1"/>
+                </a:solidFill>
+              </a:rPr>
+              <a:t> = new </a:t>
+            </a:r>
+            <a:r>
+              <a:rPr lang="en-US" sz="2200" dirty="0" err="1">
+                <a:solidFill>
+                  <a:schemeClr val="bg1"/>
+                </a:solidFill>
+              </a:rPr>
+              <a:t>EmbedConfig</a:t>
+            </a:r>
+            <a:r>
+              <a:rPr lang="en-US" sz="2200" dirty="0">
+                <a:solidFill>
+                  <a:schemeClr val="bg1"/>
+                </a:solidFill>
+              </a:rPr>
+              <a:t>() { </a:t>
+            </a:r>
+            <a:r>
+              <a:rPr lang="en-US" sz="2200" dirty="0" err="1">
+                <a:solidFill>
+                  <a:schemeClr val="bg1"/>
+                </a:solidFill>
+              </a:rPr>
+              <a:t>EmbedToken</a:t>
+            </a:r>
+            <a:r>
+              <a:rPr lang="en-US" sz="2200" dirty="0">
+                <a:solidFill>
+                  <a:schemeClr val="bg1"/>
+                </a:solidFill>
+              </a:rPr>
+              <a:t> = </a:t>
+            </a:r>
+            <a:r>
+              <a:rPr lang="en-US" sz="2200" dirty="0" err="1">
+                <a:solidFill>
+                  <a:schemeClr val="bg1"/>
+                </a:solidFill>
+              </a:rPr>
+              <a:t>tokenResponse</a:t>
+            </a:r>
+            <a:r>
+              <a:rPr lang="en-US" sz="2200" dirty="0">
+                <a:solidFill>
+                  <a:schemeClr val="bg1"/>
+                </a:solidFill>
+              </a:rPr>
+              <a:t>, </a:t>
+            </a:r>
+            <a:r>
+              <a:rPr lang="en-US" sz="2200" dirty="0" err="1">
+                <a:solidFill>
+                  <a:schemeClr val="bg1"/>
+                </a:solidFill>
+              </a:rPr>
+              <a:t>EmbedUrl</a:t>
+            </a:r>
+            <a:r>
+              <a:rPr lang="en-US" sz="2200" dirty="0">
+                <a:solidFill>
+                  <a:schemeClr val="bg1"/>
+                </a:solidFill>
+              </a:rPr>
+              <a:t> = </a:t>
+            </a:r>
+            <a:r>
+              <a:rPr lang="en-US" sz="2200" dirty="0" err="1">
+                <a:solidFill>
+                  <a:schemeClr val="bg1"/>
+                </a:solidFill>
+              </a:rPr>
+              <a:t>report.EmbedUrl</a:t>
+            </a:r>
+            <a:r>
+              <a:rPr lang="en-US" sz="2200" dirty="0">
+                <a:solidFill>
+                  <a:schemeClr val="bg1"/>
+                </a:solidFill>
+              </a:rPr>
+              <a:t>, Id = </a:t>
+            </a:r>
+            <a:r>
+              <a:rPr lang="en-US" sz="2200" dirty="0" err="1">
+                <a:solidFill>
+                  <a:schemeClr val="bg1"/>
+                </a:solidFill>
+              </a:rPr>
+              <a:t>report.Id</a:t>
+            </a:r>
+            <a:r>
+              <a:rPr lang="en-US" sz="2200" dirty="0">
+                <a:solidFill>
+                  <a:schemeClr val="bg1"/>
+                </a:solidFill>
+              </a:rPr>
+              <a:t> }; </a:t>
+            </a:r>
+          </a:p>
+        </p:txBody>
+      </p:sp>
+    </p:spTree>
+    <p:extLst>
+      <p:ext uri="{BB962C8B-B14F-4D97-AF65-F5344CB8AC3E}">
+        <p14:creationId xmlns:p14="http://schemas.microsoft.com/office/powerpoint/2010/main" val="1715912193"/>
+      </p:ext>
+    </p:extLst>
+  </p:cSld>
+  <p:clrMapOvr>
+    <a:masterClrMapping/>
+  </p:clrMapOvr>
+  <p:transition>
+    <p:fade/>
+  </p:transition>
+</p:sld>
+</file>
+
+<file path=ppt/slides/slide12.xml><?xml version="1.0" encoding="utf-8"?>
+<p:sld xmlns:a="http://schemas.openxmlformats.org/drawingml/2006/main" xmlns:r="http://schemas.openxmlformats.org/officeDocument/2006/relationships" xmlns:p="http://schemas.openxmlformats.org/presentationml/2006/main">
+  <p:cSld>
+    <p:spTree>
+      <p:nvGrpSpPr>
+        <p:cNvPr id="1" name=""/>
+        <p:cNvGrpSpPr/>
+        <p:nvPr/>
+      </p:nvGrpSpPr>
+      <p:grpSpPr>
+        <a:xfrm>
+          <a:off x="0" y="0"/>
+          <a:ext cx="0" cy="0"/>
+          <a:chOff x="0" y="0"/>
+          <a:chExt cx="0" cy="0"/>
+        </a:xfrm>
+      </p:grpSpPr>
+      <p:sp>
+        <p:nvSpPr>
+          <p:cNvPr id="3" name="Text Placeholder 2">
+            <a:extLst>
+              <a:ext uri="{FF2B5EF4-FFF2-40B4-BE49-F238E27FC236}">
+                <a16:creationId xmlns:a16="http://schemas.microsoft.com/office/drawing/2014/main" id="{6E631C48-9C4F-4C8A-ABFD-07E18F223478}"/>
+              </a:ext>
+            </a:extLst>
+          </p:cNvPr>
+          <p:cNvSpPr>
+            <a:spLocks noGrp="1"/>
+          </p:cNvSpPr>
+          <p:nvPr>
+            <p:ph type="body" sz="quarter" idx="10"/>
+          </p:nvPr>
+        </p:nvSpPr>
+        <p:spPr>
+          <a:xfrm>
+            <a:off x="269239" y="1189177"/>
+            <a:ext cx="11653523" cy="3416320"/>
+          </a:xfrm>
+        </p:spPr>
+        <p:txBody>
+          <a:bodyPr/>
+          <a:lstStyle/>
+          <a:p>
+            <a:r>
+              <a:rPr lang="en-US" sz="2400" dirty="0"/>
+              <a:t>Learn how to embed analytical content within your business process applications for the sovereign cloud. You can use the Power BI .NET SDK with the Power BI JavaScript API to embed a report, dashboard, or tile, into your web applications.</a:t>
+            </a:r>
+          </a:p>
+          <a:p>
+            <a:endParaRPr lang="en-US" sz="2400" dirty="0"/>
+          </a:p>
+          <a:p>
+            <a:r>
+              <a:rPr lang="en-US" sz="2400" dirty="0"/>
+              <a:t>Power BI supports sovereign (private) clouds, such as:</a:t>
+            </a:r>
+          </a:p>
+          <a:p>
+            <a:pPr lvl="1"/>
+            <a:r>
+              <a:rPr lang="en-US" sz="1400" dirty="0"/>
+              <a:t>The different sovereign clouds are:</a:t>
+            </a:r>
+          </a:p>
+          <a:p>
+            <a:pPr lvl="1"/>
+            <a:r>
+              <a:rPr lang="en-US" sz="1400" dirty="0"/>
+              <a:t>U.S. Government Community Cloud (GCC)</a:t>
+            </a:r>
+          </a:p>
+          <a:p>
+            <a:pPr lvl="1"/>
+            <a:r>
+              <a:rPr lang="en-US" sz="1400" dirty="0"/>
+              <a:t>U. S. Military Contractors (</a:t>
+            </a:r>
+            <a:r>
+              <a:rPr lang="en-US" sz="1400" dirty="0" err="1"/>
+              <a:t>DoDCON</a:t>
+            </a:r>
+            <a:r>
+              <a:rPr lang="en-US" sz="1400" dirty="0"/>
+              <a:t>)</a:t>
+            </a:r>
+          </a:p>
+          <a:p>
+            <a:pPr lvl="1"/>
+            <a:r>
+              <a:rPr lang="en-US" sz="1400" dirty="0"/>
+              <a:t>U. S. Military (DoD)</a:t>
+            </a:r>
+          </a:p>
+          <a:p>
+            <a:pPr lvl="1"/>
+            <a:r>
+              <a:rPr lang="en-US" sz="1400" dirty="0"/>
+              <a:t>Power BI for Germany cloud</a:t>
+            </a:r>
+          </a:p>
+          <a:p>
+            <a:pPr lvl="1"/>
+            <a:r>
+              <a:rPr lang="en-US" sz="1400" dirty="0"/>
+              <a:t>Power BI for China cloud</a:t>
+            </a:r>
+          </a:p>
+        </p:txBody>
+      </p:sp>
+      <p:sp>
+        <p:nvSpPr>
+          <p:cNvPr id="2" name="Title 1">
+            <a:extLst>
+              <a:ext uri="{FF2B5EF4-FFF2-40B4-BE49-F238E27FC236}">
+                <a16:creationId xmlns:a16="http://schemas.microsoft.com/office/drawing/2014/main" id="{6718E647-F27A-4877-BB33-A3A602BFD96A}"/>
+              </a:ext>
+            </a:extLst>
+          </p:cNvPr>
+          <p:cNvSpPr>
+            <a:spLocks noGrp="1"/>
+          </p:cNvSpPr>
+          <p:nvPr>
+            <p:ph type="title"/>
+          </p:nvPr>
+        </p:nvSpPr>
+        <p:spPr/>
+        <p:txBody>
+          <a:bodyPr/>
+          <a:lstStyle/>
+          <a:p>
+            <a:r>
+              <a:rPr lang="en-US" dirty="0"/>
+              <a:t>Embed for Sovereign Clouds</a:t>
+            </a:r>
+          </a:p>
+        </p:txBody>
+      </p:sp>
+    </p:spTree>
+    <p:extLst>
+      <p:ext uri="{BB962C8B-B14F-4D97-AF65-F5344CB8AC3E}">
+        <p14:creationId xmlns:p14="http://schemas.microsoft.com/office/powerpoint/2010/main" val="3873108897"/>
+      </p:ext>
+    </p:extLst>
+  </p:cSld>
+  <p:clrMapOvr>
+    <a:masterClrMapping/>
+  </p:clrMapOvr>
+  <p:transition>
+    <p:fade/>
+  </p:transition>
+</p:sld>
+</file>
+
+<file path=ppt/slides/slide13.xml><?xml version="1.0" encoding="utf-8"?>
+<p:sld xmlns:a="http://schemas.openxmlformats.org/drawingml/2006/main" xmlns:r="http://schemas.openxmlformats.org/officeDocument/2006/relationships" xmlns:p="http://schemas.openxmlformats.org/presentationml/2006/main">
+  <p:cSld>
+    <p:spTree>
+      <p:nvGrpSpPr>
+        <p:cNvPr id="1" name=""/>
+        <p:cNvGrpSpPr/>
+        <p:nvPr/>
+      </p:nvGrpSpPr>
+      <p:grpSpPr>
+        <a:xfrm>
+          <a:off x="0" y="0"/>
+          <a:ext cx="0" cy="0"/>
+          <a:chOff x="0" y="0"/>
+          <a:chExt cx="0" cy="0"/>
+        </a:xfrm>
+      </p:grpSpPr>
+      <p:sp>
+        <p:nvSpPr>
+          <p:cNvPr id="2" name="Title 1"/>
+          <p:cNvSpPr>
+            <a:spLocks noGrp="1"/>
+          </p:cNvSpPr>
+          <p:nvPr>
+            <p:ph type="title"/>
+          </p:nvPr>
+        </p:nvSpPr>
+        <p:spPr/>
+        <p:txBody>
+          <a:bodyPr/>
+          <a:lstStyle/>
+          <a:p>
+            <a:r>
+              <a:rPr lang="en-US" dirty="0">
+                <a:solidFill>
+                  <a:schemeClr val="tx1"/>
+                </a:solidFill>
+              </a:rPr>
+              <a:t>Wrap Up</a:t>
+            </a:r>
+          </a:p>
+        </p:txBody>
+      </p:sp>
+    </p:spTree>
+    <p:extLst>
+      <p:ext uri="{BB962C8B-B14F-4D97-AF65-F5344CB8AC3E}">
+        <p14:creationId xmlns:p14="http://schemas.microsoft.com/office/powerpoint/2010/main" val="2714070568"/>
+      </p:ext>
+    </p:extLst>
+  </p:cSld>
+  <p:clrMapOvr>
+    <a:masterClrMapping/>
+  </p:clrMapOvr>
+  <mc:AlternateContent xmlns:mc="http://schemas.openxmlformats.org/markup-compatibility/2006" xmlns:p14="http://schemas.microsoft.com/office/powerpoint/2010/main">
+    <mc:Choice Requires="p14">
+      <p:transition spd="med" p14:dur="700">
+        <p:fade/>
+      </p:transition>
+    </mc:Choice>
+    <mc:Fallback xmlns="">
+      <p:transition spd="med">
+        <p:fade/>
+      </p:transition>
+    </mc:Fallback>
+  </mc:AlternateContent>
+</p:sld>
+</file>
+
+<file path=ppt/slides/slide14.xml><?xml version="1.0" encoding="utf-8"?>
+<p:sld xmlns:a="http://schemas.openxmlformats.org/drawingml/2006/main" xmlns:r="http://schemas.openxmlformats.org/officeDocument/2006/relationships" xmlns:p="http://schemas.openxmlformats.org/presentationml/2006/main">
+  <p:cSld>
+    <p:bg>
+      <p:bgPr>
+        <a:solidFill>
+          <a:schemeClr val="bg2"/>
+        </a:solidFill>
+        <a:effectLst/>
+      </p:bgPr>
+    </p:bg>
+    <p:spTree>
+      <p:nvGrpSpPr>
+        <p:cNvPr id="1" name=""/>
+        <p:cNvGrpSpPr/>
+        <p:nvPr/>
+      </p:nvGrpSpPr>
+      <p:grpSpPr>
+        <a:xfrm>
+          <a:off x="0" y="0"/>
+          <a:ext cx="0" cy="0"/>
+          <a:chOff x="0" y="0"/>
+          <a:chExt cx="0" cy="0"/>
+        </a:xfrm>
+      </p:grpSpPr>
+    </p:spTree>
+    <p:extLst>
+      <p:ext uri="{BB962C8B-B14F-4D97-AF65-F5344CB8AC3E}">
+        <p14:creationId xmlns:p14="http://schemas.microsoft.com/office/powerpoint/2010/main" val="1897784522"/>
+      </p:ext>
+    </p:extLst>
+  </p:cSld>
+  <p:clrMapOvr>
+    <a:masterClrMapping/>
+  </p:clrMapOvr>
+  <mc:AlternateContent xmlns:mc="http://schemas.openxmlformats.org/markup-compatibility/2006" xmlns:p14="http://schemas.microsoft.com/office/powerpoint/2010/main">
+    <mc:Choice Requires="p14">
+      <p:transition spd="med" p14:dur="700">
+        <p:fade/>
+      </p:transition>
+    </mc:Choice>
+    <mc:Fallback xmlns="">
+      <p:transition spd="med">
+        <p:fade/>
+      </p:transition>
+    </mc:Fallback>
+  </mc:AlternateContent>
+</p:sld>
+</file>
+
 <file path=ppt/slides/slide2.xml><?xml version="1.0" encoding="utf-8"?>
 <p:sld xmlns:a="http://schemas.openxmlformats.org/drawingml/2006/main" xmlns:r="http://schemas.openxmlformats.org/officeDocument/2006/relationships" xmlns:p="http://schemas.openxmlformats.org/presentationml/2006/main">
   <p:cSld>
@@ -13985,7 +15078,7 @@
           <p:cNvPr id="2" name="Title 1">
             <a:extLst>
               <a:ext uri="{FF2B5EF4-FFF2-40B4-BE49-F238E27FC236}">
-                <a16:creationId xmlns:a16="http://schemas.microsoft.com/office/drawing/2014/main" id="{6718E647-F27A-4877-BB33-A3A602BFD96A}"/>
+                <a16:creationId xmlns:a16="http://schemas.microsoft.com/office/drawing/2014/main" id="{6E45ECA3-86E8-49EE-AC39-6319AB1E733E}"/>
               </a:ext>
             </a:extLst>
           </p:cNvPr>
@@ -13996,89 +15089,152 @@
             <p:ph type="title"/>
           </p:nvPr>
         </p:nvSpPr>
-        <p:spPr/>
+        <p:spPr>
+          <a:xfrm>
+            <a:off x="1179226" y="826680"/>
+            <a:ext cx="9833548" cy="1325563"/>
+          </a:xfrm>
+        </p:spPr>
         <p:txBody>
-          <a:bodyPr/>
+          <a:bodyPr>
+            <a:normAutofit/>
+          </a:bodyPr>
           <a:lstStyle/>
           <a:p>
-            <a:r>
-              <a:rPr lang="en-US" dirty="0"/>
-              <a:t>Embed for Customers</a:t>
+            <a:pPr algn="ctr"/>
+            <a:r>
+              <a:rPr lang="en-US" sz="4000" dirty="0">
+                <a:solidFill>
+                  <a:srgbClr val="FFFFFF"/>
+                </a:solidFill>
+                <a:latin typeface="+mn-lt"/>
+              </a:rPr>
+              <a:t>Ways to Embed Power BI</a:t>
             </a:r>
           </a:p>
         </p:txBody>
       </p:sp>
-      <p:sp>
-        <p:nvSpPr>
-          <p:cNvPr id="3" name="Text Placeholder 2">
+      <p:graphicFrame>
+        <p:nvGraphicFramePr>
+          <p:cNvPr id="4" name="Content Placeholder 3">
             <a:extLst>
               <a:ext uri="{FF2B5EF4-FFF2-40B4-BE49-F238E27FC236}">
-                <a16:creationId xmlns:a16="http://schemas.microsoft.com/office/drawing/2014/main" id="{6E631C48-9C4F-4C8A-ABFD-07E18F223478}"/>
+                <a16:creationId xmlns:a16="http://schemas.microsoft.com/office/drawing/2014/main" id="{3D8A345D-64BC-4940-A39E-ECE804441DBC}"/>
               </a:ext>
             </a:extLst>
           </p:cNvPr>
-          <p:cNvSpPr>
-            <a:spLocks noGrp="1"/>
-          </p:cNvSpPr>
+          <p:cNvGraphicFramePr>
+            <a:graphicFrameLocks noGrp="1"/>
+          </p:cNvGraphicFramePr>
           <p:nvPr>
-            <p:ph type="body" sz="quarter" idx="10"/>
+            <p:ph idx="1"/>
+            <p:extLst>
+              <p:ext uri="{D42A27DB-BD31-4B8C-83A1-F6EECF244321}">
+                <p14:modId xmlns:p14="http://schemas.microsoft.com/office/powerpoint/2010/main" val="123201295"/>
+              </p:ext>
+            </p:extLst>
           </p:nvPr>
-        </p:nvSpPr>
-        <p:spPr>
-          <a:xfrm>
-            <a:off x="269241" y="1189176"/>
-            <a:ext cx="5378548" cy="1922578"/>
-          </a:xfrm>
-        </p:spPr>
-        <p:txBody>
-          <a:bodyPr/>
-          <a:lstStyle/>
-          <a:p>
-            <a:r>
-              <a:rPr lang="en-US" dirty="0"/>
-              <a:t>https://docs.microsoft.com/en-us/power-bi/developer/embed-sample-for-customers</a:t>
-            </a:r>
-          </a:p>
-        </p:txBody>
-      </p:sp>
-      <p:sp>
-        <p:nvSpPr>
-          <p:cNvPr id="4" name="Text Placeholder 3">
-            <a:extLst>
-              <a:ext uri="{FF2B5EF4-FFF2-40B4-BE49-F238E27FC236}">
-                <a16:creationId xmlns:a16="http://schemas.microsoft.com/office/drawing/2014/main" id="{0D7386E5-54C6-4881-9FC1-AA6168A33339}"/>
-              </a:ext>
-            </a:extLst>
-          </p:cNvPr>
-          <p:cNvSpPr>
-            <a:spLocks noGrp="1"/>
-          </p:cNvSpPr>
-          <p:nvPr>
-            <p:ph type="body" sz="quarter" idx="11"/>
-          </p:nvPr>
-        </p:nvSpPr>
-        <p:spPr/>
-        <p:txBody>
-          <a:bodyPr/>
-          <a:lstStyle/>
-          <a:p>
-            <a:endParaRPr lang="en-US"/>
-          </a:p>
-        </p:txBody>
-      </p:sp>
+        </p:nvGraphicFramePr>
+        <p:xfrm>
+          <a:off x="1466895" y="2731015"/>
+          <a:ext cx="9258211" cy="1824045"/>
+        </p:xfrm>
+        <a:graphic>
+          <a:graphicData uri="http://schemas.openxmlformats.org/drawingml/2006/table">
+            <a:tbl>
+              <a:tblPr firstRow="1" bandRow="1">
+                <a:tableStyleId>{9D7B26C5-4107-4FEC-AEDC-1716B250A1EF}</a:tableStyleId>
+              </a:tblPr>
+              <a:tblGrid>
+                <a:gridCol w="3107911">
+                  <a:extLst>
+                    <a:ext uri="{9D8B030D-6E8A-4147-A177-3AD203B41FA5}">
+                      <a16:colId xmlns:a16="http://schemas.microsoft.com/office/drawing/2014/main" val="4238513985"/>
+                    </a:ext>
+                  </a:extLst>
+                </a:gridCol>
+                <a:gridCol w="6150300">
+                  <a:extLst>
+                    <a:ext uri="{9D8B030D-6E8A-4147-A177-3AD203B41FA5}">
+                      <a16:colId xmlns:a16="http://schemas.microsoft.com/office/drawing/2014/main" val="2366481895"/>
+                    </a:ext>
+                  </a:extLst>
+                </a:gridCol>
+              </a:tblGrid>
+              <a:tr h="453237">
+                <a:tc>
+                  <a:txBody>
+                    <a:bodyPr/>
+                    <a:lstStyle/>
+                    <a:p>
+                      <a:endParaRPr lang="en-US" sz="1800" dirty="0"/>
+                    </a:p>
+                  </a:txBody>
+                  <a:tcPr marL="90647" marR="90647" marT="45324" marB="45324"/>
+                </a:tc>
+                <a:tc>
+                  <a:txBody>
+                    <a:bodyPr/>
+                    <a:lstStyle/>
+                    <a:p>
+                      <a:endParaRPr lang="en-US" sz="1800"/>
+                    </a:p>
+                  </a:txBody>
+                  <a:tcPr marL="90647" marR="90647" marT="45324" marB="45324"/>
+                </a:tc>
+                <a:extLst>
+                  <a:ext uri="{0D108BD9-81ED-4DB2-BD59-A6C34878D82A}">
+                    <a16:rowId xmlns:a16="http://schemas.microsoft.com/office/drawing/2014/main" val="3714568925"/>
+                  </a:ext>
+                </a:extLst>
+              </a:tr>
+              <a:tr h="942733">
+                <a:tc>
+                  <a:txBody>
+                    <a:bodyPr/>
+                    <a:lstStyle/>
+                    <a:p>
+                      <a:r>
+                        <a:rPr lang="en-US" sz="1800" dirty="0"/>
+                        <a:t>Embedded</a:t>
+                      </a:r>
+                    </a:p>
+                  </a:txBody>
+                  <a:tcPr marL="90647" marR="90647" marT="45324" marB="45324" anchor="ctr"/>
+                </a:tc>
+                <a:tc>
+                  <a:txBody>
+                    <a:bodyPr/>
+                    <a:lstStyle/>
+                    <a:p>
+                      <a:r>
+                        <a:rPr lang="en-US" sz="1200" dirty="0"/>
+                        <a:t>With Power BI Embedded in Azure, you can embed reports, dashboards, or tiles into an application using app owns data. App owns data is about having an application that uses Power BI as its embedded analytics platform. As an ISV developer, you can create Power BI content that displays reports, dashboards, or tiles in an application that is fully integrated and interactive, without requiring users to have Power BI license. This tutorial demonstrates how to integrate a report into an application using the Power BI .NET SDK with the Power BI JavaScript API using Power BI Embedded in Azure for your customers</a:t>
+                      </a:r>
+                    </a:p>
+                  </a:txBody>
+                  <a:tcPr marL="90647" marR="90647" marT="45324" marB="45324" anchor="ctr"/>
+                </a:tc>
+                <a:extLst>
+                  <a:ext uri="{0D108BD9-81ED-4DB2-BD59-A6C34878D82A}">
+                    <a16:rowId xmlns:a16="http://schemas.microsoft.com/office/drawing/2014/main" val="2470177419"/>
+                  </a:ext>
+                </a:extLst>
+              </a:tr>
+            </a:tbl>
+          </a:graphicData>
+        </a:graphic>
+      </p:graphicFrame>
     </p:spTree>
     <p:extLst>
       <p:ext uri="{BB962C8B-B14F-4D97-AF65-F5344CB8AC3E}">
-        <p14:creationId xmlns:p14="http://schemas.microsoft.com/office/powerpoint/2010/main" val="354331369"/>
+        <p14:creationId xmlns:p14="http://schemas.microsoft.com/office/powerpoint/2010/main" val="3842425084"/>
       </p:ext>
     </p:extLst>
   </p:cSld>
   <p:clrMapOvr>
     <a:masterClrMapping/>
   </p:clrMapOvr>
-  <p:transition>
-    <p:fade/>
-  </p:transition>
 </p:sld>
 </file>
 
@@ -14101,10 +15257,57 @@
       </p:grpSpPr>
       <p:sp>
         <p:nvSpPr>
-          <p:cNvPr id="2" name="Title 1">
+          <p:cNvPr id="2" name="Text Placeholder 1">
             <a:extLst>
               <a:ext uri="{FF2B5EF4-FFF2-40B4-BE49-F238E27FC236}">
-                <a16:creationId xmlns:a16="http://schemas.microsoft.com/office/drawing/2014/main" id="{6718E647-F27A-4877-BB33-A3A602BFD96A}"/>
+                <a16:creationId xmlns:a16="http://schemas.microsoft.com/office/drawing/2014/main" id="{D47628D4-62F8-4328-9FB8-9842B28A0837}"/>
+              </a:ext>
+            </a:extLst>
+          </p:cNvPr>
+          <p:cNvSpPr>
+            <a:spLocks noGrp="1"/>
+          </p:cNvSpPr>
+          <p:nvPr>
+            <p:ph type="body" sz="quarter" idx="10"/>
+          </p:nvPr>
+        </p:nvSpPr>
+        <p:spPr>
+          <a:xfrm>
+            <a:off x="269239" y="1189177"/>
+            <a:ext cx="11653523" cy="1524200"/>
+          </a:xfrm>
+        </p:spPr>
+        <p:txBody>
+          <a:bodyPr/>
+          <a:lstStyle/>
+          <a:p>
+            <a:r>
+              <a:rPr lang="en-US" dirty="0"/>
+              <a:t>Ensure you have completed the following Modules:</a:t>
+            </a:r>
+          </a:p>
+          <a:p>
+            <a:pPr lvl="1"/>
+            <a:r>
+              <a:rPr lang="en-US" dirty="0"/>
+              <a:t>Pre-Lab</a:t>
+            </a:r>
+          </a:p>
+          <a:p>
+            <a:pPr lvl="1"/>
+            <a:r>
+              <a:rPr lang="en-US" dirty="0"/>
+              <a:t>Getting Started</a:t>
+            </a:r>
+          </a:p>
+        </p:txBody>
+      </p:sp>
+      <p:sp>
+        <p:nvSpPr>
+          <p:cNvPr id="3" name="Title 2">
+            <a:extLst>
+              <a:ext uri="{FF2B5EF4-FFF2-40B4-BE49-F238E27FC236}">
+                <a16:creationId xmlns:a16="http://schemas.microsoft.com/office/drawing/2014/main" id="{626079CB-1741-4264-B729-E78E71C01609}"/>
               </a:ext>
             </a:extLst>
           </p:cNvPr>
@@ -14122,73 +15325,15 @@
           <a:p>
             <a:r>
               <a:rPr lang="en-US" dirty="0"/>
-              <a:t>Embed for Organization</a:t>
-            </a:r>
-          </a:p>
-        </p:txBody>
-      </p:sp>
-      <p:sp>
-        <p:nvSpPr>
-          <p:cNvPr id="3" name="Text Placeholder 2">
-            <a:extLst>
-              <a:ext uri="{FF2B5EF4-FFF2-40B4-BE49-F238E27FC236}">
-                <a16:creationId xmlns:a16="http://schemas.microsoft.com/office/drawing/2014/main" id="{6E631C48-9C4F-4C8A-ABFD-07E18F223478}"/>
-              </a:ext>
-            </a:extLst>
-          </p:cNvPr>
-          <p:cNvSpPr>
-            <a:spLocks noGrp="1"/>
-          </p:cNvSpPr>
-          <p:nvPr>
-            <p:ph type="body" sz="quarter" idx="10"/>
-          </p:nvPr>
-        </p:nvSpPr>
-        <p:spPr>
-          <a:xfrm>
-            <a:off x="269241" y="1189176"/>
-            <a:ext cx="5378548" cy="2357056"/>
-          </a:xfrm>
-        </p:spPr>
-        <p:txBody>
-          <a:bodyPr/>
-          <a:lstStyle/>
-          <a:p>
-            <a:r>
-              <a:rPr lang="en-US" dirty="0"/>
-              <a:t>https://docs.microsoft.com/en-us/power-bi/developer/embed-sample-for-your-organization</a:t>
-            </a:r>
-          </a:p>
-        </p:txBody>
-      </p:sp>
-      <p:sp>
-        <p:nvSpPr>
-          <p:cNvPr id="4" name="Text Placeholder 3">
-            <a:extLst>
-              <a:ext uri="{FF2B5EF4-FFF2-40B4-BE49-F238E27FC236}">
-                <a16:creationId xmlns:a16="http://schemas.microsoft.com/office/drawing/2014/main" id="{0D7386E5-54C6-4881-9FC1-AA6168A33339}"/>
-              </a:ext>
-            </a:extLst>
-          </p:cNvPr>
-          <p:cNvSpPr>
-            <a:spLocks noGrp="1"/>
-          </p:cNvSpPr>
-          <p:nvPr>
-            <p:ph type="body" sz="quarter" idx="11"/>
-          </p:nvPr>
-        </p:nvSpPr>
-        <p:spPr/>
-        <p:txBody>
-          <a:bodyPr/>
-          <a:lstStyle/>
-          <a:p>
-            <a:endParaRPr lang="en-US"/>
+              <a:t>Prerequisites</a:t>
+            </a:r>
           </a:p>
         </p:txBody>
       </p:sp>
     </p:spTree>
     <p:extLst>
       <p:ext uri="{BB962C8B-B14F-4D97-AF65-F5344CB8AC3E}">
-        <p14:creationId xmlns:p14="http://schemas.microsoft.com/office/powerpoint/2010/main" val="3140085039"/>
+        <p14:creationId xmlns:p14="http://schemas.microsoft.com/office/powerpoint/2010/main" val="1540172623"/>
       </p:ext>
     </p:extLst>
   </p:cSld>
@@ -14241,7 +15386,7 @@
           <a:p>
             <a:r>
               <a:rPr lang="en-US" dirty="0"/>
-              <a:t>Embed for Sovereign Clouds</a:t>
+              <a:t>Embed for Customers</a:t>
             </a:r>
           </a:p>
         </p:txBody>
@@ -14265,7 +15410,7 @@
         <p:spPr>
           <a:xfrm>
             <a:off x="269241" y="1189176"/>
-            <a:ext cx="5378548" cy="2357056"/>
+            <a:ext cx="5378548" cy="1922578"/>
           </a:xfrm>
         </p:spPr>
         <p:txBody>
@@ -14274,7 +15419,7 @@
           <a:p>
             <a:r>
               <a:rPr lang="en-US" dirty="0"/>
-              <a:t>https://docs.microsoft.com/en-us/power-bi/developer/embed-sample-for-customers-sovereign-clouds</a:t>
+              <a:t>https://docs.microsoft.com/en-us/power-bi/developer/embed-sample-for-customers</a:t>
             </a:r>
           </a:p>
         </p:txBody>
@@ -14307,7 +15452,7 @@
     </p:spTree>
     <p:extLst>
       <p:ext uri="{BB962C8B-B14F-4D97-AF65-F5344CB8AC3E}">
-        <p14:creationId xmlns:p14="http://schemas.microsoft.com/office/powerpoint/2010/main" val="3873108897"/>
+        <p14:creationId xmlns:p14="http://schemas.microsoft.com/office/powerpoint/2010/main" val="354331369"/>
       </p:ext>
     </p:extLst>
   </p:cSld>
@@ -14339,7 +15484,13 @@
       </p:grpSpPr>
       <p:sp>
         <p:nvSpPr>
-          <p:cNvPr id="2" name="Title 1"/>
+          <p:cNvPr id="2" name="Title 1">
+            <a:extLst>
+              <a:ext uri="{FF2B5EF4-FFF2-40B4-BE49-F238E27FC236}">
+                <a16:creationId xmlns:a16="http://schemas.microsoft.com/office/drawing/2014/main" id="{6718E647-F27A-4877-BB33-A3A602BFD96A}"/>
+              </a:ext>
+            </a:extLst>
+          </p:cNvPr>
           <p:cNvSpPr>
             <a:spLocks noGrp="1"/>
           </p:cNvSpPr>
@@ -14353,38 +15504,83 @@
           <a:lstStyle/>
           <a:p>
             <a:r>
-              <a:rPr lang="en-US" dirty="0">
-                <a:solidFill>
-                  <a:schemeClr val="tx1"/>
-                </a:solidFill>
-              </a:rPr>
-              <a:t>Wrap Up</a:t>
-            </a:r>
+              <a:rPr lang="en-US" dirty="0"/>
+              <a:t>Embed for Organization</a:t>
+            </a:r>
+          </a:p>
+        </p:txBody>
+      </p:sp>
+      <p:sp>
+        <p:nvSpPr>
+          <p:cNvPr id="3" name="Text Placeholder 2">
+            <a:extLst>
+              <a:ext uri="{FF2B5EF4-FFF2-40B4-BE49-F238E27FC236}">
+                <a16:creationId xmlns:a16="http://schemas.microsoft.com/office/drawing/2014/main" id="{6E631C48-9C4F-4C8A-ABFD-07E18F223478}"/>
+              </a:ext>
+            </a:extLst>
+          </p:cNvPr>
+          <p:cNvSpPr>
+            <a:spLocks noGrp="1"/>
+          </p:cNvSpPr>
+          <p:nvPr>
+            <p:ph type="body" sz="quarter" idx="10"/>
+          </p:nvPr>
+        </p:nvSpPr>
+        <p:spPr>
+          <a:xfrm>
+            <a:off x="269241" y="1189176"/>
+            <a:ext cx="5378548" cy="2357056"/>
+          </a:xfrm>
+        </p:spPr>
+        <p:txBody>
+          <a:bodyPr/>
+          <a:lstStyle/>
+          <a:p>
+            <a:r>
+              <a:rPr lang="en-US" dirty="0"/>
+              <a:t>https://docs.microsoft.com/en-us/power-bi/developer/embed-sample-for-your-organization</a:t>
+            </a:r>
+          </a:p>
+        </p:txBody>
+      </p:sp>
+      <p:sp>
+        <p:nvSpPr>
+          <p:cNvPr id="4" name="Text Placeholder 3">
+            <a:extLst>
+              <a:ext uri="{FF2B5EF4-FFF2-40B4-BE49-F238E27FC236}">
+                <a16:creationId xmlns:a16="http://schemas.microsoft.com/office/drawing/2014/main" id="{0D7386E5-54C6-4881-9FC1-AA6168A33339}"/>
+              </a:ext>
+            </a:extLst>
+          </p:cNvPr>
+          <p:cNvSpPr>
+            <a:spLocks noGrp="1"/>
+          </p:cNvSpPr>
+          <p:nvPr>
+            <p:ph type="body" sz="quarter" idx="11"/>
+          </p:nvPr>
+        </p:nvSpPr>
+        <p:spPr/>
+        <p:txBody>
+          <a:bodyPr/>
+          <a:lstStyle/>
+          <a:p>
+            <a:endParaRPr lang="en-US"/>
           </a:p>
         </p:txBody>
       </p:sp>
     </p:spTree>
     <p:extLst>
       <p:ext uri="{BB962C8B-B14F-4D97-AF65-F5344CB8AC3E}">
-        <p14:creationId xmlns:p14="http://schemas.microsoft.com/office/powerpoint/2010/main" val="2714070568"/>
+        <p14:creationId xmlns:p14="http://schemas.microsoft.com/office/powerpoint/2010/main" val="3140085039"/>
       </p:ext>
     </p:extLst>
   </p:cSld>
   <p:clrMapOvr>
     <a:masterClrMapping/>
   </p:clrMapOvr>
-  <mc:AlternateContent xmlns:mc="http://schemas.openxmlformats.org/markup-compatibility/2006" xmlns:p14="http://schemas.microsoft.com/office/powerpoint/2010/main">
-    <mc:Choice Requires="p14">
-      <p:transition spd="med" p14:dur="700">
-        <p:fade/>
-      </p:transition>
-    </mc:Choice>
-    <mc:Fallback xmlns="">
-      <p:transition spd="med">
-        <p:fade/>
-      </p:transition>
-    </mc:Fallback>
-  </mc:AlternateContent>
+  <p:transition>
+    <p:fade/>
+  </p:transition>
 </p:sld>
 </file>
 
@@ -14407,7 +15603,86 @@
       </p:grpSpPr>
       <p:sp>
         <p:nvSpPr>
-          <p:cNvPr id="2" name="Title 1"/>
+          <p:cNvPr id="6" name="Text Placeholder 5">
+            <a:extLst>
+              <a:ext uri="{FF2B5EF4-FFF2-40B4-BE49-F238E27FC236}">
+                <a16:creationId xmlns:a16="http://schemas.microsoft.com/office/drawing/2014/main" id="{93EFE8E8-EB59-4D8D-9D71-7AAF3927DF90}"/>
+              </a:ext>
+            </a:extLst>
+          </p:cNvPr>
+          <p:cNvSpPr>
+            <a:spLocks noGrp="1"/>
+          </p:cNvSpPr>
+          <p:nvPr>
+            <p:ph type="body" sz="quarter" idx="10"/>
+          </p:nvPr>
+        </p:nvSpPr>
+        <p:spPr>
+          <a:xfrm>
+            <a:off x="269239" y="1189177"/>
+            <a:ext cx="11653523" cy="3442866"/>
+          </a:xfrm>
+        </p:spPr>
+        <p:txBody>
+          <a:bodyPr/>
+          <a:lstStyle/>
+          <a:p>
+            <a:r>
+              <a:rPr lang="en-US" dirty="0"/>
+              <a:t>Embedding for your customers within your application requires you to </a:t>
+            </a:r>
+            <a:r>
+              <a:rPr lang="en-US" dirty="0" err="1"/>
+              <a:t>getan</a:t>
+            </a:r>
+            <a:r>
+              <a:rPr lang="en-US" dirty="0"/>
+              <a:t> access token for your master account or service principal from Azure AD. </a:t>
+            </a:r>
+            <a:r>
+              <a:rPr lang="en-US" dirty="0" err="1"/>
+              <a:t>You'rerequired</a:t>
+            </a:r>
+            <a:r>
+              <a:rPr lang="en-US" dirty="0"/>
+              <a:t> to </a:t>
+            </a:r>
+            <a:r>
+              <a:rPr lang="en-US" dirty="0" err="1"/>
+              <a:t>getan</a:t>
+            </a:r>
+            <a:r>
+              <a:rPr lang="en-US" dirty="0"/>
+              <a:t> Azure AD access token for your Power BI application </a:t>
+            </a:r>
+            <a:r>
+              <a:rPr lang="en-US" dirty="0" err="1"/>
+              <a:t>beforeyou</a:t>
+            </a:r>
+            <a:r>
+              <a:rPr lang="en-US" dirty="0"/>
+              <a:t> </a:t>
+            </a:r>
+            <a:r>
+              <a:rPr lang="en-US" dirty="0" err="1"/>
+              <a:t>makecalls</a:t>
+            </a:r>
+            <a:r>
+              <a:rPr lang="en-US" dirty="0"/>
+              <a:t> to the Power BI REST APIs. </a:t>
+            </a:r>
+          </a:p>
+        </p:txBody>
+      </p:sp>
+      <p:sp>
+        <p:nvSpPr>
+          <p:cNvPr id="5" name="Title 4">
+            <a:extLst>
+              <a:ext uri="{FF2B5EF4-FFF2-40B4-BE49-F238E27FC236}">
+                <a16:creationId xmlns:a16="http://schemas.microsoft.com/office/drawing/2014/main" id="{314BF156-F336-4A9A-A4CD-B99D334A7E02}"/>
+              </a:ext>
+            </a:extLst>
+          </p:cNvPr>
           <p:cNvSpPr>
             <a:spLocks noGrp="1"/>
           </p:cNvSpPr>
@@ -14417,179 +15692,32 @@
         </p:nvSpPr>
         <p:spPr/>
         <p:txBody>
-          <a:bodyPr>
-            <a:normAutofit/>
-          </a:bodyPr>
+          <a:bodyPr/>
           <a:lstStyle/>
           <a:p>
-            <a:r>
-              <a:rPr lang="en-US" sz="4400" dirty="0">
-                <a:solidFill>
-                  <a:schemeClr val="tx1"/>
-                </a:solidFill>
-                <a:latin typeface="Segoe UI Light" panose="020B0502040204020203" pitchFamily="34" charset="0"/>
-                <a:cs typeface="Segoe UI Light" panose="020B0502040204020203" pitchFamily="34" charset="0"/>
-              </a:rPr>
-              <a:t>Wrap-up</a:t>
-            </a:r>
-          </a:p>
-        </p:txBody>
-      </p:sp>
-      <p:sp>
-        <p:nvSpPr>
-          <p:cNvPr id="9" name="TextBox 8">
-            <a:extLst>
-              <a:ext uri="{FF2B5EF4-FFF2-40B4-BE49-F238E27FC236}">
-                <a16:creationId xmlns:a16="http://schemas.microsoft.com/office/drawing/2014/main" id="{0F86F9F9-39B5-4CE6-AF48-9ADAE40EA728}"/>
-              </a:ext>
-            </a:extLst>
-          </p:cNvPr>
-          <p:cNvSpPr txBox="1"/>
-          <p:nvPr/>
-        </p:nvSpPr>
-        <p:spPr>
-          <a:xfrm>
-            <a:off x="340285" y="1741246"/>
-            <a:ext cx="7247965" cy="3006977"/>
-          </a:xfrm>
-          <a:prstGeom prst="rect">
-            <a:avLst/>
-          </a:prstGeom>
-          <a:noFill/>
-        </p:spPr>
-        <p:txBody>
-          <a:bodyPr wrap="square" lIns="182880" tIns="146304" rIns="182880" bIns="146304" rtlCol="0">
-            <a:spAutoFit/>
-          </a:bodyPr>
-          <a:lstStyle/>
-          <a:p>
-            <a:pPr>
-              <a:lnSpc>
-                <a:spcPct val="90000"/>
-              </a:lnSpc>
-              <a:spcAft>
-                <a:spcPts val="600"/>
-              </a:spcAft>
-            </a:pPr>
-            <a:r>
-              <a:rPr lang="en-US" sz="3600" dirty="0">
-                <a:latin typeface="+mj-lt"/>
-              </a:rPr>
-              <a:t>Outcome</a:t>
-            </a:r>
-          </a:p>
-          <a:p>
-            <a:pPr>
-              <a:lnSpc>
-                <a:spcPct val="90000"/>
-              </a:lnSpc>
-              <a:spcAft>
-                <a:spcPts val="600"/>
-              </a:spcAft>
-            </a:pPr>
-            <a:r>
-              <a:rPr lang="en-US" sz="2400" dirty="0">
-                <a:latin typeface="Segoe UI Semilight" panose="020B0402040204020203" pitchFamily="34" charset="0"/>
-                <a:cs typeface="Segoe UI Semilight" panose="020B0402040204020203" pitchFamily="34" charset="0"/>
-              </a:rPr>
-              <a:t>Identify the preferred solution for the case study</a:t>
-            </a:r>
-          </a:p>
-          <a:p>
-            <a:pPr>
-              <a:lnSpc>
-                <a:spcPct val="90000"/>
-              </a:lnSpc>
-              <a:spcAft>
-                <a:spcPts val="600"/>
-              </a:spcAft>
-            </a:pPr>
-            <a:r>
-              <a:rPr lang="en-US" sz="2400" dirty="0">
-                <a:latin typeface="Segoe UI Semilight" panose="020B0402040204020203" pitchFamily="34" charset="0"/>
-                <a:cs typeface="Segoe UI Semilight" panose="020B0402040204020203" pitchFamily="34" charset="0"/>
-              </a:rPr>
-              <a:t>Identify solutions designed by other teams</a:t>
-            </a:r>
-          </a:p>
-          <a:p>
-            <a:pPr>
-              <a:lnSpc>
-                <a:spcPct val="90000"/>
-              </a:lnSpc>
-              <a:spcAft>
-                <a:spcPts val="600"/>
-              </a:spcAft>
-            </a:pPr>
-            <a:endParaRPr lang="en-US" sz="2400" dirty="0"/>
-          </a:p>
-          <a:p>
-            <a:pPr>
-              <a:lnSpc>
-                <a:spcPct val="90000"/>
-              </a:lnSpc>
-              <a:spcAft>
-                <a:spcPts val="600"/>
-              </a:spcAft>
-            </a:pPr>
-            <a:r>
-              <a:rPr lang="en-US" sz="3600" dirty="0">
-                <a:latin typeface="+mj-lt"/>
-              </a:rPr>
-              <a:t>Timeframe</a:t>
-            </a:r>
-          </a:p>
-          <a:p>
-            <a:pPr>
-              <a:lnSpc>
-                <a:spcPct val="90000"/>
-              </a:lnSpc>
-              <a:spcAft>
-                <a:spcPts val="600"/>
-              </a:spcAft>
-            </a:pPr>
-            <a:r>
-              <a:rPr lang="en-US" sz="2400" dirty="0">
-                <a:latin typeface="Segoe UI Semilight" panose="020B0402040204020203" pitchFamily="34" charset="0"/>
-                <a:cs typeface="Segoe UI Semilight" panose="020B0402040204020203" pitchFamily="34" charset="0"/>
-              </a:rPr>
-              <a:t>15 minutes</a:t>
-            </a:r>
+            <a:endParaRPr lang="en-US"/>
           </a:p>
         </p:txBody>
       </p:sp>
     </p:spTree>
     <p:extLst>
       <p:ext uri="{BB962C8B-B14F-4D97-AF65-F5344CB8AC3E}">
-        <p14:creationId xmlns:p14="http://schemas.microsoft.com/office/powerpoint/2010/main" val="4239998353"/>
+        <p14:creationId xmlns:p14="http://schemas.microsoft.com/office/powerpoint/2010/main" val="1548196022"/>
       </p:ext>
     </p:extLst>
   </p:cSld>
   <p:clrMapOvr>
     <a:masterClrMapping/>
   </p:clrMapOvr>
-  <mc:AlternateContent xmlns:mc="http://schemas.openxmlformats.org/markup-compatibility/2006" xmlns:p14="http://schemas.microsoft.com/office/powerpoint/2010/main">
-    <mc:Choice Requires="p14">
-      <p:transition p14:dur="0"/>
-    </mc:Choice>
-    <mc:Fallback xmlns="">
-      <p:transition/>
-    </mc:Fallback>
-  </mc:AlternateContent>
+  <p:transition>
+    <p:fade/>
+  </p:transition>
 </p:sld>
 </file>
 
 <file path=ppt/slides/slide9.xml><?xml version="1.0" encoding="utf-8"?>
 <p:sld xmlns:a="http://schemas.openxmlformats.org/drawingml/2006/main" xmlns:r="http://schemas.openxmlformats.org/officeDocument/2006/relationships" xmlns:p="http://schemas.openxmlformats.org/presentationml/2006/main">
   <p:cSld>
-    <p:bg>
-      <p:bgPr>
-        <a:solidFill>
-          <a:schemeClr val="bg2"/>
-        </a:solidFill>
-        <a:effectLst/>
-      </p:bgPr>
-    </p:bg>
     <p:spTree>
       <p:nvGrpSpPr>
         <p:cNvPr id="1" name=""/>
@@ -14604,28 +15732,278 @@
           <a:chExt cx="0" cy="0"/>
         </a:xfrm>
       </p:grpSpPr>
+      <p:sp>
+        <p:nvSpPr>
+          <p:cNvPr id="4" name="Title 3">
+            <a:extLst>
+              <a:ext uri="{FF2B5EF4-FFF2-40B4-BE49-F238E27FC236}">
+                <a16:creationId xmlns:a16="http://schemas.microsoft.com/office/drawing/2014/main" id="{68945485-FEC4-43D1-9A0A-C1C4205C5A44}"/>
+              </a:ext>
+            </a:extLst>
+          </p:cNvPr>
+          <p:cNvSpPr>
+            <a:spLocks noGrp="1"/>
+          </p:cNvSpPr>
+          <p:nvPr>
+            <p:ph type="title"/>
+          </p:nvPr>
+        </p:nvSpPr>
+        <p:spPr/>
+        <p:txBody>
+          <a:bodyPr/>
+          <a:lstStyle/>
+          <a:p>
+            <a:endParaRPr lang="en-US"/>
+          </a:p>
+        </p:txBody>
+      </p:sp>
+      <p:sp>
+        <p:nvSpPr>
+          <p:cNvPr id="5" name="Text Placeholder 4">
+            <a:extLst>
+              <a:ext uri="{FF2B5EF4-FFF2-40B4-BE49-F238E27FC236}">
+                <a16:creationId xmlns:a16="http://schemas.microsoft.com/office/drawing/2014/main" id="{93550D93-0EB0-4FBB-8BD2-ABB7B1BEEC58}"/>
+              </a:ext>
+            </a:extLst>
+          </p:cNvPr>
+          <p:cNvSpPr>
+            <a:spLocks noGrp="1"/>
+          </p:cNvSpPr>
+          <p:nvPr>
+            <p:ph type="body" sz="quarter" idx="10"/>
+          </p:nvPr>
+        </p:nvSpPr>
+        <p:spPr>
+          <a:xfrm>
+            <a:off x="269241" y="1189176"/>
+            <a:ext cx="5378548" cy="4963923"/>
+          </a:xfrm>
+        </p:spPr>
+        <p:txBody>
+          <a:bodyPr/>
+          <a:lstStyle/>
+          <a:p>
+            <a:r>
+              <a:rPr lang="en-US" dirty="0"/>
+              <a:t>To create the Power BI Client with your access token, you want to create your Power BI client object, which allows you to interact with the Power BI REST APIs. You create the Power BI client object by wrapping the </a:t>
+            </a:r>
+            <a:r>
+              <a:rPr lang="en-US" dirty="0" err="1"/>
+              <a:t>AccessToken</a:t>
+            </a:r>
+            <a:r>
+              <a:rPr lang="en-US" dirty="0"/>
+              <a:t> with a </a:t>
+            </a:r>
+            <a:r>
+              <a:rPr lang="en-US" dirty="0" err="1"/>
+              <a:t>Microsoft.Rest.TokenCredentials</a:t>
+            </a:r>
+            <a:r>
+              <a:rPr lang="en-US" dirty="0"/>
+              <a:t> object. </a:t>
+            </a:r>
+          </a:p>
+        </p:txBody>
+      </p:sp>
+      <p:sp>
+        <p:nvSpPr>
+          <p:cNvPr id="6" name="Text Placeholder 5">
+            <a:extLst>
+              <a:ext uri="{FF2B5EF4-FFF2-40B4-BE49-F238E27FC236}">
+                <a16:creationId xmlns:a16="http://schemas.microsoft.com/office/drawing/2014/main" id="{DA623A67-42DB-4A0B-8D5A-ED06557ABB06}"/>
+              </a:ext>
+            </a:extLst>
+          </p:cNvPr>
+          <p:cNvSpPr>
+            <a:spLocks noGrp="1"/>
+          </p:cNvSpPr>
+          <p:nvPr>
+            <p:ph type="body" sz="quarter" idx="11"/>
+          </p:nvPr>
+        </p:nvSpPr>
+        <p:spPr>
+          <a:xfrm>
+            <a:off x="6544214" y="1189176"/>
+            <a:ext cx="5378548" cy="2874633"/>
+          </a:xfrm>
+          <a:solidFill>
+            <a:schemeClr val="tx1"/>
+          </a:solidFill>
+        </p:spPr>
+        <p:txBody>
+          <a:bodyPr/>
+          <a:lstStyle/>
+          <a:p>
+            <a:r>
+              <a:rPr lang="en-US" sz="2200" dirty="0">
+                <a:solidFill>
+                  <a:schemeClr val="bg1"/>
+                </a:solidFill>
+              </a:rPr>
+              <a:t>Code Snippet</a:t>
+            </a:r>
+          </a:p>
+          <a:p>
+            <a:endParaRPr lang="en-US" sz="2200" dirty="0">
+              <a:solidFill>
+                <a:schemeClr val="bg1"/>
+              </a:solidFill>
+            </a:endParaRPr>
+          </a:p>
+          <a:p>
+            <a:r>
+              <a:rPr lang="en-US" sz="1600" dirty="0">
+                <a:solidFill>
+                  <a:schemeClr val="bg1"/>
+                </a:solidFill>
+              </a:rPr>
+              <a:t>using </a:t>
+            </a:r>
+            <a:r>
+              <a:rPr lang="en-US" sz="1600" dirty="0" err="1">
+                <a:solidFill>
+                  <a:schemeClr val="bg1"/>
+                </a:solidFill>
+              </a:rPr>
+              <a:t>Microsoft.IdentityModel.Clients.ActiveDirectory</a:t>
+            </a:r>
+            <a:r>
+              <a:rPr lang="en-US" sz="1600" dirty="0">
+                <a:solidFill>
+                  <a:schemeClr val="bg1"/>
+                </a:solidFill>
+              </a:rPr>
+              <a:t>; using </a:t>
+            </a:r>
+            <a:r>
+              <a:rPr lang="en-US" sz="1600" dirty="0" err="1">
+                <a:solidFill>
+                  <a:schemeClr val="bg1"/>
+                </a:solidFill>
+              </a:rPr>
+              <a:t>Microsoft.Rest</a:t>
+            </a:r>
+            <a:r>
+              <a:rPr lang="en-US" sz="1600" dirty="0">
+                <a:solidFill>
+                  <a:schemeClr val="bg1"/>
+                </a:solidFill>
+              </a:rPr>
+              <a:t>; using Microsoft.PowerBI.Api.V2; var </a:t>
+            </a:r>
+            <a:r>
+              <a:rPr lang="en-US" sz="1600" dirty="0" err="1">
+                <a:solidFill>
+                  <a:schemeClr val="bg1"/>
+                </a:solidFill>
+              </a:rPr>
+              <a:t>tokenCredentials</a:t>
+            </a:r>
+            <a:r>
+              <a:rPr lang="en-US" sz="1600" dirty="0">
+                <a:solidFill>
+                  <a:schemeClr val="bg1"/>
+                </a:solidFill>
+              </a:rPr>
+              <a:t> = new </a:t>
+            </a:r>
+            <a:r>
+              <a:rPr lang="en-US" sz="1600" dirty="0" err="1">
+                <a:solidFill>
+                  <a:schemeClr val="bg1"/>
+                </a:solidFill>
+              </a:rPr>
+              <a:t>TokenCredentials</a:t>
+            </a:r>
+            <a:r>
+              <a:rPr lang="en-US" sz="1600" dirty="0">
+                <a:solidFill>
+                  <a:schemeClr val="bg1"/>
+                </a:solidFill>
+              </a:rPr>
+              <a:t>(</a:t>
+            </a:r>
+            <a:r>
+              <a:rPr lang="en-US" sz="1600" dirty="0" err="1">
+                <a:solidFill>
+                  <a:schemeClr val="bg1"/>
+                </a:solidFill>
+              </a:rPr>
+              <a:t>authenticationResult.AccessToken</a:t>
+            </a:r>
+            <a:r>
+              <a:rPr lang="en-US" sz="1600" dirty="0">
+                <a:solidFill>
+                  <a:schemeClr val="bg1"/>
+                </a:solidFill>
+              </a:rPr>
+              <a:t>, "Bearer"); // Create a Power BI Client object. it's used to call Power BI APIs. using (var client = new </a:t>
+            </a:r>
+            <a:r>
+              <a:rPr lang="en-US" sz="1600" dirty="0" err="1">
+                <a:solidFill>
+                  <a:schemeClr val="bg1"/>
+                </a:solidFill>
+              </a:rPr>
+              <a:t>PowerBIClient</a:t>
+            </a:r>
+            <a:r>
+              <a:rPr lang="en-US" sz="1600" dirty="0">
+                <a:solidFill>
+                  <a:schemeClr val="bg1"/>
+                </a:solidFill>
+              </a:rPr>
+              <a:t>(new Uri(</a:t>
+            </a:r>
+            <a:r>
+              <a:rPr lang="en-US" sz="1600" dirty="0" err="1">
+                <a:solidFill>
+                  <a:schemeClr val="bg1"/>
+                </a:solidFill>
+              </a:rPr>
+              <a:t>ApiUrl</a:t>
+            </a:r>
+            <a:r>
+              <a:rPr lang="en-US" sz="1600" dirty="0">
+                <a:solidFill>
+                  <a:schemeClr val="bg1"/>
+                </a:solidFill>
+              </a:rPr>
+              <a:t>), </a:t>
+            </a:r>
+            <a:r>
+              <a:rPr lang="en-US" sz="1600" dirty="0" err="1">
+                <a:solidFill>
+                  <a:schemeClr val="bg1"/>
+                </a:solidFill>
+              </a:rPr>
+              <a:t>tokenCredentials</a:t>
+            </a:r>
+            <a:r>
+              <a:rPr lang="en-US" sz="1600" dirty="0">
+                <a:solidFill>
+                  <a:schemeClr val="bg1"/>
+                </a:solidFill>
+              </a:rPr>
+              <a:t>)) { // Your code to embed items. } </a:t>
+            </a:r>
+          </a:p>
+        </p:txBody>
+      </p:sp>
     </p:spTree>
     <p:extLst>
       <p:ext uri="{BB962C8B-B14F-4D97-AF65-F5344CB8AC3E}">
-        <p14:creationId xmlns:p14="http://schemas.microsoft.com/office/powerpoint/2010/main" val="1897784522"/>
+        <p14:creationId xmlns:p14="http://schemas.microsoft.com/office/powerpoint/2010/main" val="1586817425"/>
       </p:ext>
     </p:extLst>
   </p:cSld>
   <p:clrMapOvr>
     <a:masterClrMapping/>
   </p:clrMapOvr>
-  <mc:AlternateContent xmlns:mc="http://schemas.openxmlformats.org/markup-compatibility/2006" xmlns:p14="http://schemas.microsoft.com/office/powerpoint/2010/main">
-    <mc:Choice Requires="p14">
-      <p:transition spd="med" p14:dur="700">
-        <p:fade/>
-      </p:transition>
-    </mc:Choice>
-    <mc:Fallback xmlns="">
-      <p:transition spd="med">
-        <p:fade/>
-      </p:transition>
-    </mc:Fallback>
-  </mc:AlternateContent>
+  <p:transition>
+    <p:fade/>
+  </p:transition>
 </p:sld>
 </file>
 
@@ -15495,6 +16873,24 @@
 </file>
 
 <file path=customXml/item1.xml><?xml version="1.0" encoding="utf-8"?>
+<p:properties xmlns:p="http://schemas.microsoft.com/office/2006/metadata/properties" xmlns:xsi="http://www.w3.org/2001/XMLSchema-instance" xmlns:pc="http://schemas.microsoft.com/office/infopath/2007/PartnerControls">
+  <documentManagement>
+    <_ip_UnifiedCompliancePolicyUIAction xmlns="http://schemas.microsoft.com/sharepoint/v3" xsi:nil="true"/>
+    <_ip_UnifiedCompliancePolicyProperties xmlns="http://schemas.microsoft.com/sharepoint/v3" xsi:nil="true"/>
+  </documentManagement>
+</p:properties>
+</file>
+
+<file path=customXml/item2.xml><?xml version="1.0" encoding="utf-8"?>
+<?mso-contentType ?>
+<FormTemplates xmlns="http://schemas.microsoft.com/sharepoint/v3/contenttype/forms">
+  <Display>DocumentLibraryForm</Display>
+  <Edit>DocumentLibraryForm</Edit>
+  <New>DocumentLibraryForm</New>
+</FormTemplates>
+</file>
+
+<file path=customXml/item3.xml><?xml version="1.0" encoding="utf-8"?>
 <ct:contentTypeSchema xmlns:ct="http://schemas.microsoft.com/office/2006/metadata/contentType" xmlns:ma="http://schemas.microsoft.com/office/2006/metadata/properties/metaAttributes" ct:_="" ma:_="" ma:contentTypeName="Document" ma:contentTypeID="0x010100D15DFA3690A15B4081582BBCC6BEAC3E" ma:contentTypeVersion="9" ma:contentTypeDescription="Create a new document." ma:contentTypeScope="" ma:versionID="642da1784587cbe85a7fdbbe4dc36103">
   <xsd:schema xmlns:xsd="http://www.w3.org/2001/XMLSchema" xmlns:xs="http://www.w3.org/2001/XMLSchema" xmlns:p="http://schemas.microsoft.com/office/2006/metadata/properties" xmlns:ns1="http://schemas.microsoft.com/sharepoint/v3" xmlns:ns2="2023ac63-7b75-4916-a9ee-591457758eee" xmlns:ns3="d9c797ad-d7c3-4982-82b7-81352a75e4a5" targetNamespace="http://schemas.microsoft.com/office/2006/metadata/properties" ma:root="true" ma:fieldsID="91198b0246576053cc55dd2c67035a89" ns1:_="" ns2:_="" ns3:_="">
     <xsd:import namespace="http://schemas.microsoft.com/sharepoint/v3"/>
@@ -15696,25 +17092,33 @@
 </ct:contentTypeSchema>
 </file>
 
-<file path=customXml/item2.xml><?xml version="1.0" encoding="utf-8"?>
-<?mso-contentType ?>
-<FormTemplates xmlns="http://schemas.microsoft.com/sharepoint/v3/contenttype/forms">
-  <Display>DocumentLibraryForm</Display>
-  <Edit>DocumentLibraryForm</Edit>
-  <New>DocumentLibraryForm</New>
-</FormTemplates>
+<file path=customXml/itemProps1.xml><?xml version="1.0" encoding="utf-8"?>
+<ds:datastoreItem xmlns:ds="http://schemas.openxmlformats.org/officeDocument/2006/customXml" ds:itemID="{BAF7D529-36AB-45DA-B239-2F912F2D1610}">
+  <ds:schemaRefs>
+    <ds:schemaRef ds:uri="http://schemas.microsoft.com/office/2006/metadata/properties"/>
+    <ds:schemaRef ds:uri="d9c797ad-d7c3-4982-82b7-81352a75e4a5"/>
+    <ds:schemaRef ds:uri="http://purl.org/dc/terms/"/>
+    <ds:schemaRef ds:uri="2023ac63-7b75-4916-a9ee-591457758eee"/>
+    <ds:schemaRef ds:uri="http://purl.org/dc/elements/1.1/"/>
+    <ds:schemaRef ds:uri="http://schemas.openxmlformats.org/package/2006/metadata/core-properties"/>
+    <ds:schemaRef ds:uri="http://purl.org/dc/dcmitype/"/>
+    <ds:schemaRef ds:uri="http://schemas.microsoft.com/office/2006/documentManagement/types"/>
+    <ds:schemaRef ds:uri="http://schemas.microsoft.com/office/infopath/2007/PartnerControls"/>
+    <ds:schemaRef ds:uri="http://schemas.microsoft.com/sharepoint/v3"/>
+    <ds:schemaRef ds:uri="http://www.w3.org/XML/1998/namespace"/>
+  </ds:schemaRefs>
+</ds:datastoreItem>
 </file>
 
-<file path=customXml/item3.xml><?xml version="1.0" encoding="utf-8"?>
-<p:properties xmlns:p="http://schemas.microsoft.com/office/2006/metadata/properties" xmlns:xsi="http://www.w3.org/2001/XMLSchema-instance" xmlns:pc="http://schemas.microsoft.com/office/infopath/2007/PartnerControls">
-  <documentManagement>
-    <_ip_UnifiedCompliancePolicyUIAction xmlns="http://schemas.microsoft.com/sharepoint/v3" xsi:nil="true"/>
-    <_ip_UnifiedCompliancePolicyProperties xmlns="http://schemas.microsoft.com/sharepoint/v3" xsi:nil="true"/>
-  </documentManagement>
-</p:properties>
+<file path=customXml/itemProps2.xml><?xml version="1.0" encoding="utf-8"?>
+<ds:datastoreItem xmlns:ds="http://schemas.openxmlformats.org/officeDocument/2006/customXml" ds:itemID="{F18501AF-04CF-4482-BAE1-607B49DDC378}">
+  <ds:schemaRefs>
+    <ds:schemaRef ds:uri="http://schemas.microsoft.com/sharepoint/v3/contenttype/forms"/>
+  </ds:schemaRefs>
+</ds:datastoreItem>
 </file>
 
-<file path=customXml/itemProps1.xml><?xml version="1.0" encoding="utf-8"?>
+<file path=customXml/itemProps3.xml><?xml version="1.0" encoding="utf-8"?>
 <ds:datastoreItem xmlns:ds="http://schemas.openxmlformats.org/officeDocument/2006/customXml" ds:itemID="{255F5BEB-6AD6-480A-8556-C80C5EBC10F2}">
   <ds:schemaRefs>
     <ds:schemaRef ds:uri="http://schemas.microsoft.com/office/2006/metadata/contentType"/>
@@ -15732,30 +17136,4 @@
     <ds:schemaRef ds:uri="http://schemas.microsoft.com/internal/obd"/>
   </ds:schemaRefs>
 </ds:datastoreItem>
-</file>
-
-<file path=customXml/itemProps2.xml><?xml version="1.0" encoding="utf-8"?>
-<ds:datastoreItem xmlns:ds="http://schemas.openxmlformats.org/officeDocument/2006/customXml" ds:itemID="{F18501AF-04CF-4482-BAE1-607B49DDC378}">
-  <ds:schemaRefs>
-    <ds:schemaRef ds:uri="http://schemas.microsoft.com/sharepoint/v3/contenttype/forms"/>
-  </ds:schemaRefs>
-</ds:datastoreItem>
-</file>
-
-<file path=customXml/itemProps3.xml><?xml version="1.0" encoding="utf-8"?>
-<ds:datastoreItem xmlns:ds="http://schemas.openxmlformats.org/officeDocument/2006/customXml" ds:itemID="{BAF7D529-36AB-45DA-B239-2F912F2D1610}">
-  <ds:schemaRefs>
-    <ds:schemaRef ds:uri="http://schemas.microsoft.com/office/2006/metadata/properties"/>
-    <ds:schemaRef ds:uri="d9c797ad-d7c3-4982-82b7-81352a75e4a5"/>
-    <ds:schemaRef ds:uri="http://purl.org/dc/terms/"/>
-    <ds:schemaRef ds:uri="2023ac63-7b75-4916-a9ee-591457758eee"/>
-    <ds:schemaRef ds:uri="http://purl.org/dc/elements/1.1/"/>
-    <ds:schemaRef ds:uri="http://schemas.openxmlformats.org/package/2006/metadata/core-properties"/>
-    <ds:schemaRef ds:uri="http://purl.org/dc/dcmitype/"/>
-    <ds:schemaRef ds:uri="http://schemas.microsoft.com/office/2006/documentManagement/types"/>
-    <ds:schemaRef ds:uri="http://schemas.microsoft.com/office/infopath/2007/PartnerControls"/>
-    <ds:schemaRef ds:uri="http://schemas.microsoft.com/sharepoint/v3"/>
-    <ds:schemaRef ds:uri="http://www.w3.org/XML/1998/namespace"/>
-  </ds:schemaRefs>
-</ds:datastoreItem>
 </file>
--- a/Hands-on Modules/Embedding/5. Ways to Embed Power BI objects.pptx
+++ b/Hands-on Modules/Embedding/5. Ways to Embed Power BI objects.pptx
@@ -6,7 +6,7 @@
     <p:sldMasterId id="2147483665" r:id="rId5"/>
   </p:sldMasterIdLst>
   <p:notesMasterIdLst>
-    <p:notesMasterId r:id="rId20"/>
+    <p:notesMasterId r:id="rId23"/>
   </p:notesMasterIdLst>
   <p:sldIdLst>
     <p:sldId id="300" r:id="rId6"/>
@@ -14,15 +14,18 @@
     <p:sldId id="323" r:id="rId8"/>
     <p:sldId id="324" r:id="rId9"/>
     <p:sldId id="337" r:id="rId10"/>
-    <p:sldId id="334" r:id="rId11"/>
-    <p:sldId id="336" r:id="rId12"/>
-    <p:sldId id="338" r:id="rId13"/>
-    <p:sldId id="339" r:id="rId14"/>
-    <p:sldId id="340" r:id="rId15"/>
-    <p:sldId id="341" r:id="rId16"/>
-    <p:sldId id="335" r:id="rId17"/>
-    <p:sldId id="333" r:id="rId18"/>
-    <p:sldId id="315" r:id="rId19"/>
+    <p:sldId id="336" r:id="rId11"/>
+    <p:sldId id="338" r:id="rId12"/>
+    <p:sldId id="339" r:id="rId13"/>
+    <p:sldId id="340" r:id="rId14"/>
+    <p:sldId id="341" r:id="rId15"/>
+    <p:sldId id="334" r:id="rId16"/>
+    <p:sldId id="342" r:id="rId17"/>
+    <p:sldId id="343" r:id="rId18"/>
+    <p:sldId id="344" r:id="rId19"/>
+    <p:sldId id="335" r:id="rId20"/>
+    <p:sldId id="333" r:id="rId21"/>
+    <p:sldId id="315" r:id="rId22"/>
   </p:sldIdLst>
   <p:sldSz cx="12192000" cy="6858000"/>
   <p:notesSz cx="6858000" cy="9144000"/>
@@ -769,7 +772,7 @@
           <a:p>
             <a:fld id="{35A2D088-BDBD-41A5-ADCE-5C6A4DC08057}" type="datetime8">
               <a:rPr lang="en-US" smtClean="0"/>
-              <a:t>2/26/2019 10:34 AM</a:t>
+              <a:t>2/26/2019 1:02 PM</a:t>
             </a:fld>
             <a:endParaRPr lang="en-US" dirty="0"/>
           </a:p>
@@ -940,6 +943,217 @@
           <a:bodyPr/>
           <a:lstStyle/>
           <a:p>
+            <a:pPr marL="0" marR="0" lvl="0" indent="0" algn="l" defTabSz="914400" rtl="0" eaLnBrk="1" fontAlgn="auto" latinLnBrk="0" hangingPunct="1">
+              <a:lnSpc>
+                <a:spcPct val="100000"/>
+              </a:lnSpc>
+              <a:spcBef>
+                <a:spcPts val="0"/>
+              </a:spcBef>
+              <a:spcAft>
+                <a:spcPts val="0"/>
+              </a:spcAft>
+              <a:buClrTx/>
+              <a:buSzTx/>
+              <a:buFontTx/>
+              <a:buNone/>
+              <a:tabLst/>
+              <a:defRPr/>
+            </a:pPr>
+            <a:r>
+              <a:rPr lang="en-US" dirty="0"/>
+              <a:t>https://docs.microsoft.com/en-us/power-bi/developer/embed-sample-for-your-organization</a:t>
+            </a:r>
+          </a:p>
+        </p:txBody>
+      </p:sp>
+      <p:sp>
+        <p:nvSpPr>
+          <p:cNvPr id="4" name="Slide Number Placeholder 3"/>
+          <p:cNvSpPr>
+            <a:spLocks noGrp="1"/>
+          </p:cNvSpPr>
+          <p:nvPr>
+            <p:ph type="sldNum" sz="quarter" idx="5"/>
+          </p:nvPr>
+        </p:nvSpPr>
+        <p:spPr/>
+        <p:txBody>
+          <a:bodyPr/>
+          <a:lstStyle/>
+          <a:p>
+            <a:fld id="{0998D5BB-B127-481F-BC0A-2F77C576BB34}" type="slidenum">
+              <a:rPr lang="en-US" smtClean="0"/>
+              <a:t>6</a:t>
+            </a:fld>
+            <a:endParaRPr lang="en-US"/>
+          </a:p>
+        </p:txBody>
+      </p:sp>
+    </p:spTree>
+    <p:extLst>
+      <p:ext uri="{BB962C8B-B14F-4D97-AF65-F5344CB8AC3E}">
+        <p14:creationId xmlns:p14="http://schemas.microsoft.com/office/powerpoint/2010/main" val="2065486554"/>
+      </p:ext>
+    </p:extLst>
+  </p:cSld>
+  <p:clrMapOvr>
+    <a:masterClrMapping/>
+  </p:clrMapOvr>
+</p:notes>
+</file>
+
+<file path=ppt/notesSlides/notesSlide5.xml><?xml version="1.0" encoding="utf-8"?>
+<p:notes xmlns:a="http://schemas.openxmlformats.org/drawingml/2006/main" xmlns:r="http://schemas.openxmlformats.org/officeDocument/2006/relationships" xmlns:p="http://schemas.openxmlformats.org/presentationml/2006/main">
+  <p:cSld>
+    <p:spTree>
+      <p:nvGrpSpPr>
+        <p:cNvPr id="1" name=""/>
+        <p:cNvGrpSpPr/>
+        <p:nvPr/>
+      </p:nvGrpSpPr>
+      <p:grpSpPr>
+        <a:xfrm>
+          <a:off x="0" y="0"/>
+          <a:ext cx="0" cy="0"/>
+          <a:chOff x="0" y="0"/>
+          <a:chExt cx="0" cy="0"/>
+        </a:xfrm>
+      </p:grpSpPr>
+      <p:sp>
+        <p:nvSpPr>
+          <p:cNvPr id="2" name="Slide Image Placeholder 1"/>
+          <p:cNvSpPr>
+            <a:spLocks noGrp="1" noRot="1" noChangeAspect="1"/>
+          </p:cNvSpPr>
+          <p:nvPr>
+            <p:ph type="sldImg"/>
+          </p:nvPr>
+        </p:nvSpPr>
+        <p:spPr/>
+      </p:sp>
+      <p:sp>
+        <p:nvSpPr>
+          <p:cNvPr id="3" name="Notes Placeholder 2"/>
+          <p:cNvSpPr>
+            <a:spLocks noGrp="1"/>
+          </p:cNvSpPr>
+          <p:nvPr>
+            <p:ph type="body" idx="1"/>
+          </p:nvPr>
+        </p:nvSpPr>
+        <p:spPr/>
+        <p:txBody>
+          <a:bodyPr/>
+          <a:lstStyle/>
+          <a:p>
+            <a:pPr marL="0" marR="0" lvl="0" indent="0" algn="l" defTabSz="914400" rtl="0" eaLnBrk="1" fontAlgn="auto" latinLnBrk="0" hangingPunct="1">
+              <a:lnSpc>
+                <a:spcPct val="100000"/>
+              </a:lnSpc>
+              <a:spcBef>
+                <a:spcPts val="0"/>
+              </a:spcBef>
+              <a:spcAft>
+                <a:spcPts val="0"/>
+              </a:spcAft>
+              <a:buClrTx/>
+              <a:buSzTx/>
+              <a:buFontTx/>
+              <a:buNone/>
+              <a:tabLst/>
+              <a:defRPr/>
+            </a:pPr>
+            <a:r>
+              <a:rPr lang="en-US" dirty="0"/>
+              <a:t>https://docs.microsoft.com/en-us/power-bi/developer/embed-sample-for-customers</a:t>
+            </a:r>
+          </a:p>
+          <a:p>
+            <a:endParaRPr lang="en-US" dirty="0"/>
+          </a:p>
+        </p:txBody>
+      </p:sp>
+      <p:sp>
+        <p:nvSpPr>
+          <p:cNvPr id="4" name="Slide Number Placeholder 3"/>
+          <p:cNvSpPr>
+            <a:spLocks noGrp="1"/>
+          </p:cNvSpPr>
+          <p:nvPr>
+            <p:ph type="sldNum" sz="quarter" idx="5"/>
+          </p:nvPr>
+        </p:nvSpPr>
+        <p:spPr/>
+        <p:txBody>
+          <a:bodyPr/>
+          <a:lstStyle/>
+          <a:p>
+            <a:fld id="{0998D5BB-B127-481F-BC0A-2F77C576BB34}" type="slidenum">
+              <a:rPr lang="en-US" smtClean="0"/>
+              <a:t>11</a:t>
+            </a:fld>
+            <a:endParaRPr lang="en-US"/>
+          </a:p>
+        </p:txBody>
+      </p:sp>
+    </p:spTree>
+    <p:extLst>
+      <p:ext uri="{BB962C8B-B14F-4D97-AF65-F5344CB8AC3E}">
+        <p14:creationId xmlns:p14="http://schemas.microsoft.com/office/powerpoint/2010/main" val="3904042713"/>
+      </p:ext>
+    </p:extLst>
+  </p:cSld>
+  <p:clrMapOvr>
+    <a:masterClrMapping/>
+  </p:clrMapOvr>
+</p:notes>
+</file>
+
+<file path=ppt/notesSlides/notesSlide6.xml><?xml version="1.0" encoding="utf-8"?>
+<p:notes xmlns:a="http://schemas.openxmlformats.org/drawingml/2006/main" xmlns:r="http://schemas.openxmlformats.org/officeDocument/2006/relationships" xmlns:p="http://schemas.openxmlformats.org/presentationml/2006/main">
+  <p:cSld>
+    <p:spTree>
+      <p:nvGrpSpPr>
+        <p:cNvPr id="1" name=""/>
+        <p:cNvGrpSpPr/>
+        <p:nvPr/>
+      </p:nvGrpSpPr>
+      <p:grpSpPr>
+        <a:xfrm>
+          <a:off x="0" y="0"/>
+          <a:ext cx="0" cy="0"/>
+          <a:chOff x="0" y="0"/>
+          <a:chExt cx="0" cy="0"/>
+        </a:xfrm>
+      </p:grpSpPr>
+      <p:sp>
+        <p:nvSpPr>
+          <p:cNvPr id="2" name="Slide Image Placeholder 1"/>
+          <p:cNvSpPr>
+            <a:spLocks noGrp="1" noRot="1" noChangeAspect="1"/>
+          </p:cNvSpPr>
+          <p:nvPr>
+            <p:ph type="sldImg"/>
+          </p:nvPr>
+        </p:nvSpPr>
+        <p:spPr/>
+      </p:sp>
+      <p:sp>
+        <p:nvSpPr>
+          <p:cNvPr id="3" name="Notes Placeholder 2"/>
+          <p:cNvSpPr>
+            <a:spLocks noGrp="1"/>
+          </p:cNvSpPr>
+          <p:nvPr>
+            <p:ph type="body" idx="1"/>
+          </p:nvPr>
+        </p:nvSpPr>
+        <p:spPr/>
+        <p:txBody>
+          <a:bodyPr/>
+          <a:lstStyle/>
+          <a:p>
             <a:endParaRPr lang="en-US" dirty="0"/>
           </a:p>
         </p:txBody>
@@ -1034,7 +1248,7 @@
           <a:p>
             <a:fld id="{35A2D088-BDBD-41A5-ADCE-5C6A4DC08057}" type="datetime8">
               <a:rPr lang="en-US" smtClean="0"/>
-              <a:t>2/26/2019 10:34 AM</a:t>
+              <a:t>2/26/2019 1:02 PM</a:t>
             </a:fld>
             <a:endParaRPr lang="en-US" dirty="0"/>
           </a:p>
@@ -1058,7 +1272,7 @@
             <a:fld id="{B4008EB6-D09E-4580-8CD6-DDB14511944F}" type="slidenum">
               <a:rPr lang="en-US" smtClean="0"/>
               <a:pPr/>
-              <a:t>13</a:t>
+              <a:t>16</a:t>
             </a:fld>
             <a:endParaRPr lang="en-US" dirty="0"/>
           </a:p>
@@ -1077,7 +1291,7 @@
 </p:notes>
 </file>
 
-<file path=ppt/notesSlides/notesSlide5.xml><?xml version="1.0" encoding="utf-8"?>
+<file path=ppt/notesSlides/notesSlide7.xml><?xml version="1.0" encoding="utf-8"?>
 <p:notes xmlns:a="http://schemas.openxmlformats.org/drawingml/2006/main" xmlns:r="http://schemas.openxmlformats.org/officeDocument/2006/relationships" xmlns:p="http://schemas.openxmlformats.org/presentationml/2006/main">
   <p:cSld>
     <p:spTree>
@@ -1184,7 +1398,7 @@
                   <a:prstClr val="black"/>
                 </a:solidFill>
               </a:rPr>
-              <a:t>2/26/2019 10:34 AM</a:t>
+              <a:t>2/26/2019 1:02 PM</a:t>
             </a:fld>
             <a:endParaRPr lang="en-US" dirty="0">
               <a:solidFill>
@@ -1216,7 +1430,7 @@
                 </a:solidFill>
               </a:rPr>
               <a:pPr/>
-              <a:t>14</a:t>
+              <a:t>17</a:t>
             </a:fld>
             <a:endParaRPr lang="en-US" dirty="0">
               <a:solidFill>
@@ -13888,6 +14102,798 @@
           <p:cNvPr id="2" name="Title 1">
             <a:extLst>
               <a:ext uri="{FF2B5EF4-FFF2-40B4-BE49-F238E27FC236}">
+                <a16:creationId xmlns:a16="http://schemas.microsoft.com/office/drawing/2014/main" id="{7A3AC163-A24E-444F-BC9B-9DCE109AACE0}"/>
+              </a:ext>
+            </a:extLst>
+          </p:cNvPr>
+          <p:cNvSpPr>
+            <a:spLocks noGrp="1"/>
+          </p:cNvSpPr>
+          <p:nvPr>
+            <p:ph type="title"/>
+          </p:nvPr>
+        </p:nvSpPr>
+        <p:spPr/>
+        <p:txBody>
+          <a:bodyPr/>
+          <a:lstStyle/>
+          <a:p>
+            <a:r>
+              <a:rPr lang="en-US" dirty="0"/>
+              <a:t>Create the embed token </a:t>
+            </a:r>
+          </a:p>
+        </p:txBody>
+      </p:sp>
+      <p:sp>
+        <p:nvSpPr>
+          <p:cNvPr id="3" name="Text Placeholder 2">
+            <a:extLst>
+              <a:ext uri="{FF2B5EF4-FFF2-40B4-BE49-F238E27FC236}">
+                <a16:creationId xmlns:a16="http://schemas.microsoft.com/office/drawing/2014/main" id="{139429FE-AF1A-4023-81F1-4D7E7A7FEDA3}"/>
+              </a:ext>
+            </a:extLst>
+          </p:cNvPr>
+          <p:cNvSpPr>
+            <a:spLocks noGrp="1"/>
+          </p:cNvSpPr>
+          <p:nvPr>
+            <p:ph type="body" sz="quarter" idx="10"/>
+          </p:nvPr>
+        </p:nvSpPr>
+        <p:spPr>
+          <a:xfrm>
+            <a:off x="269241" y="1189176"/>
+            <a:ext cx="5378548" cy="5324535"/>
+          </a:xfrm>
+        </p:spPr>
+        <p:txBody>
+          <a:bodyPr/>
+          <a:lstStyle/>
+          <a:p>
+            <a:r>
+              <a:rPr lang="en-US" sz="2400" dirty="0"/>
+              <a:t>Generated an embed token, which can be used from the JavaScript API. The embed token is specific to the item you’re embedding. So at any time you embed a piece of Power BI content, you need to create a new embed token for it. For more information, including which </a:t>
+            </a:r>
+            <a:r>
+              <a:rPr lang="en-US" sz="2400" dirty="0" err="1"/>
+              <a:t>accessLevel</a:t>
+            </a:r>
+            <a:r>
+              <a:rPr lang="en-US" sz="2400" dirty="0"/>
+              <a:t> to use, see </a:t>
+            </a:r>
+            <a:r>
+              <a:rPr lang="en-US" sz="2400" dirty="0" err="1"/>
+              <a:t>GenerateToken</a:t>
+            </a:r>
+            <a:r>
+              <a:rPr lang="en-US" sz="2400" dirty="0"/>
+              <a:t> API. </a:t>
+            </a:r>
+          </a:p>
+          <a:p>
+            <a:r>
+              <a:rPr lang="en-US" sz="2400" dirty="0"/>
+              <a:t>A sample of creating an embed token for a report, dashboard, or tile want to embed is available within the Services\</a:t>
+            </a:r>
+            <a:r>
+              <a:rPr lang="en-US" sz="2400" dirty="0" err="1"/>
+              <a:t>EmbedService.cs</a:t>
+            </a:r>
+            <a:r>
+              <a:rPr lang="en-US" sz="2400" dirty="0"/>
+              <a:t> file in the sample application. </a:t>
+            </a:r>
+          </a:p>
+        </p:txBody>
+      </p:sp>
+      <p:sp>
+        <p:nvSpPr>
+          <p:cNvPr id="4" name="Text Placeholder 3">
+            <a:extLst>
+              <a:ext uri="{FF2B5EF4-FFF2-40B4-BE49-F238E27FC236}">
+                <a16:creationId xmlns:a16="http://schemas.microsoft.com/office/drawing/2014/main" id="{62EEAC5E-F300-4A3F-A2DF-712DBB62697D}"/>
+              </a:ext>
+            </a:extLst>
+          </p:cNvPr>
+          <p:cNvSpPr>
+            <a:spLocks noGrp="1"/>
+          </p:cNvSpPr>
+          <p:nvPr>
+            <p:ph type="body" sz="quarter" idx="11"/>
+          </p:nvPr>
+        </p:nvSpPr>
+        <p:spPr>
+          <a:xfrm>
+            <a:off x="6544214" y="1189176"/>
+            <a:ext cx="5378548" cy="5367623"/>
+          </a:xfrm>
+          <a:solidFill>
+            <a:schemeClr val="tx1"/>
+          </a:solidFill>
+        </p:spPr>
+        <p:txBody>
+          <a:bodyPr vert="horz" wrap="square" lIns="146304" tIns="91440" rIns="146304" bIns="91440" rtlCol="0">
+            <a:spAutoFit/>
+          </a:bodyPr>
+          <a:lstStyle/>
+          <a:p>
+            <a:r>
+              <a:rPr lang="en-US" sz="2200" dirty="0">
+                <a:solidFill>
+                  <a:schemeClr val="bg1"/>
+                </a:solidFill>
+              </a:rPr>
+              <a:t>Code Snippet</a:t>
+            </a:r>
+          </a:p>
+          <a:p>
+            <a:endParaRPr lang="en-US" sz="2200" dirty="0">
+              <a:solidFill>
+                <a:schemeClr val="bg1"/>
+              </a:solidFill>
+            </a:endParaRPr>
+          </a:p>
+          <a:p>
+            <a:r>
+              <a:rPr lang="en-US" sz="2200" dirty="0">
+                <a:solidFill>
+                  <a:schemeClr val="bg1"/>
+                </a:solidFill>
+              </a:rPr>
+              <a:t>using Microsoft.PowerBI.Api.V2; using Microsoft.PowerBI.Api.V2.Models; // Generate Embed Token. var </a:t>
+            </a:r>
+            <a:r>
+              <a:rPr lang="en-US" sz="2200" dirty="0" err="1">
+                <a:solidFill>
+                  <a:schemeClr val="bg1"/>
+                </a:solidFill>
+              </a:rPr>
+              <a:t>generateTokenRequestParameters</a:t>
+            </a:r>
+            <a:r>
+              <a:rPr lang="en-US" sz="2200" dirty="0">
+                <a:solidFill>
+                  <a:schemeClr val="bg1"/>
+                </a:solidFill>
+              </a:rPr>
+              <a:t> = new </a:t>
+            </a:r>
+            <a:r>
+              <a:rPr lang="en-US" sz="2200" dirty="0" err="1">
+                <a:solidFill>
+                  <a:schemeClr val="bg1"/>
+                </a:solidFill>
+              </a:rPr>
+              <a:t>GenerateTokenRequest</a:t>
+            </a:r>
+            <a:r>
+              <a:rPr lang="en-US" sz="2200" dirty="0">
+                <a:solidFill>
+                  <a:schemeClr val="bg1"/>
+                </a:solidFill>
+              </a:rPr>
+              <a:t>(</a:t>
+            </a:r>
+            <a:r>
+              <a:rPr lang="en-US" sz="2200" dirty="0" err="1">
+                <a:solidFill>
+                  <a:schemeClr val="bg1"/>
+                </a:solidFill>
+              </a:rPr>
+              <a:t>accessLevel</a:t>
+            </a:r>
+            <a:r>
+              <a:rPr lang="en-US" sz="2200" dirty="0">
+                <a:solidFill>
+                  <a:schemeClr val="bg1"/>
+                </a:solidFill>
+              </a:rPr>
+              <a:t>: "view"); </a:t>
+            </a:r>
+            <a:r>
+              <a:rPr lang="en-US" sz="2200" dirty="0" err="1">
+                <a:solidFill>
+                  <a:schemeClr val="bg1"/>
+                </a:solidFill>
+              </a:rPr>
+              <a:t>EmbedToken</a:t>
+            </a:r>
+            <a:r>
+              <a:rPr lang="en-US" sz="2200" dirty="0">
+                <a:solidFill>
+                  <a:schemeClr val="bg1"/>
+                </a:solidFill>
+              </a:rPr>
+              <a:t> </a:t>
+            </a:r>
+            <a:r>
+              <a:rPr lang="en-US" sz="2200" dirty="0" err="1">
+                <a:solidFill>
+                  <a:schemeClr val="bg1"/>
+                </a:solidFill>
+              </a:rPr>
+              <a:t>tokenResponse</a:t>
+            </a:r>
+            <a:r>
+              <a:rPr lang="en-US" sz="2200" dirty="0">
+                <a:solidFill>
+                  <a:schemeClr val="bg1"/>
+                </a:solidFill>
+              </a:rPr>
+              <a:t> = </a:t>
+            </a:r>
+            <a:r>
+              <a:rPr lang="en-US" sz="2200" dirty="0" err="1">
+                <a:solidFill>
+                  <a:schemeClr val="bg1"/>
+                </a:solidFill>
+              </a:rPr>
+              <a:t>client.Reports.GenerateTokenInGroup</a:t>
+            </a:r>
+            <a:r>
+              <a:rPr lang="en-US" sz="2200" dirty="0">
+                <a:solidFill>
+                  <a:schemeClr val="bg1"/>
+                </a:solidFill>
+              </a:rPr>
+              <a:t>(</a:t>
+            </a:r>
+            <a:r>
+              <a:rPr lang="en-US" sz="2200" dirty="0" err="1">
+                <a:solidFill>
+                  <a:schemeClr val="bg1"/>
+                </a:solidFill>
+              </a:rPr>
+              <a:t>workspaceId</a:t>
+            </a:r>
+            <a:r>
+              <a:rPr lang="en-US" sz="2200" dirty="0">
+                <a:solidFill>
+                  <a:schemeClr val="bg1"/>
+                </a:solidFill>
+              </a:rPr>
+              <a:t>, </a:t>
+            </a:r>
+            <a:r>
+              <a:rPr lang="en-US" sz="2200" dirty="0" err="1">
+                <a:solidFill>
+                  <a:schemeClr val="bg1"/>
+                </a:solidFill>
+              </a:rPr>
+              <a:t>report.Id</a:t>
+            </a:r>
+            <a:r>
+              <a:rPr lang="en-US" sz="2200" dirty="0">
+                <a:solidFill>
+                  <a:schemeClr val="bg1"/>
+                </a:solidFill>
+              </a:rPr>
+              <a:t>, </a:t>
+            </a:r>
+            <a:r>
+              <a:rPr lang="en-US" sz="2200" dirty="0" err="1">
+                <a:solidFill>
+                  <a:schemeClr val="bg1"/>
+                </a:solidFill>
+              </a:rPr>
+              <a:t>generateTokenRequestParameters</a:t>
+            </a:r>
+            <a:r>
+              <a:rPr lang="en-US" sz="2200" dirty="0">
+                <a:solidFill>
+                  <a:schemeClr val="bg1"/>
+                </a:solidFill>
+              </a:rPr>
+              <a:t>); // Generate Embed Configuration. var </a:t>
+            </a:r>
+            <a:r>
+              <a:rPr lang="en-US" sz="2200" dirty="0" err="1">
+                <a:solidFill>
+                  <a:schemeClr val="bg1"/>
+                </a:solidFill>
+              </a:rPr>
+              <a:t>embedConfig</a:t>
+            </a:r>
+            <a:r>
+              <a:rPr lang="en-US" sz="2200" dirty="0">
+                <a:solidFill>
+                  <a:schemeClr val="bg1"/>
+                </a:solidFill>
+              </a:rPr>
+              <a:t> = new </a:t>
+            </a:r>
+            <a:r>
+              <a:rPr lang="en-US" sz="2200" dirty="0" err="1">
+                <a:solidFill>
+                  <a:schemeClr val="bg1"/>
+                </a:solidFill>
+              </a:rPr>
+              <a:t>EmbedConfig</a:t>
+            </a:r>
+            <a:r>
+              <a:rPr lang="en-US" sz="2200" dirty="0">
+                <a:solidFill>
+                  <a:schemeClr val="bg1"/>
+                </a:solidFill>
+              </a:rPr>
+              <a:t>() { </a:t>
+            </a:r>
+            <a:r>
+              <a:rPr lang="en-US" sz="2200" dirty="0" err="1">
+                <a:solidFill>
+                  <a:schemeClr val="bg1"/>
+                </a:solidFill>
+              </a:rPr>
+              <a:t>EmbedToken</a:t>
+            </a:r>
+            <a:r>
+              <a:rPr lang="en-US" sz="2200" dirty="0">
+                <a:solidFill>
+                  <a:schemeClr val="bg1"/>
+                </a:solidFill>
+              </a:rPr>
+              <a:t> = </a:t>
+            </a:r>
+            <a:r>
+              <a:rPr lang="en-US" sz="2200" dirty="0" err="1">
+                <a:solidFill>
+                  <a:schemeClr val="bg1"/>
+                </a:solidFill>
+              </a:rPr>
+              <a:t>tokenResponse</a:t>
+            </a:r>
+            <a:r>
+              <a:rPr lang="en-US" sz="2200" dirty="0">
+                <a:solidFill>
+                  <a:schemeClr val="bg1"/>
+                </a:solidFill>
+              </a:rPr>
+              <a:t>, </a:t>
+            </a:r>
+            <a:r>
+              <a:rPr lang="en-US" sz="2200" dirty="0" err="1">
+                <a:solidFill>
+                  <a:schemeClr val="bg1"/>
+                </a:solidFill>
+              </a:rPr>
+              <a:t>EmbedUrl</a:t>
+            </a:r>
+            <a:r>
+              <a:rPr lang="en-US" sz="2200" dirty="0">
+                <a:solidFill>
+                  <a:schemeClr val="bg1"/>
+                </a:solidFill>
+              </a:rPr>
+              <a:t> = </a:t>
+            </a:r>
+            <a:r>
+              <a:rPr lang="en-US" sz="2200" dirty="0" err="1">
+                <a:solidFill>
+                  <a:schemeClr val="bg1"/>
+                </a:solidFill>
+              </a:rPr>
+              <a:t>report.EmbedUrl</a:t>
+            </a:r>
+            <a:r>
+              <a:rPr lang="en-US" sz="2200" dirty="0">
+                <a:solidFill>
+                  <a:schemeClr val="bg1"/>
+                </a:solidFill>
+              </a:rPr>
+              <a:t>, Id = </a:t>
+            </a:r>
+            <a:r>
+              <a:rPr lang="en-US" sz="2200" dirty="0" err="1">
+                <a:solidFill>
+                  <a:schemeClr val="bg1"/>
+                </a:solidFill>
+              </a:rPr>
+              <a:t>report.Id</a:t>
+            </a:r>
+            <a:r>
+              <a:rPr lang="en-US" sz="2200" dirty="0">
+                <a:solidFill>
+                  <a:schemeClr val="bg1"/>
+                </a:solidFill>
+              </a:rPr>
+              <a:t> }; </a:t>
+            </a:r>
+          </a:p>
+        </p:txBody>
+      </p:sp>
+    </p:spTree>
+    <p:extLst>
+      <p:ext uri="{BB962C8B-B14F-4D97-AF65-F5344CB8AC3E}">
+        <p14:creationId xmlns:p14="http://schemas.microsoft.com/office/powerpoint/2010/main" val="1715912193"/>
+      </p:ext>
+    </p:extLst>
+  </p:cSld>
+  <p:clrMapOvr>
+    <a:masterClrMapping/>
+  </p:clrMapOvr>
+  <p:transition>
+    <p:fade/>
+  </p:transition>
+</p:sld>
+</file>
+
+<file path=ppt/slides/slide11.xml><?xml version="1.0" encoding="utf-8"?>
+<p:sld xmlns:a="http://schemas.openxmlformats.org/drawingml/2006/main" xmlns:r="http://schemas.openxmlformats.org/officeDocument/2006/relationships" xmlns:p="http://schemas.openxmlformats.org/presentationml/2006/main">
+  <p:cSld>
+    <p:spTree>
+      <p:nvGrpSpPr>
+        <p:cNvPr id="1" name=""/>
+        <p:cNvGrpSpPr/>
+        <p:nvPr/>
+      </p:nvGrpSpPr>
+      <p:grpSpPr>
+        <a:xfrm>
+          <a:off x="0" y="0"/>
+          <a:ext cx="0" cy="0"/>
+          <a:chOff x="0" y="0"/>
+          <a:chExt cx="0" cy="0"/>
+        </a:xfrm>
+      </p:grpSpPr>
+      <p:sp>
+        <p:nvSpPr>
+          <p:cNvPr id="2" name="Title 1">
+            <a:extLst>
+              <a:ext uri="{FF2B5EF4-FFF2-40B4-BE49-F238E27FC236}">
+                <a16:creationId xmlns:a16="http://schemas.microsoft.com/office/drawing/2014/main" id="{6718E647-F27A-4877-BB33-A3A602BFD96A}"/>
+              </a:ext>
+            </a:extLst>
+          </p:cNvPr>
+          <p:cNvSpPr>
+            <a:spLocks noGrp="1"/>
+          </p:cNvSpPr>
+          <p:nvPr>
+            <p:ph type="title"/>
+          </p:nvPr>
+        </p:nvSpPr>
+        <p:spPr/>
+        <p:txBody>
+          <a:bodyPr/>
+          <a:lstStyle/>
+          <a:p>
+            <a:r>
+              <a:rPr lang="en-US" dirty="0"/>
+              <a:t>Embed for Customers</a:t>
+            </a:r>
+          </a:p>
+        </p:txBody>
+      </p:sp>
+    </p:spTree>
+    <p:extLst>
+      <p:ext uri="{BB962C8B-B14F-4D97-AF65-F5344CB8AC3E}">
+        <p14:creationId xmlns:p14="http://schemas.microsoft.com/office/powerpoint/2010/main" val="354331369"/>
+      </p:ext>
+    </p:extLst>
+  </p:cSld>
+  <p:clrMapOvr>
+    <a:masterClrMapping/>
+  </p:clrMapOvr>
+  <p:transition>
+    <p:fade/>
+  </p:transition>
+</p:sld>
+</file>
+
+<file path=ppt/slides/slide12.xml><?xml version="1.0" encoding="utf-8"?>
+<p:sld xmlns:a="http://schemas.openxmlformats.org/drawingml/2006/main" xmlns:r="http://schemas.openxmlformats.org/officeDocument/2006/relationships" xmlns:p="http://schemas.openxmlformats.org/presentationml/2006/main">
+  <p:cSld>
+    <p:spTree>
+      <p:nvGrpSpPr>
+        <p:cNvPr id="1" name=""/>
+        <p:cNvGrpSpPr/>
+        <p:nvPr/>
+      </p:nvGrpSpPr>
+      <p:grpSpPr>
+        <a:xfrm>
+          <a:off x="0" y="0"/>
+          <a:ext cx="0" cy="0"/>
+          <a:chOff x="0" y="0"/>
+          <a:chExt cx="0" cy="0"/>
+        </a:xfrm>
+      </p:grpSpPr>
+      <p:sp>
+        <p:nvSpPr>
+          <p:cNvPr id="4" name="Title 3">
+            <a:extLst>
+              <a:ext uri="{FF2B5EF4-FFF2-40B4-BE49-F238E27FC236}">
+                <a16:creationId xmlns:a16="http://schemas.microsoft.com/office/drawing/2014/main" id="{68945485-FEC4-43D1-9A0A-C1C4205C5A44}"/>
+              </a:ext>
+            </a:extLst>
+          </p:cNvPr>
+          <p:cNvSpPr>
+            <a:spLocks noGrp="1"/>
+          </p:cNvSpPr>
+          <p:nvPr>
+            <p:ph type="title"/>
+          </p:nvPr>
+        </p:nvSpPr>
+        <p:spPr/>
+        <p:txBody>
+          <a:bodyPr/>
+          <a:lstStyle/>
+          <a:p>
+            <a:endParaRPr lang="en-US"/>
+          </a:p>
+        </p:txBody>
+      </p:sp>
+      <p:sp>
+        <p:nvSpPr>
+          <p:cNvPr id="5" name="Text Placeholder 4">
+            <a:extLst>
+              <a:ext uri="{FF2B5EF4-FFF2-40B4-BE49-F238E27FC236}">
+                <a16:creationId xmlns:a16="http://schemas.microsoft.com/office/drawing/2014/main" id="{93550D93-0EB0-4FBB-8BD2-ABB7B1BEEC58}"/>
+              </a:ext>
+            </a:extLst>
+          </p:cNvPr>
+          <p:cNvSpPr>
+            <a:spLocks noGrp="1"/>
+          </p:cNvSpPr>
+          <p:nvPr>
+            <p:ph type="body" sz="quarter" idx="10"/>
+          </p:nvPr>
+        </p:nvSpPr>
+        <p:spPr>
+          <a:xfrm>
+            <a:off x="269241" y="1189176"/>
+            <a:ext cx="5378548" cy="4963923"/>
+          </a:xfrm>
+        </p:spPr>
+        <p:txBody>
+          <a:bodyPr/>
+          <a:lstStyle/>
+          <a:p>
+            <a:r>
+              <a:rPr lang="en-US" dirty="0"/>
+              <a:t>To create the Power BI Client with your access token, you want to create your Power BI client object, which allows you to interact with the Power BI REST APIs. You create the Power BI client object by wrapping the </a:t>
+            </a:r>
+            <a:r>
+              <a:rPr lang="en-US" dirty="0" err="1"/>
+              <a:t>AccessToken</a:t>
+            </a:r>
+            <a:r>
+              <a:rPr lang="en-US" dirty="0"/>
+              <a:t> with a </a:t>
+            </a:r>
+            <a:r>
+              <a:rPr lang="en-US" dirty="0" err="1"/>
+              <a:t>Microsoft.Rest.TokenCredentials</a:t>
+            </a:r>
+            <a:r>
+              <a:rPr lang="en-US" dirty="0"/>
+              <a:t> object. </a:t>
+            </a:r>
+          </a:p>
+        </p:txBody>
+      </p:sp>
+      <p:sp>
+        <p:nvSpPr>
+          <p:cNvPr id="6" name="Text Placeholder 5">
+            <a:extLst>
+              <a:ext uri="{FF2B5EF4-FFF2-40B4-BE49-F238E27FC236}">
+                <a16:creationId xmlns:a16="http://schemas.microsoft.com/office/drawing/2014/main" id="{DA623A67-42DB-4A0B-8D5A-ED06557ABB06}"/>
+              </a:ext>
+            </a:extLst>
+          </p:cNvPr>
+          <p:cNvSpPr>
+            <a:spLocks noGrp="1"/>
+          </p:cNvSpPr>
+          <p:nvPr>
+            <p:ph type="body" sz="quarter" idx="11"/>
+          </p:nvPr>
+        </p:nvSpPr>
+        <p:spPr>
+          <a:xfrm>
+            <a:off x="6544214" y="1189176"/>
+            <a:ext cx="5378548" cy="2874633"/>
+          </a:xfrm>
+          <a:solidFill>
+            <a:schemeClr val="tx1"/>
+          </a:solidFill>
+        </p:spPr>
+        <p:txBody>
+          <a:bodyPr/>
+          <a:lstStyle/>
+          <a:p>
+            <a:r>
+              <a:rPr lang="en-US" sz="2200" dirty="0">
+                <a:solidFill>
+                  <a:schemeClr val="bg1"/>
+                </a:solidFill>
+              </a:rPr>
+              <a:t>Code Snippet</a:t>
+            </a:r>
+          </a:p>
+          <a:p>
+            <a:endParaRPr lang="en-US" sz="2200" dirty="0">
+              <a:solidFill>
+                <a:schemeClr val="bg1"/>
+              </a:solidFill>
+            </a:endParaRPr>
+          </a:p>
+          <a:p>
+            <a:r>
+              <a:rPr lang="en-US" sz="1600" dirty="0">
+                <a:solidFill>
+                  <a:schemeClr val="bg1"/>
+                </a:solidFill>
+              </a:rPr>
+              <a:t>using </a:t>
+            </a:r>
+            <a:r>
+              <a:rPr lang="en-US" sz="1600" dirty="0" err="1">
+                <a:solidFill>
+                  <a:schemeClr val="bg1"/>
+                </a:solidFill>
+              </a:rPr>
+              <a:t>Microsoft.IdentityModel.Clients.ActiveDirectory</a:t>
+            </a:r>
+            <a:r>
+              <a:rPr lang="en-US" sz="1600" dirty="0">
+                <a:solidFill>
+                  <a:schemeClr val="bg1"/>
+                </a:solidFill>
+              </a:rPr>
+              <a:t>; using </a:t>
+            </a:r>
+            <a:r>
+              <a:rPr lang="en-US" sz="1600" dirty="0" err="1">
+                <a:solidFill>
+                  <a:schemeClr val="bg1"/>
+                </a:solidFill>
+              </a:rPr>
+              <a:t>Microsoft.Rest</a:t>
+            </a:r>
+            <a:r>
+              <a:rPr lang="en-US" sz="1600" dirty="0">
+                <a:solidFill>
+                  <a:schemeClr val="bg1"/>
+                </a:solidFill>
+              </a:rPr>
+              <a:t>; using Microsoft.PowerBI.Api.V2; var </a:t>
+            </a:r>
+            <a:r>
+              <a:rPr lang="en-US" sz="1600" dirty="0" err="1">
+                <a:solidFill>
+                  <a:schemeClr val="bg1"/>
+                </a:solidFill>
+              </a:rPr>
+              <a:t>tokenCredentials</a:t>
+            </a:r>
+            <a:r>
+              <a:rPr lang="en-US" sz="1600" dirty="0">
+                <a:solidFill>
+                  <a:schemeClr val="bg1"/>
+                </a:solidFill>
+              </a:rPr>
+              <a:t> = new </a:t>
+            </a:r>
+            <a:r>
+              <a:rPr lang="en-US" sz="1600" dirty="0" err="1">
+                <a:solidFill>
+                  <a:schemeClr val="bg1"/>
+                </a:solidFill>
+              </a:rPr>
+              <a:t>TokenCredentials</a:t>
+            </a:r>
+            <a:r>
+              <a:rPr lang="en-US" sz="1600" dirty="0">
+                <a:solidFill>
+                  <a:schemeClr val="bg1"/>
+                </a:solidFill>
+              </a:rPr>
+              <a:t>(</a:t>
+            </a:r>
+            <a:r>
+              <a:rPr lang="en-US" sz="1600" dirty="0" err="1">
+                <a:solidFill>
+                  <a:schemeClr val="bg1"/>
+                </a:solidFill>
+              </a:rPr>
+              <a:t>authenticationResult.AccessToken</a:t>
+            </a:r>
+            <a:r>
+              <a:rPr lang="en-US" sz="1600" dirty="0">
+                <a:solidFill>
+                  <a:schemeClr val="bg1"/>
+                </a:solidFill>
+              </a:rPr>
+              <a:t>, "Bearer"); // Create a Power BI Client object. it's used to call Power BI APIs. using (var client = new </a:t>
+            </a:r>
+            <a:r>
+              <a:rPr lang="en-US" sz="1600" dirty="0" err="1">
+                <a:solidFill>
+                  <a:schemeClr val="bg1"/>
+                </a:solidFill>
+              </a:rPr>
+              <a:t>PowerBIClient</a:t>
+            </a:r>
+            <a:r>
+              <a:rPr lang="en-US" sz="1600" dirty="0">
+                <a:solidFill>
+                  <a:schemeClr val="bg1"/>
+                </a:solidFill>
+              </a:rPr>
+              <a:t>(new Uri(</a:t>
+            </a:r>
+            <a:r>
+              <a:rPr lang="en-US" sz="1600" dirty="0" err="1">
+                <a:solidFill>
+                  <a:schemeClr val="bg1"/>
+                </a:solidFill>
+              </a:rPr>
+              <a:t>ApiUrl</a:t>
+            </a:r>
+            <a:r>
+              <a:rPr lang="en-US" sz="1600" dirty="0">
+                <a:solidFill>
+                  <a:schemeClr val="bg1"/>
+                </a:solidFill>
+              </a:rPr>
+              <a:t>), </a:t>
+            </a:r>
+            <a:r>
+              <a:rPr lang="en-US" sz="1600" dirty="0" err="1">
+                <a:solidFill>
+                  <a:schemeClr val="bg1"/>
+                </a:solidFill>
+              </a:rPr>
+              <a:t>tokenCredentials</a:t>
+            </a:r>
+            <a:r>
+              <a:rPr lang="en-US" sz="1600" dirty="0">
+                <a:solidFill>
+                  <a:schemeClr val="bg1"/>
+                </a:solidFill>
+              </a:rPr>
+              <a:t>)) { // Your code to embed items. } </a:t>
+            </a:r>
+          </a:p>
+        </p:txBody>
+      </p:sp>
+    </p:spTree>
+    <p:extLst>
+      <p:ext uri="{BB962C8B-B14F-4D97-AF65-F5344CB8AC3E}">
+        <p14:creationId xmlns:p14="http://schemas.microsoft.com/office/powerpoint/2010/main" val="215963991"/>
+      </p:ext>
+    </p:extLst>
+  </p:cSld>
+  <p:clrMapOvr>
+    <a:masterClrMapping/>
+  </p:clrMapOvr>
+  <p:transition>
+    <p:fade/>
+  </p:transition>
+</p:sld>
+</file>
+
+<file path=ppt/slides/slide13.xml><?xml version="1.0" encoding="utf-8"?>
+<p:sld xmlns:a="http://schemas.openxmlformats.org/drawingml/2006/main" xmlns:r="http://schemas.openxmlformats.org/officeDocument/2006/relationships" xmlns:p="http://schemas.openxmlformats.org/presentationml/2006/main">
+  <p:cSld>
+    <p:spTree>
+      <p:nvGrpSpPr>
+        <p:cNvPr id="1" name=""/>
+        <p:cNvGrpSpPr/>
+        <p:nvPr/>
+      </p:nvGrpSpPr>
+      <p:grpSpPr>
+        <a:xfrm>
+          <a:off x="0" y="0"/>
+          <a:ext cx="0" cy="0"/>
+          <a:chOff x="0" y="0"/>
+          <a:chExt cx="0" cy="0"/>
+        </a:xfrm>
+      </p:grpSpPr>
+      <p:sp>
+        <p:nvSpPr>
+          <p:cNvPr id="2" name="Title 1">
+            <a:extLst>
+              <a:ext uri="{FF2B5EF4-FFF2-40B4-BE49-F238E27FC236}">
                 <a16:creationId xmlns:a16="http://schemas.microsoft.com/office/drawing/2014/main" id="{20A83E55-3BDC-4EE6-93B9-0BB14986C0C5}"/>
               </a:ext>
             </a:extLst>
@@ -14116,7 +15122,7 @@
     </p:spTree>
     <p:extLst>
       <p:ext uri="{BB962C8B-B14F-4D97-AF65-F5344CB8AC3E}">
-        <p14:creationId xmlns:p14="http://schemas.microsoft.com/office/powerpoint/2010/main" val="3920462824"/>
+        <p14:creationId xmlns:p14="http://schemas.microsoft.com/office/powerpoint/2010/main" val="4049950631"/>
       </p:ext>
     </p:extLst>
   </p:cSld>
@@ -14129,7 +15135,7 @@
 </p:sld>
 </file>
 
-<file path=ppt/slides/slide11.xml><?xml version="1.0" encoding="utf-8"?>
+<file path=ppt/slides/slide14.xml><?xml version="1.0" encoding="utf-8"?>
 <p:sld xmlns:a="http://schemas.openxmlformats.org/drawingml/2006/main" xmlns:r="http://schemas.openxmlformats.org/officeDocument/2006/relationships" xmlns:p="http://schemas.openxmlformats.org/presentationml/2006/main">
   <p:cSld>
     <p:spTree>
@@ -14555,7 +15561,7 @@
     </p:spTree>
     <p:extLst>
       <p:ext uri="{BB962C8B-B14F-4D97-AF65-F5344CB8AC3E}">
-        <p14:creationId xmlns:p14="http://schemas.microsoft.com/office/powerpoint/2010/main" val="1715912193"/>
+        <p14:creationId xmlns:p14="http://schemas.microsoft.com/office/powerpoint/2010/main" val="3642454326"/>
       </p:ext>
     </p:extLst>
   </p:cSld>
@@ -14568,7 +15574,7 @@
 </p:sld>
 </file>
 
-<file path=ppt/slides/slide12.xml><?xml version="1.0" encoding="utf-8"?>
+<file path=ppt/slides/slide15.xml><?xml version="1.0" encoding="utf-8"?>
 <p:sld xmlns:a="http://schemas.openxmlformats.org/drawingml/2006/main" xmlns:r="http://schemas.openxmlformats.org/officeDocument/2006/relationships" xmlns:p="http://schemas.openxmlformats.org/presentationml/2006/main">
   <p:cSld>
     <p:spTree>
@@ -14604,7 +15610,7 @@
         <p:spPr>
           <a:xfrm>
             <a:off x="269239" y="1189177"/>
-            <a:ext cx="11653523" cy="3416320"/>
+            <a:ext cx="11653523" cy="2345257"/>
           </a:xfrm>
         </p:spPr>
         <p:txBody>
@@ -14613,17 +15619,11 @@
           <a:p>
             <a:r>
               <a:rPr lang="en-US" sz="2400" dirty="0"/>
-              <a:t>Learn how to embed analytical content within your business process applications for the sovereign cloud. You can use the Power BI .NET SDK with the Power BI JavaScript API to embed a report, dashboard, or tile, into your web applications.</a:t>
+              <a:t>Power BI supports sovereign (private) clouds, such as:</a:t>
             </a:r>
           </a:p>
           <a:p>
             <a:endParaRPr lang="en-US" sz="2400" dirty="0"/>
-          </a:p>
-          <a:p>
-            <a:r>
-              <a:rPr lang="en-US" sz="2400" dirty="0"/>
-              <a:t>Power BI supports sovereign (private) clouds, such as:</a:t>
-            </a:r>
           </a:p>
           <a:p>
             <a:pPr lvl="1"/>
@@ -14721,7 +15721,7 @@
 </p:sld>
 </file>
 
-<file path=ppt/slides/slide13.xml><?xml version="1.0" encoding="utf-8"?>
+<file path=ppt/slides/slide16.xml><?xml version="1.0" encoding="utf-8"?>
 <p:sld xmlns:a="http://schemas.openxmlformats.org/drawingml/2006/main" xmlns:r="http://schemas.openxmlformats.org/officeDocument/2006/relationships" xmlns:p="http://schemas.openxmlformats.org/presentationml/2006/main">
   <p:cSld>
     <p:spTree>
@@ -14789,7 +15789,7 @@
 </p:sld>
 </file>
 
-<file path=ppt/slides/slide14.xml><?xml version="1.0" encoding="utf-8"?>
+<file path=ppt/slides/slide17.xml><?xml version="1.0" encoding="utf-8"?>
 <p:sld xmlns:a="http://schemas.openxmlformats.org/drawingml/2006/main" xmlns:r="http://schemas.openxmlformats.org/officeDocument/2006/relationships" xmlns:p="http://schemas.openxmlformats.org/presentationml/2006/main">
   <p:cSld>
     <p:bg>
@@ -14977,7 +15977,7 @@
         <p:spPr>
           <a:xfrm>
             <a:off x="340285" y="1741246"/>
-            <a:ext cx="7247965" cy="1612749"/>
+            <a:ext cx="7247965" cy="1037207"/>
           </a:xfrm>
           <a:prstGeom prst="rect">
             <a:avLst/>
@@ -14999,27 +15999,11 @@
               </a:spcAft>
             </a:pPr>
             <a:r>
-              <a:rPr lang="en-US" sz="3600" dirty="0">
-                <a:latin typeface="+mj-lt"/>
-              </a:rPr>
-              <a:t>Abstract and learning objectives</a:t>
-            </a:r>
-          </a:p>
-          <a:p>
-            <a:pPr>
-              <a:lnSpc>
-                <a:spcPct val="90000"/>
-              </a:lnSpc>
-              <a:spcAft>
-                <a:spcPts val="600"/>
-              </a:spcAft>
-            </a:pPr>
-            <a:r>
               <a:rPr lang="en-US" sz="2400" dirty="0">
                 <a:latin typeface="Segoe UI Semilight" panose="020B0402040204020203" pitchFamily="34" charset="0"/>
                 <a:cs typeface="Segoe UI Semilight" panose="020B0402040204020203" pitchFamily="34" charset="0"/>
               </a:rPr>
-              <a:t>Embed Power BI objects within applications</a:t>
+              <a:t>Learn the ways to Embed Power BI objects</a:t>
             </a:r>
           </a:p>
           <a:p>
@@ -15386,185 +16370,8 @@
           <a:p>
             <a:r>
               <a:rPr lang="en-US" dirty="0"/>
-              <a:t>Embed for Customers</a:t>
-            </a:r>
-          </a:p>
-        </p:txBody>
-      </p:sp>
-      <p:sp>
-        <p:nvSpPr>
-          <p:cNvPr id="3" name="Text Placeholder 2">
-            <a:extLst>
-              <a:ext uri="{FF2B5EF4-FFF2-40B4-BE49-F238E27FC236}">
-                <a16:creationId xmlns:a16="http://schemas.microsoft.com/office/drawing/2014/main" id="{6E631C48-9C4F-4C8A-ABFD-07E18F223478}"/>
-              </a:ext>
-            </a:extLst>
-          </p:cNvPr>
-          <p:cNvSpPr>
-            <a:spLocks noGrp="1"/>
-          </p:cNvSpPr>
-          <p:nvPr>
-            <p:ph type="body" sz="quarter" idx="10"/>
-          </p:nvPr>
-        </p:nvSpPr>
-        <p:spPr>
-          <a:xfrm>
-            <a:off x="269241" y="1189176"/>
-            <a:ext cx="5378548" cy="1922578"/>
-          </a:xfrm>
-        </p:spPr>
-        <p:txBody>
-          <a:bodyPr/>
-          <a:lstStyle/>
-          <a:p>
-            <a:r>
-              <a:rPr lang="en-US" dirty="0"/>
-              <a:t>https://docs.microsoft.com/en-us/power-bi/developer/embed-sample-for-customers</a:t>
-            </a:r>
-          </a:p>
-        </p:txBody>
-      </p:sp>
-      <p:sp>
-        <p:nvSpPr>
-          <p:cNvPr id="4" name="Text Placeholder 3">
-            <a:extLst>
-              <a:ext uri="{FF2B5EF4-FFF2-40B4-BE49-F238E27FC236}">
-                <a16:creationId xmlns:a16="http://schemas.microsoft.com/office/drawing/2014/main" id="{0D7386E5-54C6-4881-9FC1-AA6168A33339}"/>
-              </a:ext>
-            </a:extLst>
-          </p:cNvPr>
-          <p:cNvSpPr>
-            <a:spLocks noGrp="1"/>
-          </p:cNvSpPr>
-          <p:nvPr>
-            <p:ph type="body" sz="quarter" idx="11"/>
-          </p:nvPr>
-        </p:nvSpPr>
-        <p:spPr/>
-        <p:txBody>
-          <a:bodyPr/>
-          <a:lstStyle/>
-          <a:p>
-            <a:endParaRPr lang="en-US"/>
-          </a:p>
-        </p:txBody>
-      </p:sp>
-    </p:spTree>
-    <p:extLst>
-      <p:ext uri="{BB962C8B-B14F-4D97-AF65-F5344CB8AC3E}">
-        <p14:creationId xmlns:p14="http://schemas.microsoft.com/office/powerpoint/2010/main" val="354331369"/>
-      </p:ext>
-    </p:extLst>
-  </p:cSld>
-  <p:clrMapOvr>
-    <a:masterClrMapping/>
-  </p:clrMapOvr>
-  <p:transition>
-    <p:fade/>
-  </p:transition>
-</p:sld>
-</file>
-
-<file path=ppt/slides/slide7.xml><?xml version="1.0" encoding="utf-8"?>
-<p:sld xmlns:a="http://schemas.openxmlformats.org/drawingml/2006/main" xmlns:r="http://schemas.openxmlformats.org/officeDocument/2006/relationships" xmlns:p="http://schemas.openxmlformats.org/presentationml/2006/main">
-  <p:cSld>
-    <p:spTree>
-      <p:nvGrpSpPr>
-        <p:cNvPr id="1" name=""/>
-        <p:cNvGrpSpPr/>
-        <p:nvPr/>
-      </p:nvGrpSpPr>
-      <p:grpSpPr>
-        <a:xfrm>
-          <a:off x="0" y="0"/>
-          <a:ext cx="0" cy="0"/>
-          <a:chOff x="0" y="0"/>
-          <a:chExt cx="0" cy="0"/>
-        </a:xfrm>
-      </p:grpSpPr>
-      <p:sp>
-        <p:nvSpPr>
-          <p:cNvPr id="2" name="Title 1">
-            <a:extLst>
-              <a:ext uri="{FF2B5EF4-FFF2-40B4-BE49-F238E27FC236}">
-                <a16:creationId xmlns:a16="http://schemas.microsoft.com/office/drawing/2014/main" id="{6718E647-F27A-4877-BB33-A3A602BFD96A}"/>
-              </a:ext>
-            </a:extLst>
-          </p:cNvPr>
-          <p:cNvSpPr>
-            <a:spLocks noGrp="1"/>
-          </p:cNvSpPr>
-          <p:nvPr>
-            <p:ph type="title"/>
-          </p:nvPr>
-        </p:nvSpPr>
-        <p:spPr/>
-        <p:txBody>
-          <a:bodyPr/>
-          <a:lstStyle/>
-          <a:p>
-            <a:r>
-              <a:rPr lang="en-US" dirty="0"/>
               <a:t>Embed for Organization</a:t>
             </a:r>
-          </a:p>
-        </p:txBody>
-      </p:sp>
-      <p:sp>
-        <p:nvSpPr>
-          <p:cNvPr id="3" name="Text Placeholder 2">
-            <a:extLst>
-              <a:ext uri="{FF2B5EF4-FFF2-40B4-BE49-F238E27FC236}">
-                <a16:creationId xmlns:a16="http://schemas.microsoft.com/office/drawing/2014/main" id="{6E631C48-9C4F-4C8A-ABFD-07E18F223478}"/>
-              </a:ext>
-            </a:extLst>
-          </p:cNvPr>
-          <p:cNvSpPr>
-            <a:spLocks noGrp="1"/>
-          </p:cNvSpPr>
-          <p:nvPr>
-            <p:ph type="body" sz="quarter" idx="10"/>
-          </p:nvPr>
-        </p:nvSpPr>
-        <p:spPr>
-          <a:xfrm>
-            <a:off x="269241" y="1189176"/>
-            <a:ext cx="5378548" cy="2357056"/>
-          </a:xfrm>
-        </p:spPr>
-        <p:txBody>
-          <a:bodyPr/>
-          <a:lstStyle/>
-          <a:p>
-            <a:r>
-              <a:rPr lang="en-US" dirty="0"/>
-              <a:t>https://docs.microsoft.com/en-us/power-bi/developer/embed-sample-for-your-organization</a:t>
-            </a:r>
-          </a:p>
-        </p:txBody>
-      </p:sp>
-      <p:sp>
-        <p:nvSpPr>
-          <p:cNvPr id="4" name="Text Placeholder 3">
-            <a:extLst>
-              <a:ext uri="{FF2B5EF4-FFF2-40B4-BE49-F238E27FC236}">
-                <a16:creationId xmlns:a16="http://schemas.microsoft.com/office/drawing/2014/main" id="{0D7386E5-54C6-4881-9FC1-AA6168A33339}"/>
-              </a:ext>
-            </a:extLst>
-          </p:cNvPr>
-          <p:cNvSpPr>
-            <a:spLocks noGrp="1"/>
-          </p:cNvSpPr>
-          <p:nvPr>
-            <p:ph type="body" sz="quarter" idx="11"/>
-          </p:nvPr>
-        </p:nvSpPr>
-        <p:spPr/>
-        <p:txBody>
-          <a:bodyPr/>
-          <a:lstStyle/>
-          <a:p>
-            <a:endParaRPr lang="en-US"/>
           </a:p>
         </p:txBody>
       </p:sp>
@@ -15584,7 +16391,7 @@
 </p:sld>
 </file>
 
-<file path=ppt/slides/slide8.xml><?xml version="1.0" encoding="utf-8"?>
+<file path=ppt/slides/slide7.xml><?xml version="1.0" encoding="utf-8"?>
 <p:sld xmlns:a="http://schemas.openxmlformats.org/drawingml/2006/main" xmlns:r="http://schemas.openxmlformats.org/officeDocument/2006/relationships" xmlns:p="http://schemas.openxmlformats.org/presentationml/2006/main">
   <p:cSld>
     <p:spTree>
@@ -15629,47 +16436,7 @@
           <a:p>
             <a:r>
               <a:rPr lang="en-US" dirty="0"/>
-              <a:t>Embedding for your customers within your application requires you to </a:t>
-            </a:r>
-            <a:r>
-              <a:rPr lang="en-US" dirty="0" err="1"/>
-              <a:t>getan</a:t>
-            </a:r>
-            <a:r>
-              <a:rPr lang="en-US" dirty="0"/>
-              <a:t> access token for your master account or service principal from Azure AD. </a:t>
-            </a:r>
-            <a:r>
-              <a:rPr lang="en-US" dirty="0" err="1"/>
-              <a:t>You'rerequired</a:t>
-            </a:r>
-            <a:r>
-              <a:rPr lang="en-US" dirty="0"/>
-              <a:t> to </a:t>
-            </a:r>
-            <a:r>
-              <a:rPr lang="en-US" dirty="0" err="1"/>
-              <a:t>getan</a:t>
-            </a:r>
-            <a:r>
-              <a:rPr lang="en-US" dirty="0"/>
-              <a:t> Azure AD access token for your Power BI application </a:t>
-            </a:r>
-            <a:r>
-              <a:rPr lang="en-US" dirty="0" err="1"/>
-              <a:t>beforeyou</a:t>
-            </a:r>
-            <a:r>
-              <a:rPr lang="en-US" dirty="0"/>
-              <a:t> </a:t>
-            </a:r>
-            <a:r>
-              <a:rPr lang="en-US" dirty="0" err="1"/>
-              <a:t>makecalls</a:t>
-            </a:r>
-            <a:r>
-              <a:rPr lang="en-US" dirty="0"/>
-              <a:t> to the Power BI REST APIs. </a:t>
+              <a:t>Embedding for your customers within your application requires you to get an access token for your master account or service principal from Azure AD. You're required to get an Azure AD access token for your Power BI application before you make calls to the Power BI REST APIs. </a:t>
             </a:r>
           </a:p>
         </p:txBody>
@@ -15695,7 +16462,10 @@
           <a:bodyPr/>
           <a:lstStyle/>
           <a:p>
-            <a:endParaRPr lang="en-US"/>
+            <a:r>
+              <a:rPr lang="en-US" dirty="0"/>
+              <a:t>Embed for Organization</a:t>
+            </a:r>
           </a:p>
         </p:txBody>
       </p:sp>
@@ -15715,7 +16485,7 @@
 </p:sld>
 </file>
 
-<file path=ppt/slides/slide9.xml><?xml version="1.0" encoding="utf-8"?>
+<file path=ppt/slides/slide8.xml><?xml version="1.0" encoding="utf-8"?>
 <p:sld xmlns:a="http://schemas.openxmlformats.org/drawingml/2006/main" xmlns:r="http://schemas.openxmlformats.org/officeDocument/2006/relationships" xmlns:p="http://schemas.openxmlformats.org/presentationml/2006/main">
   <p:cSld>
     <p:spTree>
@@ -15995,6 +16765,269 @@
     <p:extLst>
       <p:ext uri="{BB962C8B-B14F-4D97-AF65-F5344CB8AC3E}">
         <p14:creationId xmlns:p14="http://schemas.microsoft.com/office/powerpoint/2010/main" val="1586817425"/>
+      </p:ext>
+    </p:extLst>
+  </p:cSld>
+  <p:clrMapOvr>
+    <a:masterClrMapping/>
+  </p:clrMapOvr>
+  <p:transition>
+    <p:fade/>
+  </p:transition>
+</p:sld>
+</file>
+
+<file path=ppt/slides/slide9.xml><?xml version="1.0" encoding="utf-8"?>
+<p:sld xmlns:a="http://schemas.openxmlformats.org/drawingml/2006/main" xmlns:r="http://schemas.openxmlformats.org/officeDocument/2006/relationships" xmlns:p="http://schemas.openxmlformats.org/presentationml/2006/main">
+  <p:cSld>
+    <p:spTree>
+      <p:nvGrpSpPr>
+        <p:cNvPr id="1" name=""/>
+        <p:cNvGrpSpPr/>
+        <p:nvPr/>
+      </p:nvGrpSpPr>
+      <p:grpSpPr>
+        <a:xfrm>
+          <a:off x="0" y="0"/>
+          <a:ext cx="0" cy="0"/>
+          <a:chOff x="0" y="0"/>
+          <a:chExt cx="0" cy="0"/>
+        </a:xfrm>
+      </p:grpSpPr>
+      <p:sp>
+        <p:nvSpPr>
+          <p:cNvPr id="2" name="Title 1">
+            <a:extLst>
+              <a:ext uri="{FF2B5EF4-FFF2-40B4-BE49-F238E27FC236}">
+                <a16:creationId xmlns:a16="http://schemas.microsoft.com/office/drawing/2014/main" id="{20A83E55-3BDC-4EE6-93B9-0BB14986C0C5}"/>
+              </a:ext>
+            </a:extLst>
+          </p:cNvPr>
+          <p:cNvSpPr>
+            <a:spLocks noGrp="1"/>
+          </p:cNvSpPr>
+          <p:nvPr>
+            <p:ph type="title"/>
+          </p:nvPr>
+        </p:nvSpPr>
+        <p:spPr/>
+        <p:txBody>
+          <a:bodyPr/>
+          <a:lstStyle/>
+          <a:p>
+            <a:r>
+              <a:rPr lang="en-US" dirty="0"/>
+              <a:t>Get the content item you want to embed </a:t>
+            </a:r>
+          </a:p>
+        </p:txBody>
+      </p:sp>
+      <p:sp>
+        <p:nvSpPr>
+          <p:cNvPr id="3" name="Text Placeholder 2">
+            <a:extLst>
+              <a:ext uri="{FF2B5EF4-FFF2-40B4-BE49-F238E27FC236}">
+                <a16:creationId xmlns:a16="http://schemas.microsoft.com/office/drawing/2014/main" id="{45945038-B1CD-47F4-BDE1-F8EAA6442E90}"/>
+              </a:ext>
+            </a:extLst>
+          </p:cNvPr>
+          <p:cNvSpPr>
+            <a:spLocks noGrp="1"/>
+          </p:cNvSpPr>
+          <p:nvPr>
+            <p:ph type="body" sz="quarter" idx="10"/>
+          </p:nvPr>
+        </p:nvSpPr>
+        <p:spPr>
+          <a:xfrm>
+            <a:off x="269241" y="1189176"/>
+            <a:ext cx="5378548" cy="3994940"/>
+          </a:xfrm>
+        </p:spPr>
+        <p:txBody>
+          <a:bodyPr/>
+          <a:lstStyle/>
+          <a:p>
+            <a:r>
+              <a:rPr lang="en-US" sz="2400" dirty="0"/>
+              <a:t>You can use the Power BI client object to retrieve a reference to the item you want to embed. Here is a code sample of how to retrieve the first report from a given workspace. </a:t>
+            </a:r>
+          </a:p>
+          <a:p>
+            <a:r>
+              <a:rPr lang="en-US" sz="2400" dirty="0"/>
+              <a:t>A sample of getting a content item whether it's a report, dashboard, or tile that you want to embed is available within the Services\</a:t>
+            </a:r>
+            <a:r>
+              <a:rPr lang="en-US" sz="2400" dirty="0" err="1"/>
+              <a:t>EmbedService.cs</a:t>
+            </a:r>
+            <a:r>
+              <a:rPr lang="en-US" sz="2400" dirty="0"/>
+              <a:t> file in the sample application</a:t>
+            </a:r>
+          </a:p>
+        </p:txBody>
+      </p:sp>
+      <p:sp>
+        <p:nvSpPr>
+          <p:cNvPr id="4" name="Text Placeholder 3">
+            <a:extLst>
+              <a:ext uri="{FF2B5EF4-FFF2-40B4-BE49-F238E27FC236}">
+                <a16:creationId xmlns:a16="http://schemas.microsoft.com/office/drawing/2014/main" id="{CE08A38B-7A4D-4DB9-80A3-2E9C3BD8EBED}"/>
+              </a:ext>
+            </a:extLst>
+          </p:cNvPr>
+          <p:cNvSpPr>
+            <a:spLocks noGrp="1"/>
+          </p:cNvSpPr>
+          <p:nvPr>
+            <p:ph type="body" sz="quarter" idx="11"/>
+          </p:nvPr>
+        </p:nvSpPr>
+        <p:spPr>
+          <a:xfrm>
+            <a:off x="6544214" y="1189176"/>
+            <a:ext cx="5378548" cy="4148828"/>
+          </a:xfrm>
+          <a:solidFill>
+            <a:schemeClr val="tx1"/>
+          </a:solidFill>
+        </p:spPr>
+        <p:txBody>
+          <a:bodyPr vert="horz" wrap="square" lIns="146304" tIns="91440" rIns="146304" bIns="91440" rtlCol="0">
+            <a:spAutoFit/>
+          </a:bodyPr>
+          <a:lstStyle/>
+          <a:p>
+            <a:r>
+              <a:rPr lang="en-US" sz="2200" dirty="0">
+                <a:solidFill>
+                  <a:schemeClr val="bg1"/>
+                </a:solidFill>
+              </a:rPr>
+              <a:t>Code Snippet</a:t>
+            </a:r>
+          </a:p>
+          <a:p>
+            <a:endParaRPr lang="en-US" sz="2200" dirty="0">
+              <a:solidFill>
+                <a:schemeClr val="bg1"/>
+              </a:solidFill>
+            </a:endParaRPr>
+          </a:p>
+          <a:p>
+            <a:r>
+              <a:rPr lang="en-US" sz="2200" dirty="0">
+                <a:solidFill>
+                  <a:schemeClr val="bg1"/>
+                </a:solidFill>
+              </a:rPr>
+              <a:t>using Microsoft.PowerBI.Api.V2; using Microsoft.PowerBI.Api.V2.Models; // You need to provide the </a:t>
+            </a:r>
+            <a:r>
+              <a:rPr lang="en-US" sz="2200" dirty="0" err="1">
+                <a:solidFill>
+                  <a:schemeClr val="bg1"/>
+                </a:solidFill>
+              </a:rPr>
+              <a:t>workspaceId</a:t>
+            </a:r>
+            <a:r>
+              <a:rPr lang="en-US" sz="2200" dirty="0">
+                <a:solidFill>
+                  <a:schemeClr val="bg1"/>
+                </a:solidFill>
+              </a:rPr>
+              <a:t> where the dashboard resides. </a:t>
+            </a:r>
+            <a:r>
+              <a:rPr lang="en-US" sz="2200" dirty="0" err="1">
+                <a:solidFill>
+                  <a:schemeClr val="bg1"/>
+                </a:solidFill>
+              </a:rPr>
+              <a:t>ODataResponseListReport</a:t>
+            </a:r>
+            <a:r>
+              <a:rPr lang="en-US" sz="2200" dirty="0">
+                <a:solidFill>
+                  <a:schemeClr val="bg1"/>
+                </a:solidFill>
+              </a:rPr>
+              <a:t> reports = await </a:t>
+            </a:r>
+            <a:r>
+              <a:rPr lang="en-US" sz="2200" dirty="0" err="1">
+                <a:solidFill>
+                  <a:schemeClr val="bg1"/>
+                </a:solidFill>
+              </a:rPr>
+              <a:t>client.Reports.GetReportsInGroupAsync</a:t>
+            </a:r>
+            <a:r>
+              <a:rPr lang="en-US" sz="2200" dirty="0">
+                <a:solidFill>
+                  <a:schemeClr val="bg1"/>
+                </a:solidFill>
+              </a:rPr>
+              <a:t>(</a:t>
+            </a:r>
+            <a:r>
+              <a:rPr lang="en-US" sz="2200" dirty="0" err="1">
+                <a:solidFill>
+                  <a:schemeClr val="bg1"/>
+                </a:solidFill>
+              </a:rPr>
+              <a:t>workspaceId</a:t>
+            </a:r>
+            <a:r>
+              <a:rPr lang="en-US" sz="2200" dirty="0">
+                <a:solidFill>
+                  <a:schemeClr val="bg1"/>
+                </a:solidFill>
+              </a:rPr>
+              <a:t>); // Get the first report in the group. Report </a:t>
+            </a:r>
+            <a:r>
+              <a:rPr lang="en-US" sz="2200" dirty="0" err="1">
+                <a:solidFill>
+                  <a:schemeClr val="bg1"/>
+                </a:solidFill>
+              </a:rPr>
+              <a:t>report</a:t>
+            </a:r>
+            <a:r>
+              <a:rPr lang="en-US" sz="2200" dirty="0">
+                <a:solidFill>
+                  <a:schemeClr val="bg1"/>
+                </a:solidFill>
+              </a:rPr>
+              <a:t> = </a:t>
+            </a:r>
+            <a:r>
+              <a:rPr lang="en-US" sz="2200" dirty="0" err="1">
+                <a:solidFill>
+                  <a:schemeClr val="bg1"/>
+                </a:solidFill>
+              </a:rPr>
+              <a:t>reports.Value.FirstOrDefault</a:t>
+            </a:r>
+            <a:r>
+              <a:rPr lang="en-US" sz="2200" dirty="0">
+                <a:solidFill>
+                  <a:schemeClr val="bg1"/>
+                </a:solidFill>
+              </a:rPr>
+              <a:t>(); </a:t>
+            </a:r>
+          </a:p>
+        </p:txBody>
+      </p:sp>
+    </p:spTree>
+    <p:extLst>
+      <p:ext uri="{BB962C8B-B14F-4D97-AF65-F5344CB8AC3E}">
+        <p14:creationId xmlns:p14="http://schemas.microsoft.com/office/powerpoint/2010/main" val="3920462824"/>
       </p:ext>
     </p:extLst>
   </p:cSld>
@@ -16873,24 +17906,6 @@
 </file>
 
 <file path=customXml/item1.xml><?xml version="1.0" encoding="utf-8"?>
-<p:properties xmlns:p="http://schemas.microsoft.com/office/2006/metadata/properties" xmlns:xsi="http://www.w3.org/2001/XMLSchema-instance" xmlns:pc="http://schemas.microsoft.com/office/infopath/2007/PartnerControls">
-  <documentManagement>
-    <_ip_UnifiedCompliancePolicyUIAction xmlns="http://schemas.microsoft.com/sharepoint/v3" xsi:nil="true"/>
-    <_ip_UnifiedCompliancePolicyProperties xmlns="http://schemas.microsoft.com/sharepoint/v3" xsi:nil="true"/>
-  </documentManagement>
-</p:properties>
-</file>
-
-<file path=customXml/item2.xml><?xml version="1.0" encoding="utf-8"?>
-<?mso-contentType ?>
-<FormTemplates xmlns="http://schemas.microsoft.com/sharepoint/v3/contenttype/forms">
-  <Display>DocumentLibraryForm</Display>
-  <Edit>DocumentLibraryForm</Edit>
-  <New>DocumentLibraryForm</New>
-</FormTemplates>
-</file>
-
-<file path=customXml/item3.xml><?xml version="1.0" encoding="utf-8"?>
 <ct:contentTypeSchema xmlns:ct="http://schemas.microsoft.com/office/2006/metadata/contentType" xmlns:ma="http://schemas.microsoft.com/office/2006/metadata/properties/metaAttributes" ct:_="" ma:_="" ma:contentTypeName="Document" ma:contentTypeID="0x010100D15DFA3690A15B4081582BBCC6BEAC3E" ma:contentTypeVersion="9" ma:contentTypeDescription="Create a new document." ma:contentTypeScope="" ma:versionID="642da1784587cbe85a7fdbbe4dc36103">
   <xsd:schema xmlns:xsd="http://www.w3.org/2001/XMLSchema" xmlns:xs="http://www.w3.org/2001/XMLSchema" xmlns:p="http://schemas.microsoft.com/office/2006/metadata/properties" xmlns:ns1="http://schemas.microsoft.com/sharepoint/v3" xmlns:ns2="2023ac63-7b75-4916-a9ee-591457758eee" xmlns:ns3="d9c797ad-d7c3-4982-82b7-81352a75e4a5" targetNamespace="http://schemas.microsoft.com/office/2006/metadata/properties" ma:root="true" ma:fieldsID="91198b0246576053cc55dd2c67035a89" ns1:_="" ns2:_="" ns3:_="">
     <xsd:import namespace="http://schemas.microsoft.com/sharepoint/v3"/>
@@ -17092,33 +18107,25 @@
 </ct:contentTypeSchema>
 </file>
 
-<file path=customXml/itemProps1.xml><?xml version="1.0" encoding="utf-8"?>
-<ds:datastoreItem xmlns:ds="http://schemas.openxmlformats.org/officeDocument/2006/customXml" ds:itemID="{BAF7D529-36AB-45DA-B239-2F912F2D1610}">
-  <ds:schemaRefs>
-    <ds:schemaRef ds:uri="http://schemas.microsoft.com/office/2006/metadata/properties"/>
-    <ds:schemaRef ds:uri="d9c797ad-d7c3-4982-82b7-81352a75e4a5"/>
-    <ds:schemaRef ds:uri="http://purl.org/dc/terms/"/>
-    <ds:schemaRef ds:uri="2023ac63-7b75-4916-a9ee-591457758eee"/>
-    <ds:schemaRef ds:uri="http://purl.org/dc/elements/1.1/"/>
-    <ds:schemaRef ds:uri="http://schemas.openxmlformats.org/package/2006/metadata/core-properties"/>
-    <ds:schemaRef ds:uri="http://purl.org/dc/dcmitype/"/>
-    <ds:schemaRef ds:uri="http://schemas.microsoft.com/office/2006/documentManagement/types"/>
-    <ds:schemaRef ds:uri="http://schemas.microsoft.com/office/infopath/2007/PartnerControls"/>
-    <ds:schemaRef ds:uri="http://schemas.microsoft.com/sharepoint/v3"/>
-    <ds:schemaRef ds:uri="http://www.w3.org/XML/1998/namespace"/>
-  </ds:schemaRefs>
-</ds:datastoreItem>
+<file path=customXml/item2.xml><?xml version="1.0" encoding="utf-8"?>
+<?mso-contentType ?>
+<FormTemplates xmlns="http://schemas.microsoft.com/sharepoint/v3/contenttype/forms">
+  <Display>DocumentLibraryForm</Display>
+  <Edit>DocumentLibraryForm</Edit>
+  <New>DocumentLibraryForm</New>
+</FormTemplates>
 </file>
 
-<file path=customXml/itemProps2.xml><?xml version="1.0" encoding="utf-8"?>
-<ds:datastoreItem xmlns:ds="http://schemas.openxmlformats.org/officeDocument/2006/customXml" ds:itemID="{F18501AF-04CF-4482-BAE1-607B49DDC378}">
-  <ds:schemaRefs>
-    <ds:schemaRef ds:uri="http://schemas.microsoft.com/sharepoint/v3/contenttype/forms"/>
-  </ds:schemaRefs>
-</ds:datastoreItem>
+<file path=customXml/item3.xml><?xml version="1.0" encoding="utf-8"?>
+<p:properties xmlns:p="http://schemas.microsoft.com/office/2006/metadata/properties" xmlns:xsi="http://www.w3.org/2001/XMLSchema-instance" xmlns:pc="http://schemas.microsoft.com/office/infopath/2007/PartnerControls">
+  <documentManagement>
+    <_ip_UnifiedCompliancePolicyUIAction xmlns="http://schemas.microsoft.com/sharepoint/v3" xsi:nil="true"/>
+    <_ip_UnifiedCompliancePolicyProperties xmlns="http://schemas.microsoft.com/sharepoint/v3" xsi:nil="true"/>
+  </documentManagement>
+</p:properties>
 </file>
 
-<file path=customXml/itemProps3.xml><?xml version="1.0" encoding="utf-8"?>
+<file path=customXml/itemProps1.xml><?xml version="1.0" encoding="utf-8"?>
 <ds:datastoreItem xmlns:ds="http://schemas.openxmlformats.org/officeDocument/2006/customXml" ds:itemID="{255F5BEB-6AD6-480A-8556-C80C5EBC10F2}">
   <ds:schemaRefs>
     <ds:schemaRef ds:uri="http://schemas.microsoft.com/office/2006/metadata/contentType"/>
@@ -17136,4 +18143,30 @@
     <ds:schemaRef ds:uri="http://schemas.microsoft.com/internal/obd"/>
   </ds:schemaRefs>
 </ds:datastoreItem>
+</file>
+
+<file path=customXml/itemProps2.xml><?xml version="1.0" encoding="utf-8"?>
+<ds:datastoreItem xmlns:ds="http://schemas.openxmlformats.org/officeDocument/2006/customXml" ds:itemID="{F18501AF-04CF-4482-BAE1-607B49DDC378}">
+  <ds:schemaRefs>
+    <ds:schemaRef ds:uri="http://schemas.microsoft.com/sharepoint/v3/contenttype/forms"/>
+  </ds:schemaRefs>
+</ds:datastoreItem>
+</file>
+
+<file path=customXml/itemProps3.xml><?xml version="1.0" encoding="utf-8"?>
+<ds:datastoreItem xmlns:ds="http://schemas.openxmlformats.org/officeDocument/2006/customXml" ds:itemID="{BAF7D529-36AB-45DA-B239-2F912F2D1610}">
+  <ds:schemaRefs>
+    <ds:schemaRef ds:uri="http://schemas.microsoft.com/office/2006/metadata/properties"/>
+    <ds:schemaRef ds:uri="d9c797ad-d7c3-4982-82b7-81352a75e4a5"/>
+    <ds:schemaRef ds:uri="http://purl.org/dc/terms/"/>
+    <ds:schemaRef ds:uri="2023ac63-7b75-4916-a9ee-591457758eee"/>
+    <ds:schemaRef ds:uri="http://purl.org/dc/elements/1.1/"/>
+    <ds:schemaRef ds:uri="http://schemas.openxmlformats.org/package/2006/metadata/core-properties"/>
+    <ds:schemaRef ds:uri="http://purl.org/dc/dcmitype/"/>
+    <ds:schemaRef ds:uri="http://schemas.microsoft.com/office/2006/documentManagement/types"/>
+    <ds:schemaRef ds:uri="http://schemas.microsoft.com/office/infopath/2007/PartnerControls"/>
+    <ds:schemaRef ds:uri="http://schemas.microsoft.com/sharepoint/v3"/>
+    <ds:schemaRef ds:uri="http://www.w3.org/XML/1998/namespace"/>
+  </ds:schemaRefs>
+</ds:datastoreItem>
 </file>
--- a/Hands-on Modules/Embedding/5. Ways to Embed Power BI objects.pptx
+++ b/Hands-on Modules/Embedding/5. Ways to Embed Power BI objects.pptx
@@ -6,7 +6,7 @@
     <p:sldMasterId id="2147483665" r:id="rId5"/>
   </p:sldMasterIdLst>
   <p:notesMasterIdLst>
-    <p:notesMasterId r:id="rId23"/>
+    <p:notesMasterId r:id="rId25"/>
   </p:notesMasterIdLst>
   <p:sldIdLst>
     <p:sldId id="300" r:id="rId6"/>
@@ -24,8 +24,10 @@
     <p:sldId id="343" r:id="rId18"/>
     <p:sldId id="344" r:id="rId19"/>
     <p:sldId id="335" r:id="rId20"/>
-    <p:sldId id="333" r:id="rId21"/>
-    <p:sldId id="315" r:id="rId22"/>
+    <p:sldId id="345" r:id="rId21"/>
+    <p:sldId id="346" r:id="rId22"/>
+    <p:sldId id="333" r:id="rId23"/>
+    <p:sldId id="315" r:id="rId24"/>
   </p:sldIdLst>
   <p:sldSz cx="12192000" cy="6858000"/>
   <p:notesSz cx="6858000" cy="9144000"/>
@@ -223,7 +225,7 @@
           <a:p>
             <a:fld id="{52A13B17-C506-4D51-BB37-16B365906619}" type="datetimeFigureOut">
               <a:rPr lang="en-US" smtClean="0"/>
-              <a:t>2/26/2019</a:t>
+              <a:t>2/27/2019</a:t>
             </a:fld>
             <a:endParaRPr lang="en-US"/>
           </a:p>
@@ -772,7 +774,7 @@
           <a:p>
             <a:fld id="{35A2D088-BDBD-41A5-ADCE-5C6A4DC08057}" type="datetime8">
               <a:rPr lang="en-US" smtClean="0"/>
-              <a:t>2/26/2019 1:02 PM</a:t>
+              <a:t>2/27/2019 5:09 PM</a:t>
             </a:fld>
             <a:endParaRPr lang="en-US" dirty="0"/>
           </a:p>
@@ -1248,7 +1250,7 @@
           <a:p>
             <a:fld id="{35A2D088-BDBD-41A5-ADCE-5C6A4DC08057}" type="datetime8">
               <a:rPr lang="en-US" smtClean="0"/>
-              <a:t>2/26/2019 1:02 PM</a:t>
+              <a:t>2/27/2019 5:09 PM</a:t>
             </a:fld>
             <a:endParaRPr lang="en-US" dirty="0"/>
           </a:p>
@@ -1272,7 +1274,7 @@
             <a:fld id="{B4008EB6-D09E-4580-8CD6-DDB14511944F}" type="slidenum">
               <a:rPr lang="en-US" smtClean="0"/>
               <a:pPr/>
-              <a:t>16</a:t>
+              <a:t>18</a:t>
             </a:fld>
             <a:endParaRPr lang="en-US" dirty="0"/>
           </a:p>
@@ -1398,7 +1400,7 @@
                   <a:prstClr val="black"/>
                 </a:solidFill>
               </a:rPr>
-              <a:t>2/26/2019 1:02 PM</a:t>
+              <a:t>2/27/2019 5:13 PM</a:t>
             </a:fld>
             <a:endParaRPr lang="en-US" dirty="0">
               <a:solidFill>
@@ -1430,7 +1432,7 @@
                 </a:solidFill>
               </a:rPr>
               <a:pPr/>
-              <a:t>17</a:t>
+              <a:t>19</a:t>
             </a:fld>
             <a:endParaRPr lang="en-US" dirty="0">
               <a:solidFill>
@@ -11544,7 +11546,7 @@
             <a:fld id="{2E809A50-B28D-413A-915D-87F91E5248C6}" type="datetimeFigureOut">
               <a:rPr lang="en-US" smtClean="0"/>
               <a:pPr/>
-              <a:t>2/26/2019</a:t>
+              <a:t>2/27/2019</a:t>
             </a:fld>
             <a:endParaRPr lang="en-US"/>
           </a:p>
@@ -11731,7 +11733,7 @@
           <a:p>
             <a:fld id="{1279C872-40C5-4778-A459-913B2790679C}" type="datetimeFigureOut">
               <a:rPr lang="en-US" smtClean="0"/>
-              <a:t>2/26/2019</a:t>
+              <a:t>2/27/2019</a:t>
             </a:fld>
             <a:endParaRPr lang="en-US"/>
           </a:p>
@@ -11795,6 +11797,418 @@
     <p:extLst>
       <p:ext uri="{BB962C8B-B14F-4D97-AF65-F5344CB8AC3E}">
         <p14:creationId xmlns:p14="http://schemas.microsoft.com/office/powerpoint/2010/main" val="27295616"/>
+      </p:ext>
+    </p:extLst>
+  </p:cSld>
+  <p:clrMapOvr>
+    <a:masterClrMapping/>
+  </p:clrMapOvr>
+</p:sldLayout>
+</file>
+
+<file path=ppt/slideLayouts/slideLayout32.xml><?xml version="1.0" encoding="utf-8"?>
+<p:sldLayout xmlns:a="http://schemas.openxmlformats.org/drawingml/2006/main" xmlns:r="http://schemas.openxmlformats.org/officeDocument/2006/relationships" xmlns:p="http://schemas.openxmlformats.org/presentationml/2006/main" type="twoTxTwoObj">
+  <p:cSld name="Comparison">
+    <p:spTree>
+      <p:nvGrpSpPr>
+        <p:cNvPr id="1" name=""/>
+        <p:cNvGrpSpPr/>
+        <p:nvPr/>
+      </p:nvGrpSpPr>
+      <p:grpSpPr>
+        <a:xfrm>
+          <a:off x="0" y="0"/>
+          <a:ext cx="0" cy="0"/>
+          <a:chOff x="0" y="0"/>
+          <a:chExt cx="0" cy="0"/>
+        </a:xfrm>
+      </p:grpSpPr>
+      <p:sp>
+        <p:nvSpPr>
+          <p:cNvPr id="2" name="Title 1">
+            <a:extLst>
+              <a:ext uri="{FF2B5EF4-FFF2-40B4-BE49-F238E27FC236}">
+                <a16:creationId xmlns:a16="http://schemas.microsoft.com/office/drawing/2014/main" id="{FBE05982-4128-4C74-A82F-6F0BF058E910}"/>
+              </a:ext>
+            </a:extLst>
+          </p:cNvPr>
+          <p:cNvSpPr>
+            <a:spLocks noGrp="1"/>
+          </p:cNvSpPr>
+          <p:nvPr>
+            <p:ph type="title"/>
+          </p:nvPr>
+        </p:nvSpPr>
+        <p:spPr>
+          <a:xfrm>
+            <a:off x="839788" y="365125"/>
+            <a:ext cx="10515600" cy="1325563"/>
+          </a:xfrm>
+        </p:spPr>
+        <p:txBody>
+          <a:bodyPr/>
+          <a:lstStyle/>
+          <a:p>
+            <a:r>
+              <a:rPr lang="en-US"/>
+              <a:t>Click to edit Master title style</a:t>
+            </a:r>
+          </a:p>
+        </p:txBody>
+      </p:sp>
+      <p:sp>
+        <p:nvSpPr>
+          <p:cNvPr id="3" name="Text Placeholder 2">
+            <a:extLst>
+              <a:ext uri="{FF2B5EF4-FFF2-40B4-BE49-F238E27FC236}">
+                <a16:creationId xmlns:a16="http://schemas.microsoft.com/office/drawing/2014/main" id="{0AFF7815-6F55-41D9-974B-EE38A502FCDB}"/>
+              </a:ext>
+            </a:extLst>
+          </p:cNvPr>
+          <p:cNvSpPr>
+            <a:spLocks noGrp="1"/>
+          </p:cNvSpPr>
+          <p:nvPr>
+            <p:ph type="body" idx="1"/>
+          </p:nvPr>
+        </p:nvSpPr>
+        <p:spPr>
+          <a:xfrm>
+            <a:off x="839788" y="1681163"/>
+            <a:ext cx="5157787" cy="823912"/>
+          </a:xfrm>
+        </p:spPr>
+        <p:txBody>
+          <a:bodyPr anchor="b"/>
+          <a:lstStyle>
+            <a:lvl1pPr marL="0" indent="0">
+              <a:buNone/>
+              <a:defRPr sz="2400" b="1"/>
+            </a:lvl1pPr>
+            <a:lvl2pPr marL="457200" indent="0">
+              <a:buNone/>
+              <a:defRPr sz="2000" b="1"/>
+            </a:lvl2pPr>
+            <a:lvl3pPr marL="914400" indent="0">
+              <a:buNone/>
+              <a:defRPr sz="1800" b="1"/>
+            </a:lvl3pPr>
+            <a:lvl4pPr marL="1371600" indent="0">
+              <a:buNone/>
+              <a:defRPr sz="1600" b="1"/>
+            </a:lvl4pPr>
+            <a:lvl5pPr marL="1828800" indent="0">
+              <a:buNone/>
+              <a:defRPr sz="1600" b="1"/>
+            </a:lvl5pPr>
+            <a:lvl6pPr marL="2286000" indent="0">
+              <a:buNone/>
+              <a:defRPr sz="1600" b="1"/>
+            </a:lvl6pPr>
+            <a:lvl7pPr marL="2743200" indent="0">
+              <a:buNone/>
+              <a:defRPr sz="1600" b="1"/>
+            </a:lvl7pPr>
+            <a:lvl8pPr marL="3200400" indent="0">
+              <a:buNone/>
+              <a:defRPr sz="1600" b="1"/>
+            </a:lvl8pPr>
+            <a:lvl9pPr marL="3657600" indent="0">
+              <a:buNone/>
+              <a:defRPr sz="1600" b="1"/>
+            </a:lvl9pPr>
+          </a:lstStyle>
+          <a:p>
+            <a:pPr lvl="0"/>
+            <a:r>
+              <a:rPr lang="en-US"/>
+              <a:t>Edit Master text styles</a:t>
+            </a:r>
+          </a:p>
+        </p:txBody>
+      </p:sp>
+      <p:sp>
+        <p:nvSpPr>
+          <p:cNvPr id="4" name="Content Placeholder 3">
+            <a:extLst>
+              <a:ext uri="{FF2B5EF4-FFF2-40B4-BE49-F238E27FC236}">
+                <a16:creationId xmlns:a16="http://schemas.microsoft.com/office/drawing/2014/main" id="{D2B98FC6-D6EB-4E66-9E44-3C23F16FB85D}"/>
+              </a:ext>
+            </a:extLst>
+          </p:cNvPr>
+          <p:cNvSpPr>
+            <a:spLocks noGrp="1"/>
+          </p:cNvSpPr>
+          <p:nvPr>
+            <p:ph sz="half" idx="2"/>
+          </p:nvPr>
+        </p:nvSpPr>
+        <p:spPr>
+          <a:xfrm>
+            <a:off x="839788" y="2505075"/>
+            <a:ext cx="5157787" cy="3684588"/>
+          </a:xfrm>
+        </p:spPr>
+        <p:txBody>
+          <a:bodyPr/>
+          <a:lstStyle/>
+          <a:p>
+            <a:pPr lvl="0"/>
+            <a:r>
+              <a:rPr lang="en-US"/>
+              <a:t>Edit Master text styles</a:t>
+            </a:r>
+          </a:p>
+          <a:p>
+            <a:pPr lvl="1"/>
+            <a:r>
+              <a:rPr lang="en-US"/>
+              <a:t>Second level</a:t>
+            </a:r>
+          </a:p>
+          <a:p>
+            <a:pPr lvl="2"/>
+            <a:r>
+              <a:rPr lang="en-US"/>
+              <a:t>Third level</a:t>
+            </a:r>
+          </a:p>
+          <a:p>
+            <a:pPr lvl="3"/>
+            <a:r>
+              <a:rPr lang="en-US"/>
+              <a:t>Fourth level</a:t>
+            </a:r>
+          </a:p>
+          <a:p>
+            <a:pPr lvl="4"/>
+            <a:r>
+              <a:rPr lang="en-US"/>
+              <a:t>Fifth level</a:t>
+            </a:r>
+          </a:p>
+        </p:txBody>
+      </p:sp>
+      <p:sp>
+        <p:nvSpPr>
+          <p:cNvPr id="5" name="Text Placeholder 4">
+            <a:extLst>
+              <a:ext uri="{FF2B5EF4-FFF2-40B4-BE49-F238E27FC236}">
+                <a16:creationId xmlns:a16="http://schemas.microsoft.com/office/drawing/2014/main" id="{B952DB83-BA9E-4755-9DAE-5D7142971AFE}"/>
+              </a:ext>
+            </a:extLst>
+          </p:cNvPr>
+          <p:cNvSpPr>
+            <a:spLocks noGrp="1"/>
+          </p:cNvSpPr>
+          <p:nvPr>
+            <p:ph type="body" sz="quarter" idx="3"/>
+          </p:nvPr>
+        </p:nvSpPr>
+        <p:spPr>
+          <a:xfrm>
+            <a:off x="6172200" y="1681163"/>
+            <a:ext cx="5183188" cy="823912"/>
+          </a:xfrm>
+        </p:spPr>
+        <p:txBody>
+          <a:bodyPr anchor="b"/>
+          <a:lstStyle>
+            <a:lvl1pPr marL="0" indent="0">
+              <a:buNone/>
+              <a:defRPr sz="2400" b="1"/>
+            </a:lvl1pPr>
+            <a:lvl2pPr marL="457200" indent="0">
+              <a:buNone/>
+              <a:defRPr sz="2000" b="1"/>
+            </a:lvl2pPr>
+            <a:lvl3pPr marL="914400" indent="0">
+              <a:buNone/>
+              <a:defRPr sz="1800" b="1"/>
+            </a:lvl3pPr>
+            <a:lvl4pPr marL="1371600" indent="0">
+              <a:buNone/>
+              <a:defRPr sz="1600" b="1"/>
+            </a:lvl4pPr>
+            <a:lvl5pPr marL="1828800" indent="0">
+              <a:buNone/>
+              <a:defRPr sz="1600" b="1"/>
+            </a:lvl5pPr>
+            <a:lvl6pPr marL="2286000" indent="0">
+              <a:buNone/>
+              <a:defRPr sz="1600" b="1"/>
+            </a:lvl6pPr>
+            <a:lvl7pPr marL="2743200" indent="0">
+              <a:buNone/>
+              <a:defRPr sz="1600" b="1"/>
+            </a:lvl7pPr>
+            <a:lvl8pPr marL="3200400" indent="0">
+              <a:buNone/>
+              <a:defRPr sz="1600" b="1"/>
+            </a:lvl8pPr>
+            <a:lvl9pPr marL="3657600" indent="0">
+              <a:buNone/>
+              <a:defRPr sz="1600" b="1"/>
+            </a:lvl9pPr>
+          </a:lstStyle>
+          <a:p>
+            <a:pPr lvl="0"/>
+            <a:r>
+              <a:rPr lang="en-US"/>
+              <a:t>Edit Master text styles</a:t>
+            </a:r>
+          </a:p>
+        </p:txBody>
+      </p:sp>
+      <p:sp>
+        <p:nvSpPr>
+          <p:cNvPr id="6" name="Content Placeholder 5">
+            <a:extLst>
+              <a:ext uri="{FF2B5EF4-FFF2-40B4-BE49-F238E27FC236}">
+                <a16:creationId xmlns:a16="http://schemas.microsoft.com/office/drawing/2014/main" id="{48AC0E1F-988F-49C2-BADE-8A6C0F94A8A6}"/>
+              </a:ext>
+            </a:extLst>
+          </p:cNvPr>
+          <p:cNvSpPr>
+            <a:spLocks noGrp="1"/>
+          </p:cNvSpPr>
+          <p:nvPr>
+            <p:ph sz="quarter" idx="4"/>
+          </p:nvPr>
+        </p:nvSpPr>
+        <p:spPr>
+          <a:xfrm>
+            <a:off x="6172200" y="2505075"/>
+            <a:ext cx="5183188" cy="3684588"/>
+          </a:xfrm>
+        </p:spPr>
+        <p:txBody>
+          <a:bodyPr/>
+          <a:lstStyle/>
+          <a:p>
+            <a:pPr lvl="0"/>
+            <a:r>
+              <a:rPr lang="en-US"/>
+              <a:t>Edit Master text styles</a:t>
+            </a:r>
+          </a:p>
+          <a:p>
+            <a:pPr lvl="1"/>
+            <a:r>
+              <a:rPr lang="en-US"/>
+              <a:t>Second level</a:t>
+            </a:r>
+          </a:p>
+          <a:p>
+            <a:pPr lvl="2"/>
+            <a:r>
+              <a:rPr lang="en-US"/>
+              <a:t>Third level</a:t>
+            </a:r>
+          </a:p>
+          <a:p>
+            <a:pPr lvl="3"/>
+            <a:r>
+              <a:rPr lang="en-US"/>
+              <a:t>Fourth level</a:t>
+            </a:r>
+          </a:p>
+          <a:p>
+            <a:pPr lvl="4"/>
+            <a:r>
+              <a:rPr lang="en-US"/>
+              <a:t>Fifth level</a:t>
+            </a:r>
+          </a:p>
+        </p:txBody>
+      </p:sp>
+      <p:sp>
+        <p:nvSpPr>
+          <p:cNvPr id="7" name="Date Placeholder 6">
+            <a:extLst>
+              <a:ext uri="{FF2B5EF4-FFF2-40B4-BE49-F238E27FC236}">
+                <a16:creationId xmlns:a16="http://schemas.microsoft.com/office/drawing/2014/main" id="{E9F937FE-B24B-43F8-AA79-6E6EEA685A25}"/>
+              </a:ext>
+            </a:extLst>
+          </p:cNvPr>
+          <p:cNvSpPr>
+            <a:spLocks noGrp="1"/>
+          </p:cNvSpPr>
+          <p:nvPr>
+            <p:ph type="dt" sz="half" idx="10"/>
+          </p:nvPr>
+        </p:nvSpPr>
+        <p:spPr/>
+        <p:txBody>
+          <a:bodyPr/>
+          <a:lstStyle/>
+          <a:p>
+            <a:fld id="{1279C872-40C5-4778-A459-913B2790679C}" type="datetimeFigureOut">
+              <a:rPr lang="en-US" smtClean="0"/>
+              <a:t>2/27/2019</a:t>
+            </a:fld>
+            <a:endParaRPr lang="en-US"/>
+          </a:p>
+        </p:txBody>
+      </p:sp>
+      <p:sp>
+        <p:nvSpPr>
+          <p:cNvPr id="8" name="Footer Placeholder 7">
+            <a:extLst>
+              <a:ext uri="{FF2B5EF4-FFF2-40B4-BE49-F238E27FC236}">
+                <a16:creationId xmlns:a16="http://schemas.microsoft.com/office/drawing/2014/main" id="{68827D29-E907-475D-95CD-8A4ECF082A5C}"/>
+              </a:ext>
+            </a:extLst>
+          </p:cNvPr>
+          <p:cNvSpPr>
+            <a:spLocks noGrp="1"/>
+          </p:cNvSpPr>
+          <p:nvPr>
+            <p:ph type="ftr" sz="quarter" idx="11"/>
+          </p:nvPr>
+        </p:nvSpPr>
+        <p:spPr/>
+        <p:txBody>
+          <a:bodyPr/>
+          <a:lstStyle/>
+          <a:p>
+            <a:endParaRPr lang="en-US"/>
+          </a:p>
+        </p:txBody>
+      </p:sp>
+      <p:sp>
+        <p:nvSpPr>
+          <p:cNvPr id="9" name="Slide Number Placeholder 8">
+            <a:extLst>
+              <a:ext uri="{FF2B5EF4-FFF2-40B4-BE49-F238E27FC236}">
+                <a16:creationId xmlns:a16="http://schemas.microsoft.com/office/drawing/2014/main" id="{B5F2C0BF-BBC3-41FF-9520-E5229089E22B}"/>
+              </a:ext>
+            </a:extLst>
+          </p:cNvPr>
+          <p:cNvSpPr>
+            <a:spLocks noGrp="1"/>
+          </p:cNvSpPr>
+          <p:nvPr>
+            <p:ph type="sldNum" sz="quarter" idx="12"/>
+          </p:nvPr>
+        </p:nvSpPr>
+        <p:spPr/>
+        <p:txBody>
+          <a:bodyPr/>
+          <a:lstStyle/>
+          <a:p>
+            <a:fld id="{A9750100-3570-4DE3-A91F-E57EAF767500}" type="slidenum">
+              <a:rPr lang="en-US" smtClean="0"/>
+              <a:t>‹#›</a:t>
+            </a:fld>
+            <a:endParaRPr lang="en-US"/>
+          </a:p>
+        </p:txBody>
+      </p:sp>
+    </p:spTree>
+    <p:extLst>
+      <p:ext uri="{BB962C8B-B14F-4D97-AF65-F5344CB8AC3E}">
+        <p14:creationId xmlns:p14="http://schemas.microsoft.com/office/powerpoint/2010/main" val="3179044176"/>
       </p:ext>
     </p:extLst>
   </p:cSld>
@@ -13471,6 +13885,7 @@
     <p:sldLayoutId id="2147483683" r:id="rId18"/>
     <p:sldLayoutId id="2147483693" r:id="rId19"/>
     <p:sldLayoutId id="2147483694" r:id="rId20"/>
+    <p:sldLayoutId id="2147483695" r:id="rId21"/>
   </p:sldLayoutIdLst>
   <p:transition>
     <p:fade/>
@@ -15740,6 +16155,245 @@
       </p:grpSpPr>
       <p:sp>
         <p:nvSpPr>
+          <p:cNvPr id="2" name="Title 1">
+            <a:extLst>
+              <a:ext uri="{FF2B5EF4-FFF2-40B4-BE49-F238E27FC236}">
+                <a16:creationId xmlns:a16="http://schemas.microsoft.com/office/drawing/2014/main" id="{6EB0EE16-51FA-4CD3-957F-FBF75DF06F06}"/>
+              </a:ext>
+            </a:extLst>
+          </p:cNvPr>
+          <p:cNvSpPr>
+            <a:spLocks noGrp="1"/>
+          </p:cNvSpPr>
+          <p:nvPr>
+            <p:ph type="title"/>
+          </p:nvPr>
+        </p:nvSpPr>
+        <p:spPr/>
+        <p:txBody>
+          <a:bodyPr/>
+          <a:lstStyle/>
+          <a:p>
+            <a:r>
+              <a:rPr lang="en-US" dirty="0"/>
+              <a:t>FAQs</a:t>
+            </a:r>
+          </a:p>
+        </p:txBody>
+      </p:sp>
+    </p:spTree>
+    <p:extLst>
+      <p:ext uri="{BB962C8B-B14F-4D97-AF65-F5344CB8AC3E}">
+        <p14:creationId xmlns:p14="http://schemas.microsoft.com/office/powerpoint/2010/main" val="3290717234"/>
+      </p:ext>
+    </p:extLst>
+  </p:cSld>
+  <p:clrMapOvr>
+    <a:masterClrMapping/>
+  </p:clrMapOvr>
+  <p:transition>
+    <p:fade/>
+  </p:transition>
+</p:sld>
+</file>
+
+<file path=ppt/slides/slide17.xml><?xml version="1.0" encoding="utf-8"?>
+<p:sld xmlns:a="http://schemas.openxmlformats.org/drawingml/2006/main" xmlns:r="http://schemas.openxmlformats.org/officeDocument/2006/relationships" xmlns:p="http://schemas.openxmlformats.org/presentationml/2006/main">
+  <p:cSld>
+    <p:spTree>
+      <p:nvGrpSpPr>
+        <p:cNvPr id="1" name=""/>
+        <p:cNvGrpSpPr/>
+        <p:nvPr/>
+      </p:nvGrpSpPr>
+      <p:grpSpPr>
+        <a:xfrm>
+          <a:off x="0" y="0"/>
+          <a:ext cx="0" cy="0"/>
+          <a:chOff x="0" y="0"/>
+          <a:chExt cx="0" cy="0"/>
+        </a:xfrm>
+      </p:grpSpPr>
+      <p:sp>
+        <p:nvSpPr>
+          <p:cNvPr id="2" name="Title 1">
+            <a:extLst>
+              <a:ext uri="{FF2B5EF4-FFF2-40B4-BE49-F238E27FC236}">
+                <a16:creationId xmlns:a16="http://schemas.microsoft.com/office/drawing/2014/main" id="{113A9765-A80A-4187-A741-561D23FE7FDF}"/>
+              </a:ext>
+            </a:extLst>
+          </p:cNvPr>
+          <p:cNvSpPr>
+            <a:spLocks noGrp="1"/>
+          </p:cNvSpPr>
+          <p:nvPr>
+            <p:ph type="title"/>
+          </p:nvPr>
+        </p:nvSpPr>
+        <p:spPr/>
+        <p:txBody>
+          <a:bodyPr/>
+          <a:lstStyle/>
+          <a:p>
+            <a:r>
+              <a:rPr lang="en-US" dirty="0"/>
+              <a:t>FAQs</a:t>
+            </a:r>
+          </a:p>
+        </p:txBody>
+      </p:sp>
+      <p:sp>
+        <p:nvSpPr>
+          <p:cNvPr id="3" name="Text Placeholder 2">
+            <a:extLst>
+              <a:ext uri="{FF2B5EF4-FFF2-40B4-BE49-F238E27FC236}">
+                <a16:creationId xmlns:a16="http://schemas.microsoft.com/office/drawing/2014/main" id="{B62A60E8-C99D-4C28-9D0A-9F2268FF8F9B}"/>
+              </a:ext>
+            </a:extLst>
+          </p:cNvPr>
+          <p:cNvSpPr>
+            <a:spLocks noGrp="1"/>
+          </p:cNvSpPr>
+          <p:nvPr>
+            <p:ph type="body" idx="1"/>
+          </p:nvPr>
+        </p:nvSpPr>
+        <p:spPr>
+          <a:xfrm>
+            <a:off x="839788" y="1960310"/>
+            <a:ext cx="5157787" cy="406265"/>
+          </a:xfrm>
+        </p:spPr>
+        <p:txBody>
+          <a:bodyPr anchor="ctr"/>
+          <a:lstStyle/>
+          <a:p>
+            <a:endParaRPr lang="en-US" sz="1600" dirty="0"/>
+          </a:p>
+        </p:txBody>
+      </p:sp>
+      <p:sp>
+        <p:nvSpPr>
+          <p:cNvPr id="4" name="Content Placeholder 3">
+            <a:extLst>
+              <a:ext uri="{FF2B5EF4-FFF2-40B4-BE49-F238E27FC236}">
+                <a16:creationId xmlns:a16="http://schemas.microsoft.com/office/drawing/2014/main" id="{CCBBAC2C-A011-4519-9074-762A931C8212}"/>
+              </a:ext>
+            </a:extLst>
+          </p:cNvPr>
+          <p:cNvSpPr>
+            <a:spLocks noGrp="1"/>
+          </p:cNvSpPr>
+          <p:nvPr>
+            <p:ph sz="half" idx="2"/>
+          </p:nvPr>
+        </p:nvSpPr>
+        <p:spPr>
+          <a:xfrm>
+            <a:off x="839788" y="2505075"/>
+            <a:ext cx="5157787" cy="406265"/>
+          </a:xfrm>
+        </p:spPr>
+        <p:txBody>
+          <a:bodyPr/>
+          <a:lstStyle/>
+          <a:p>
+            <a:endParaRPr lang="en-US" sz="1600" dirty="0"/>
+          </a:p>
+        </p:txBody>
+      </p:sp>
+      <p:sp>
+        <p:nvSpPr>
+          <p:cNvPr id="5" name="Text Placeholder 4">
+            <a:extLst>
+              <a:ext uri="{FF2B5EF4-FFF2-40B4-BE49-F238E27FC236}">
+                <a16:creationId xmlns:a16="http://schemas.microsoft.com/office/drawing/2014/main" id="{0D3B65E4-3ABD-4555-9A90-072B0AE0CD6D}"/>
+              </a:ext>
+            </a:extLst>
+          </p:cNvPr>
+          <p:cNvSpPr>
+            <a:spLocks noGrp="1"/>
+          </p:cNvSpPr>
+          <p:nvPr>
+            <p:ph type="body" sz="quarter" idx="3"/>
+          </p:nvPr>
+        </p:nvSpPr>
+        <p:spPr>
+          <a:xfrm>
+            <a:off x="6172200" y="1960310"/>
+            <a:ext cx="5183188" cy="406265"/>
+          </a:xfrm>
+        </p:spPr>
+        <p:txBody>
+          <a:bodyPr anchor="ctr"/>
+          <a:lstStyle/>
+          <a:p>
+            <a:endParaRPr lang="en-US" sz="1600" dirty="0"/>
+          </a:p>
+        </p:txBody>
+      </p:sp>
+      <p:sp>
+        <p:nvSpPr>
+          <p:cNvPr id="6" name="Content Placeholder 5">
+            <a:extLst>
+              <a:ext uri="{FF2B5EF4-FFF2-40B4-BE49-F238E27FC236}">
+                <a16:creationId xmlns:a16="http://schemas.microsoft.com/office/drawing/2014/main" id="{8C9DC2E3-6A23-4749-93BF-4BD180BCA396}"/>
+              </a:ext>
+            </a:extLst>
+          </p:cNvPr>
+          <p:cNvSpPr>
+            <a:spLocks noGrp="1"/>
+          </p:cNvSpPr>
+          <p:nvPr>
+            <p:ph sz="quarter" idx="4"/>
+          </p:nvPr>
+        </p:nvSpPr>
+        <p:spPr>
+          <a:xfrm>
+            <a:off x="6172200" y="2505075"/>
+            <a:ext cx="5183188" cy="406265"/>
+          </a:xfrm>
+        </p:spPr>
+        <p:txBody>
+          <a:bodyPr/>
+          <a:lstStyle/>
+          <a:p>
+            <a:endParaRPr lang="en-US" sz="1600" dirty="0"/>
+          </a:p>
+        </p:txBody>
+      </p:sp>
+    </p:spTree>
+    <p:extLst>
+      <p:ext uri="{BB962C8B-B14F-4D97-AF65-F5344CB8AC3E}">
+        <p14:creationId xmlns:p14="http://schemas.microsoft.com/office/powerpoint/2010/main" val="2835079792"/>
+      </p:ext>
+    </p:extLst>
+  </p:cSld>
+  <p:clrMapOvr>
+    <a:masterClrMapping/>
+  </p:clrMapOvr>
+</p:sld>
+</file>
+
+<file path=ppt/slides/slide18.xml><?xml version="1.0" encoding="utf-8"?>
+<p:sld xmlns:a="http://schemas.openxmlformats.org/drawingml/2006/main" xmlns:r="http://schemas.openxmlformats.org/officeDocument/2006/relationships" xmlns:p="http://schemas.openxmlformats.org/presentationml/2006/main">
+  <p:cSld>
+    <p:spTree>
+      <p:nvGrpSpPr>
+        <p:cNvPr id="1" name=""/>
+        <p:cNvGrpSpPr/>
+        <p:nvPr/>
+      </p:nvGrpSpPr>
+      <p:grpSpPr>
+        <a:xfrm>
+          <a:off x="0" y="0"/>
+          <a:ext cx="0" cy="0"/>
+          <a:chOff x="0" y="0"/>
+          <a:chExt cx="0" cy="0"/>
+        </a:xfrm>
+      </p:grpSpPr>
+      <p:sp>
+        <p:nvSpPr>
           <p:cNvPr id="2" name="Title 1"/>
           <p:cNvSpPr>
             <a:spLocks noGrp="1"/>
@@ -15789,17 +16443,9 @@
 </p:sld>
 </file>
 
-<file path=ppt/slides/slide17.xml><?xml version="1.0" encoding="utf-8"?>
+<file path=ppt/slides/slide19.xml><?xml version="1.0" encoding="utf-8"?>
 <p:sld xmlns:a="http://schemas.openxmlformats.org/drawingml/2006/main" xmlns:r="http://schemas.openxmlformats.org/officeDocument/2006/relationships" xmlns:p="http://schemas.openxmlformats.org/presentationml/2006/main">
   <p:cSld>
-    <p:bg>
-      <p:bgPr>
-        <a:solidFill>
-          <a:schemeClr val="bg2"/>
-        </a:solidFill>
-        <a:effectLst/>
-      </p:bgPr>
-    </p:bg>
     <p:spTree>
       <p:nvGrpSpPr>
         <p:cNvPr id="1" name=""/>
@@ -17906,6 +18552,24 @@
 </file>
 
 <file path=customXml/item1.xml><?xml version="1.0" encoding="utf-8"?>
+<p:properties xmlns:p="http://schemas.microsoft.com/office/2006/metadata/properties" xmlns:xsi="http://www.w3.org/2001/XMLSchema-instance" xmlns:pc="http://schemas.microsoft.com/office/infopath/2007/PartnerControls">
+  <documentManagement>
+    <_ip_UnifiedCompliancePolicyUIAction xmlns="http://schemas.microsoft.com/sharepoint/v3" xsi:nil="true"/>
+    <_ip_UnifiedCompliancePolicyProperties xmlns="http://schemas.microsoft.com/sharepoint/v3" xsi:nil="true"/>
+  </documentManagement>
+</p:properties>
+</file>
+
+<file path=customXml/item2.xml><?xml version="1.0" encoding="utf-8"?>
+<?mso-contentType ?>
+<FormTemplates xmlns="http://schemas.microsoft.com/sharepoint/v3/contenttype/forms">
+  <Display>DocumentLibraryForm</Display>
+  <Edit>DocumentLibraryForm</Edit>
+  <New>DocumentLibraryForm</New>
+</FormTemplates>
+</file>
+
+<file path=customXml/item3.xml><?xml version="1.0" encoding="utf-8"?>
 <ct:contentTypeSchema xmlns:ct="http://schemas.microsoft.com/office/2006/metadata/contentType" xmlns:ma="http://schemas.microsoft.com/office/2006/metadata/properties/metaAttributes" ct:_="" ma:_="" ma:contentTypeName="Document" ma:contentTypeID="0x010100D15DFA3690A15B4081582BBCC6BEAC3E" ma:contentTypeVersion="9" ma:contentTypeDescription="Create a new document." ma:contentTypeScope="" ma:versionID="642da1784587cbe85a7fdbbe4dc36103">
   <xsd:schema xmlns:xsd="http://www.w3.org/2001/XMLSchema" xmlns:xs="http://www.w3.org/2001/XMLSchema" xmlns:p="http://schemas.microsoft.com/office/2006/metadata/properties" xmlns:ns1="http://schemas.microsoft.com/sharepoint/v3" xmlns:ns2="2023ac63-7b75-4916-a9ee-591457758eee" xmlns:ns3="d9c797ad-d7c3-4982-82b7-81352a75e4a5" targetNamespace="http://schemas.microsoft.com/office/2006/metadata/properties" ma:root="true" ma:fieldsID="91198b0246576053cc55dd2c67035a89" ns1:_="" ns2:_="" ns3:_="">
     <xsd:import namespace="http://schemas.microsoft.com/sharepoint/v3"/>
@@ -18107,25 +18771,33 @@
 </ct:contentTypeSchema>
 </file>
 
-<file path=customXml/item2.xml><?xml version="1.0" encoding="utf-8"?>
-<?mso-contentType ?>
-<FormTemplates xmlns="http://schemas.microsoft.com/sharepoint/v3/contenttype/forms">
-  <Display>DocumentLibraryForm</Display>
-  <Edit>DocumentLibraryForm</Edit>
-  <New>DocumentLibraryForm</New>
-</FormTemplates>
+<file path=customXml/itemProps1.xml><?xml version="1.0" encoding="utf-8"?>
+<ds:datastoreItem xmlns:ds="http://schemas.openxmlformats.org/officeDocument/2006/customXml" ds:itemID="{BAF7D529-36AB-45DA-B239-2F912F2D1610}">
+  <ds:schemaRefs>
+    <ds:schemaRef ds:uri="http://schemas.microsoft.com/office/2006/metadata/properties"/>
+    <ds:schemaRef ds:uri="d9c797ad-d7c3-4982-82b7-81352a75e4a5"/>
+    <ds:schemaRef ds:uri="http://purl.org/dc/terms/"/>
+    <ds:schemaRef ds:uri="2023ac63-7b75-4916-a9ee-591457758eee"/>
+    <ds:schemaRef ds:uri="http://purl.org/dc/elements/1.1/"/>
+    <ds:schemaRef ds:uri="http://schemas.openxmlformats.org/package/2006/metadata/core-properties"/>
+    <ds:schemaRef ds:uri="http://purl.org/dc/dcmitype/"/>
+    <ds:schemaRef ds:uri="http://schemas.microsoft.com/office/2006/documentManagement/types"/>
+    <ds:schemaRef ds:uri="http://schemas.microsoft.com/office/infopath/2007/PartnerControls"/>
+    <ds:schemaRef ds:uri="http://schemas.microsoft.com/sharepoint/v3"/>
+    <ds:schemaRef ds:uri="http://www.w3.org/XML/1998/namespace"/>
+  </ds:schemaRefs>
+</ds:datastoreItem>
 </file>
 
-<file path=customXml/item3.xml><?xml version="1.0" encoding="utf-8"?>
-<p:properties xmlns:p="http://schemas.microsoft.com/office/2006/metadata/properties" xmlns:xsi="http://www.w3.org/2001/XMLSchema-instance" xmlns:pc="http://schemas.microsoft.com/office/infopath/2007/PartnerControls">
-  <documentManagement>
-    <_ip_UnifiedCompliancePolicyUIAction xmlns="http://schemas.microsoft.com/sharepoint/v3" xsi:nil="true"/>
-    <_ip_UnifiedCompliancePolicyProperties xmlns="http://schemas.microsoft.com/sharepoint/v3" xsi:nil="true"/>
-  </documentManagement>
-</p:properties>
+<file path=customXml/itemProps2.xml><?xml version="1.0" encoding="utf-8"?>
+<ds:datastoreItem xmlns:ds="http://schemas.openxmlformats.org/officeDocument/2006/customXml" ds:itemID="{F18501AF-04CF-4482-BAE1-607B49DDC378}">
+  <ds:schemaRefs>
+    <ds:schemaRef ds:uri="http://schemas.microsoft.com/sharepoint/v3/contenttype/forms"/>
+  </ds:schemaRefs>
+</ds:datastoreItem>
 </file>
 
-<file path=customXml/itemProps1.xml><?xml version="1.0" encoding="utf-8"?>
+<file path=customXml/itemProps3.xml><?xml version="1.0" encoding="utf-8"?>
 <ds:datastoreItem xmlns:ds="http://schemas.openxmlformats.org/officeDocument/2006/customXml" ds:itemID="{255F5BEB-6AD6-480A-8556-C80C5EBC10F2}">
   <ds:schemaRefs>
     <ds:schemaRef ds:uri="http://schemas.microsoft.com/office/2006/metadata/contentType"/>
@@ -18143,30 +18815,4 @@
     <ds:schemaRef ds:uri="http://schemas.microsoft.com/internal/obd"/>
   </ds:schemaRefs>
 </ds:datastoreItem>
-</file>
-
-<file path=customXml/itemProps2.xml><?xml version="1.0" encoding="utf-8"?>
-<ds:datastoreItem xmlns:ds="http://schemas.openxmlformats.org/officeDocument/2006/customXml" ds:itemID="{F18501AF-04CF-4482-BAE1-607B49DDC378}">
-  <ds:schemaRefs>
-    <ds:schemaRef ds:uri="http://schemas.microsoft.com/sharepoint/v3/contenttype/forms"/>
-  </ds:schemaRefs>
-</ds:datastoreItem>
-</file>
-
-<file path=customXml/itemProps3.xml><?xml version="1.0" encoding="utf-8"?>
-<ds:datastoreItem xmlns:ds="http://schemas.openxmlformats.org/officeDocument/2006/customXml" ds:itemID="{BAF7D529-36AB-45DA-B239-2F912F2D1610}">
-  <ds:schemaRefs>
-    <ds:schemaRef ds:uri="http://schemas.microsoft.com/office/2006/metadata/properties"/>
-    <ds:schemaRef ds:uri="d9c797ad-d7c3-4982-82b7-81352a75e4a5"/>
-    <ds:schemaRef ds:uri="http://purl.org/dc/terms/"/>
-    <ds:schemaRef ds:uri="2023ac63-7b75-4916-a9ee-591457758eee"/>
-    <ds:schemaRef ds:uri="http://purl.org/dc/elements/1.1/"/>
-    <ds:schemaRef ds:uri="http://schemas.openxmlformats.org/package/2006/metadata/core-properties"/>
-    <ds:schemaRef ds:uri="http://purl.org/dc/dcmitype/"/>
-    <ds:schemaRef ds:uri="http://schemas.microsoft.com/office/2006/documentManagement/types"/>
-    <ds:schemaRef ds:uri="http://schemas.microsoft.com/office/infopath/2007/PartnerControls"/>
-    <ds:schemaRef ds:uri="http://schemas.microsoft.com/sharepoint/v3"/>
-    <ds:schemaRef ds:uri="http://www.w3.org/XML/1998/namespace"/>
-  </ds:schemaRefs>
-</ds:datastoreItem>
 </file>